--- a/12.Threads/ThreadsPresentation.pptx
+++ b/12.Threads/ThreadsPresentation.pptx
@@ -5,37 +5,36 @@
     <p:sldMasterId id="2147483661" r:id="rId1"/>
   </p:sldMasterIdLst>
   <p:notesMasterIdLst>
-    <p:notesMasterId r:id="rId13"/>
+    <p:notesMasterId r:id="rId12"/>
   </p:notesMasterIdLst>
   <p:sldIdLst>
     <p:sldId id="256" r:id="rId2"/>
     <p:sldId id="259" r:id="rId3"/>
     <p:sldId id="273" r:id="rId4"/>
     <p:sldId id="274" r:id="rId5"/>
-    <p:sldId id="276" r:id="rId6"/>
-    <p:sldId id="278" r:id="rId7"/>
-    <p:sldId id="268" r:id="rId8"/>
-    <p:sldId id="279" r:id="rId9"/>
-    <p:sldId id="280" r:id="rId10"/>
-    <p:sldId id="281" r:id="rId11"/>
-    <p:sldId id="282" r:id="rId12"/>
+    <p:sldId id="278" r:id="rId6"/>
+    <p:sldId id="268" r:id="rId7"/>
+    <p:sldId id="279" r:id="rId8"/>
+    <p:sldId id="280" r:id="rId9"/>
+    <p:sldId id="281" r:id="rId10"/>
+    <p:sldId id="282" r:id="rId11"/>
   </p:sldIdLst>
   <p:sldSz cx="9144000" cy="6858000" type="screen4x3"/>
   <p:notesSz cx="6858000" cy="9144000"/>
   <p:embeddedFontLst>
     <p:embeddedFont>
       <p:font typeface="Calibri" panose="020F0502020204030204" pitchFamily="34" charset="0"/>
-      <p:regular r:id="rId14"/>
-      <p:bold r:id="rId15"/>
-      <p:italic r:id="rId16"/>
-      <p:boldItalic r:id="rId17"/>
+      <p:regular r:id="rId13"/>
+      <p:bold r:id="rId14"/>
+      <p:italic r:id="rId15"/>
+      <p:boldItalic r:id="rId16"/>
     </p:embeddedFont>
     <p:embeddedFont>
       <p:font typeface="Roboto" panose="020B0604020202020204" charset="0"/>
-      <p:regular r:id="rId18"/>
-      <p:bold r:id="rId19"/>
-      <p:italic r:id="rId20"/>
-      <p:boldItalic r:id="rId21"/>
+      <p:regular r:id="rId17"/>
+      <p:bold r:id="rId18"/>
+      <p:italic r:id="rId19"/>
+      <p:boldItalic r:id="rId20"/>
     </p:embeddedFont>
   </p:embeddedFontLst>
   <p:defaultTextStyle>
@@ -1667,199 +1666,6 @@
     </p:spTree>
     <p:extLst>
       <p:ext uri="{BB962C8B-B14F-4D97-AF65-F5344CB8AC3E}">
-        <p14:creationId xmlns:p14="http://schemas.microsoft.com/office/powerpoint/2010/main" val="1883314275"/>
-      </p:ext>
-    </p:extLst>
-  </p:cSld>
-  <p:clrMapOvr>
-    <a:masterClrMapping/>
-  </p:clrMapOvr>
-</p:notes>
-</file>
-
-<file path=ppt/notesSlides/notesSlide11.xml><?xml version="1.0" encoding="utf-8"?>
-<p:notes xmlns:a="http://schemas.openxmlformats.org/drawingml/2006/main" xmlns:r="http://schemas.openxmlformats.org/officeDocument/2006/relationships" xmlns:p="http://schemas.openxmlformats.org/presentationml/2006/main" showMasterSp="0" showMasterPhAnim="0">
-  <p:cSld>
-    <p:spTree>
-      <p:nvGrpSpPr>
-        <p:cNvPr id="1" name="Shape 152"/>
-        <p:cNvGrpSpPr/>
-        <p:nvPr/>
-      </p:nvGrpSpPr>
-      <p:grpSpPr>
-        <a:xfrm>
-          <a:off x="0" y="0"/>
-          <a:ext cx="0" cy="0"/>
-          <a:chOff x="0" y="0"/>
-          <a:chExt cx="0" cy="0"/>
-        </a:xfrm>
-      </p:grpSpPr>
-      <p:sp>
-        <p:nvSpPr>
-          <p:cNvPr id="153" name="Shape 153"/>
-          <p:cNvSpPr>
-            <a:spLocks noGrp="1" noRot="1" noChangeAspect="1"/>
-          </p:cNvSpPr>
-          <p:nvPr>
-            <p:ph type="sldImg" idx="2"/>
-          </p:nvPr>
-        </p:nvSpPr>
-        <p:spPr>
-          <a:xfrm>
-            <a:off x="1143000" y="685800"/>
-            <a:ext cx="4572000" cy="3429000"/>
-          </a:xfrm>
-          <a:custGeom>
-            <a:avLst/>
-            <a:gdLst/>
-            <a:ahLst/>
-            <a:cxnLst/>
-            <a:rect l="0" t="0" r="0" b="0"/>
-            <a:pathLst>
-              <a:path w="120000" h="120000" extrusionOk="0">
-                <a:moveTo>
-                  <a:pt x="0" y="0"/>
-                </a:moveTo>
-                <a:lnTo>
-                  <a:pt x="120000" y="0"/>
-                </a:lnTo>
-                <a:lnTo>
-                  <a:pt x="120000" y="120000"/>
-                </a:lnTo>
-                <a:lnTo>
-                  <a:pt x="0" y="120000"/>
-                </a:lnTo>
-                <a:close/>
-              </a:path>
-            </a:pathLst>
-          </a:custGeom>
-          <a:noFill/>
-          <a:ln w="9525" cap="flat" cmpd="sng">
-            <a:solidFill>
-              <a:srgbClr val="000000"/>
-            </a:solidFill>
-            <a:prstDash val="solid"/>
-            <a:miter lim="800000"/>
-            <a:headEnd type="none" w="med" len="med"/>
-            <a:tailEnd type="none" w="med" len="med"/>
-          </a:ln>
-        </p:spPr>
-      </p:sp>
-      <p:sp>
-        <p:nvSpPr>
-          <p:cNvPr id="154" name="Shape 154"/>
-          <p:cNvSpPr txBox="1">
-            <a:spLocks noGrp="1"/>
-          </p:cNvSpPr>
-          <p:nvPr>
-            <p:ph type="body" idx="1"/>
-          </p:nvPr>
-        </p:nvSpPr>
-        <p:spPr>
-          <a:xfrm>
-            <a:off x="685800" y="4343400"/>
-            <a:ext cx="5486400" cy="4114800"/>
-          </a:xfrm>
-          <a:prstGeom prst="rect">
-            <a:avLst/>
-          </a:prstGeom>
-          <a:noFill/>
-          <a:ln>
-            <a:noFill/>
-          </a:ln>
-        </p:spPr>
-        <p:txBody>
-          <a:bodyPr spcFirstLastPara="1" wrap="square" lIns="91425" tIns="45700" rIns="91425" bIns="45700" anchor="t" anchorCtr="0">
-            <a:noAutofit/>
-          </a:bodyPr>
-          <a:lstStyle/>
-          <a:p>
-            <a:pPr marL="0" marR="0" lvl="0" indent="0" algn="l" rtl="0">
-              <a:spcBef>
-                <a:spcPts val="0"/>
-              </a:spcBef>
-              <a:spcAft>
-                <a:spcPts val="0"/>
-              </a:spcAft>
-              <a:buNone/>
-            </a:pPr>
-            <a:endParaRPr sz="1200" b="0" i="0" u="none" strike="noStrike" cap="none">
-              <a:solidFill>
-                <a:schemeClr val="dk1"/>
-              </a:solidFill>
-              <a:latin typeface="Calibri"/>
-              <a:ea typeface="Calibri"/>
-              <a:cs typeface="Calibri"/>
-              <a:sym typeface="Calibri"/>
-            </a:endParaRPr>
-          </a:p>
-        </p:txBody>
-      </p:sp>
-      <p:sp>
-        <p:nvSpPr>
-          <p:cNvPr id="155" name="Shape 155"/>
-          <p:cNvSpPr txBox="1">
-            <a:spLocks noGrp="1"/>
-          </p:cNvSpPr>
-          <p:nvPr>
-            <p:ph type="sldNum" idx="12"/>
-          </p:nvPr>
-        </p:nvSpPr>
-        <p:spPr>
-          <a:xfrm>
-            <a:off x="3884613" y="8685213"/>
-            <a:ext cx="2971800" cy="457200"/>
-          </a:xfrm>
-          <a:prstGeom prst="rect">
-            <a:avLst/>
-          </a:prstGeom>
-          <a:noFill/>
-          <a:ln>
-            <a:noFill/>
-          </a:ln>
-        </p:spPr>
-        <p:txBody>
-          <a:bodyPr spcFirstLastPara="1" wrap="square" lIns="91425" tIns="45700" rIns="91425" bIns="45700" anchor="b" anchorCtr="0">
-            <a:noAutofit/>
-          </a:bodyPr>
-          <a:lstStyle/>
-          <a:p>
-            <a:pPr marL="0" marR="0" lvl="0" indent="0" algn="r" rtl="0">
-              <a:spcBef>
-                <a:spcPts val="0"/>
-              </a:spcBef>
-              <a:spcAft>
-                <a:spcPts val="0"/>
-              </a:spcAft>
-              <a:buNone/>
-            </a:pPr>
-            <a:fld id="{00000000-1234-1234-1234-123412341234}" type="slidenum">
-              <a:rPr lang="en-US" sz="1200" b="0" i="0" u="none" strike="noStrike" cap="none">
-                <a:solidFill>
-                  <a:schemeClr val="dk1"/>
-                </a:solidFill>
-                <a:latin typeface="Calibri"/>
-                <a:ea typeface="Calibri"/>
-                <a:cs typeface="Calibri"/>
-                <a:sym typeface="Calibri"/>
-              </a:rPr>
-              <a:t>11</a:t>
-            </a:fld>
-            <a:endParaRPr sz="1200" b="0" i="0" u="none" strike="noStrike" cap="none">
-              <a:solidFill>
-                <a:schemeClr val="dk1"/>
-              </a:solidFill>
-              <a:latin typeface="Calibri"/>
-              <a:ea typeface="Calibri"/>
-              <a:cs typeface="Calibri"/>
-              <a:sym typeface="Calibri"/>
-            </a:endParaRPr>
-          </a:p>
-        </p:txBody>
-      </p:sp>
-    </p:spTree>
-    <p:extLst>
-      <p:ext uri="{BB962C8B-B14F-4D97-AF65-F5344CB8AC3E}">
         <p14:creationId xmlns:p14="http://schemas.microsoft.com/office/powerpoint/2010/main" val="2363581776"/>
       </p:ext>
     </p:extLst>
@@ -2449,7 +2255,7 @@
   <p:cSld>
     <p:spTree>
       <p:nvGrpSpPr>
-        <p:cNvPr id="1" name="Shape 189"/>
+        <p:cNvPr id="1" name="Shape 152"/>
         <p:cNvGrpSpPr/>
         <p:nvPr/>
       </p:nvGrpSpPr>
@@ -2463,7 +2269,7 @@
       </p:grpSpPr>
       <p:sp>
         <p:nvSpPr>
-          <p:cNvPr id="190" name="Shape 190"/>
+          <p:cNvPr id="153" name="Shape 153"/>
           <p:cNvSpPr>
             <a:spLocks noGrp="1" noRot="1" noChangeAspect="1"/>
           </p:cNvSpPr>
@@ -2514,7 +2320,7 @@
       </p:sp>
       <p:sp>
         <p:nvSpPr>
-          <p:cNvPr id="191" name="Shape 191"/>
+          <p:cNvPr id="154" name="Shape 154"/>
           <p:cNvSpPr txBox="1">
             <a:spLocks noGrp="1"/>
           </p:cNvSpPr>
@@ -2564,7 +2370,7 @@
       </p:sp>
       <p:sp>
         <p:nvSpPr>
-          <p:cNvPr id="192" name="Shape 192"/>
+          <p:cNvPr id="155" name="Shape 155"/>
           <p:cNvSpPr txBox="1">
             <a:spLocks noGrp="1"/>
           </p:cNvSpPr>
@@ -2627,7 +2433,7 @@
     </p:spTree>
     <p:extLst>
       <p:ext uri="{BB962C8B-B14F-4D97-AF65-F5344CB8AC3E}">
-        <p14:creationId xmlns:p14="http://schemas.microsoft.com/office/powerpoint/2010/main" val="1715292488"/>
+        <p14:creationId xmlns:p14="http://schemas.microsoft.com/office/powerpoint/2010/main" val="307881507"/>
       </p:ext>
     </p:extLst>
   </p:cSld>
@@ -2820,7 +2626,7 @@
     </p:spTree>
     <p:extLst>
       <p:ext uri="{BB962C8B-B14F-4D97-AF65-F5344CB8AC3E}">
-        <p14:creationId xmlns:p14="http://schemas.microsoft.com/office/powerpoint/2010/main" val="307881507"/>
+        <p14:creationId xmlns:p14="http://schemas.microsoft.com/office/powerpoint/2010/main" val="484741579"/>
       </p:ext>
     </p:extLst>
   </p:cSld>
@@ -3013,7 +2819,7 @@
     </p:spTree>
     <p:extLst>
       <p:ext uri="{BB962C8B-B14F-4D97-AF65-F5344CB8AC3E}">
-        <p14:creationId xmlns:p14="http://schemas.microsoft.com/office/powerpoint/2010/main" val="484741579"/>
+        <p14:creationId xmlns:p14="http://schemas.microsoft.com/office/powerpoint/2010/main" val="413766906"/>
       </p:ext>
     </p:extLst>
   </p:cSld>
@@ -3206,7 +3012,7 @@
     </p:spTree>
     <p:extLst>
       <p:ext uri="{BB962C8B-B14F-4D97-AF65-F5344CB8AC3E}">
-        <p14:creationId xmlns:p14="http://schemas.microsoft.com/office/powerpoint/2010/main" val="413766906"/>
+        <p14:creationId xmlns:p14="http://schemas.microsoft.com/office/powerpoint/2010/main" val="3143622111"/>
       </p:ext>
     </p:extLst>
   </p:cSld>
@@ -3399,7 +3205,7 @@
     </p:spTree>
     <p:extLst>
       <p:ext uri="{BB962C8B-B14F-4D97-AF65-F5344CB8AC3E}">
-        <p14:creationId xmlns:p14="http://schemas.microsoft.com/office/powerpoint/2010/main" val="3143622111"/>
+        <p14:creationId xmlns:p14="http://schemas.microsoft.com/office/powerpoint/2010/main" val="1883314275"/>
       </p:ext>
     </p:extLst>
   </p:cSld>
@@ -4169,881 +3975,6 @@
 </file>
 
 <file path=ppt/slideLayouts/slideLayout10.xml><?xml version="1.0" encoding="utf-8"?>
-<p:sldLayout xmlns:a="http://schemas.openxmlformats.org/drawingml/2006/main" xmlns:r="http://schemas.openxmlformats.org/officeDocument/2006/relationships" xmlns:p="http://schemas.openxmlformats.org/presentationml/2006/main" type="vertTx">
-  <p:cSld name="Заголовок и вертикальный текст">
-    <p:spTree>
-      <p:nvGrpSpPr>
-        <p:cNvPr id="1" name="Shape 100"/>
-        <p:cNvGrpSpPr/>
-        <p:nvPr/>
-      </p:nvGrpSpPr>
-      <p:grpSpPr>
-        <a:xfrm>
-          <a:off x="0" y="0"/>
-          <a:ext cx="0" cy="0"/>
-          <a:chOff x="0" y="0"/>
-          <a:chExt cx="0" cy="0"/>
-        </a:xfrm>
-      </p:grpSpPr>
-      <p:sp>
-        <p:nvSpPr>
-          <p:cNvPr id="101" name="Shape 101"/>
-          <p:cNvSpPr txBox="1">
-            <a:spLocks noGrp="1"/>
-          </p:cNvSpPr>
-          <p:nvPr>
-            <p:ph type="title"/>
-          </p:nvPr>
-        </p:nvSpPr>
-        <p:spPr>
-          <a:xfrm>
-            <a:off x="457200" y="274638"/>
-            <a:ext cx="8229600" cy="1143000"/>
-          </a:xfrm>
-          <a:prstGeom prst="rect">
-            <a:avLst/>
-          </a:prstGeom>
-          <a:noFill/>
-          <a:ln>
-            <a:noFill/>
-          </a:ln>
-        </p:spPr>
-        <p:txBody>
-          <a:bodyPr spcFirstLastPara="1" wrap="square" lIns="91425" tIns="91425" rIns="91425" bIns="91425" anchor="ctr" anchorCtr="0"/>
-          <a:lstStyle>
-            <a:lvl1pPr marR="0" lvl="0" algn="ctr" rtl="0">
-              <a:spcBef>
-                <a:spcPts val="0"/>
-              </a:spcBef>
-              <a:spcAft>
-                <a:spcPts val="0"/>
-              </a:spcAft>
-              <a:buClr>
-                <a:schemeClr val="dk1"/>
-              </a:buClr>
-              <a:buSzPts val="4400"/>
-              <a:buFont typeface="Calibri"/>
-              <a:buNone/>
-              <a:defRPr sz="4400" b="0" i="0" u="none" strike="noStrike" cap="none">
-                <a:solidFill>
-                  <a:schemeClr val="dk1"/>
-                </a:solidFill>
-                <a:latin typeface="Calibri"/>
-                <a:ea typeface="Calibri"/>
-                <a:cs typeface="Calibri"/>
-                <a:sym typeface="Calibri"/>
-              </a:defRPr>
-            </a:lvl1pPr>
-            <a:lvl2pPr lvl="1">
-              <a:spcBef>
-                <a:spcPts val="0"/>
-              </a:spcBef>
-              <a:spcAft>
-                <a:spcPts val="0"/>
-              </a:spcAft>
-              <a:buSzPts val="1400"/>
-              <a:buNone/>
-              <a:defRPr sz="1800"/>
-            </a:lvl2pPr>
-            <a:lvl3pPr lvl="2">
-              <a:spcBef>
-                <a:spcPts val="0"/>
-              </a:spcBef>
-              <a:spcAft>
-                <a:spcPts val="0"/>
-              </a:spcAft>
-              <a:buSzPts val="1400"/>
-              <a:buNone/>
-              <a:defRPr sz="1800"/>
-            </a:lvl3pPr>
-            <a:lvl4pPr lvl="3">
-              <a:spcBef>
-                <a:spcPts val="0"/>
-              </a:spcBef>
-              <a:spcAft>
-                <a:spcPts val="0"/>
-              </a:spcAft>
-              <a:buSzPts val="1400"/>
-              <a:buNone/>
-              <a:defRPr sz="1800"/>
-            </a:lvl4pPr>
-            <a:lvl5pPr lvl="4">
-              <a:spcBef>
-                <a:spcPts val="0"/>
-              </a:spcBef>
-              <a:spcAft>
-                <a:spcPts val="0"/>
-              </a:spcAft>
-              <a:buSzPts val="1400"/>
-              <a:buNone/>
-              <a:defRPr sz="1800"/>
-            </a:lvl5pPr>
-            <a:lvl6pPr lvl="5">
-              <a:spcBef>
-                <a:spcPts val="0"/>
-              </a:spcBef>
-              <a:spcAft>
-                <a:spcPts val="0"/>
-              </a:spcAft>
-              <a:buSzPts val="1400"/>
-              <a:buNone/>
-              <a:defRPr sz="1800"/>
-            </a:lvl6pPr>
-            <a:lvl7pPr lvl="6">
-              <a:spcBef>
-                <a:spcPts val="0"/>
-              </a:spcBef>
-              <a:spcAft>
-                <a:spcPts val="0"/>
-              </a:spcAft>
-              <a:buSzPts val="1400"/>
-              <a:buNone/>
-              <a:defRPr sz="1800"/>
-            </a:lvl7pPr>
-            <a:lvl8pPr lvl="7">
-              <a:spcBef>
-                <a:spcPts val="0"/>
-              </a:spcBef>
-              <a:spcAft>
-                <a:spcPts val="0"/>
-              </a:spcAft>
-              <a:buSzPts val="1400"/>
-              <a:buNone/>
-              <a:defRPr sz="1800"/>
-            </a:lvl8pPr>
-            <a:lvl9pPr lvl="8">
-              <a:spcBef>
-                <a:spcPts val="0"/>
-              </a:spcBef>
-              <a:spcAft>
-                <a:spcPts val="0"/>
-              </a:spcAft>
-              <a:buSzPts val="1400"/>
-              <a:buNone/>
-              <a:defRPr sz="1800"/>
-            </a:lvl9pPr>
-          </a:lstStyle>
-          <a:p>
-            <a:endParaRPr/>
-          </a:p>
-        </p:txBody>
-      </p:sp>
-      <p:sp>
-        <p:nvSpPr>
-          <p:cNvPr id="102" name="Shape 102"/>
-          <p:cNvSpPr txBox="1">
-            <a:spLocks noGrp="1"/>
-          </p:cNvSpPr>
-          <p:nvPr>
-            <p:ph type="body" idx="1"/>
-          </p:nvPr>
-        </p:nvSpPr>
-        <p:spPr>
-          <a:xfrm rot="5400000">
-            <a:off x="2309018" y="-251619"/>
-            <a:ext cx="4525963" cy="8229600"/>
-          </a:xfrm>
-          <a:prstGeom prst="rect">
-            <a:avLst/>
-          </a:prstGeom>
-          <a:noFill/>
-          <a:ln>
-            <a:noFill/>
-          </a:ln>
-        </p:spPr>
-        <p:txBody>
-          <a:bodyPr spcFirstLastPara="1" wrap="square" lIns="91425" tIns="91425" rIns="91425" bIns="91425" anchor="t" anchorCtr="0"/>
-          <a:lstStyle>
-            <a:lvl1pPr marL="457200" marR="0" lvl="0" indent="-431800" algn="l" rtl="0">
-              <a:spcBef>
-                <a:spcPts val="640"/>
-              </a:spcBef>
-              <a:spcAft>
-                <a:spcPts val="0"/>
-              </a:spcAft>
-              <a:buClr>
-                <a:schemeClr val="dk1"/>
-              </a:buClr>
-              <a:buSzPts val="3200"/>
-              <a:buFont typeface="Arial"/>
-              <a:buChar char="•"/>
-              <a:defRPr sz="3200" b="0" i="0" u="none" strike="noStrike" cap="none">
-                <a:solidFill>
-                  <a:schemeClr val="dk1"/>
-                </a:solidFill>
-                <a:latin typeface="Calibri"/>
-                <a:ea typeface="Calibri"/>
-                <a:cs typeface="Calibri"/>
-                <a:sym typeface="Calibri"/>
-              </a:defRPr>
-            </a:lvl1pPr>
-            <a:lvl2pPr marL="914400" marR="0" lvl="1" indent="-406400" algn="l" rtl="0">
-              <a:spcBef>
-                <a:spcPts val="560"/>
-              </a:spcBef>
-              <a:spcAft>
-                <a:spcPts val="0"/>
-              </a:spcAft>
-              <a:buClr>
-                <a:schemeClr val="dk1"/>
-              </a:buClr>
-              <a:buSzPts val="2800"/>
-              <a:buFont typeface="Arial"/>
-              <a:buChar char="–"/>
-              <a:defRPr sz="2800" b="0" i="0" u="none" strike="noStrike" cap="none">
-                <a:solidFill>
-                  <a:schemeClr val="dk1"/>
-                </a:solidFill>
-                <a:latin typeface="Calibri"/>
-                <a:ea typeface="Calibri"/>
-                <a:cs typeface="Calibri"/>
-                <a:sym typeface="Calibri"/>
-              </a:defRPr>
-            </a:lvl2pPr>
-            <a:lvl3pPr marL="1371600" marR="0" lvl="2" indent="-381000" algn="l" rtl="0">
-              <a:spcBef>
-                <a:spcPts val="480"/>
-              </a:spcBef>
-              <a:spcAft>
-                <a:spcPts val="0"/>
-              </a:spcAft>
-              <a:buClr>
-                <a:schemeClr val="dk1"/>
-              </a:buClr>
-              <a:buSzPts val="2400"/>
-              <a:buFont typeface="Arial"/>
-              <a:buChar char="•"/>
-              <a:defRPr sz="2400" b="0" i="0" u="none" strike="noStrike" cap="none">
-                <a:solidFill>
-                  <a:schemeClr val="dk1"/>
-                </a:solidFill>
-                <a:latin typeface="Calibri"/>
-                <a:ea typeface="Calibri"/>
-                <a:cs typeface="Calibri"/>
-                <a:sym typeface="Calibri"/>
-              </a:defRPr>
-            </a:lvl3pPr>
-            <a:lvl4pPr marL="1828800" marR="0" lvl="3" indent="-355600" algn="l" rtl="0">
-              <a:spcBef>
-                <a:spcPts val="400"/>
-              </a:spcBef>
-              <a:spcAft>
-                <a:spcPts val="0"/>
-              </a:spcAft>
-              <a:buClr>
-                <a:schemeClr val="dk1"/>
-              </a:buClr>
-              <a:buSzPts val="2000"/>
-              <a:buFont typeface="Arial"/>
-              <a:buChar char="–"/>
-              <a:defRPr sz="2000" b="0" i="0" u="none" strike="noStrike" cap="none">
-                <a:solidFill>
-                  <a:schemeClr val="dk1"/>
-                </a:solidFill>
-                <a:latin typeface="Calibri"/>
-                <a:ea typeface="Calibri"/>
-                <a:cs typeface="Calibri"/>
-                <a:sym typeface="Calibri"/>
-              </a:defRPr>
-            </a:lvl4pPr>
-            <a:lvl5pPr marL="2286000" marR="0" lvl="4" indent="-355600" algn="l" rtl="0">
-              <a:spcBef>
-                <a:spcPts val="400"/>
-              </a:spcBef>
-              <a:spcAft>
-                <a:spcPts val="0"/>
-              </a:spcAft>
-              <a:buClr>
-                <a:schemeClr val="dk1"/>
-              </a:buClr>
-              <a:buSzPts val="2000"/>
-              <a:buFont typeface="Arial"/>
-              <a:buChar char="»"/>
-              <a:defRPr sz="2000" b="0" i="0" u="none" strike="noStrike" cap="none">
-                <a:solidFill>
-                  <a:schemeClr val="dk1"/>
-                </a:solidFill>
-                <a:latin typeface="Calibri"/>
-                <a:ea typeface="Calibri"/>
-                <a:cs typeface="Calibri"/>
-                <a:sym typeface="Calibri"/>
-              </a:defRPr>
-            </a:lvl5pPr>
-            <a:lvl6pPr marL="2743200" marR="0" lvl="5" indent="-355600" algn="l" rtl="0">
-              <a:spcBef>
-                <a:spcPts val="400"/>
-              </a:spcBef>
-              <a:spcAft>
-                <a:spcPts val="0"/>
-              </a:spcAft>
-              <a:buClr>
-                <a:schemeClr val="dk1"/>
-              </a:buClr>
-              <a:buSzPts val="2000"/>
-              <a:buFont typeface="Arial"/>
-              <a:buChar char="•"/>
-              <a:defRPr sz="2000" b="0" i="0" u="none" strike="noStrike" cap="none">
-                <a:solidFill>
-                  <a:schemeClr val="dk1"/>
-                </a:solidFill>
-                <a:latin typeface="Calibri"/>
-                <a:ea typeface="Calibri"/>
-                <a:cs typeface="Calibri"/>
-                <a:sym typeface="Calibri"/>
-              </a:defRPr>
-            </a:lvl6pPr>
-            <a:lvl7pPr marL="3200400" marR="0" lvl="6" indent="-355600" algn="l" rtl="0">
-              <a:spcBef>
-                <a:spcPts val="400"/>
-              </a:spcBef>
-              <a:spcAft>
-                <a:spcPts val="0"/>
-              </a:spcAft>
-              <a:buClr>
-                <a:schemeClr val="dk1"/>
-              </a:buClr>
-              <a:buSzPts val="2000"/>
-              <a:buFont typeface="Arial"/>
-              <a:buChar char="•"/>
-              <a:defRPr sz="2000" b="0" i="0" u="none" strike="noStrike" cap="none">
-                <a:solidFill>
-                  <a:schemeClr val="dk1"/>
-                </a:solidFill>
-                <a:latin typeface="Calibri"/>
-                <a:ea typeface="Calibri"/>
-                <a:cs typeface="Calibri"/>
-                <a:sym typeface="Calibri"/>
-              </a:defRPr>
-            </a:lvl7pPr>
-            <a:lvl8pPr marL="3657600" marR="0" lvl="7" indent="-355600" algn="l" rtl="0">
-              <a:spcBef>
-                <a:spcPts val="400"/>
-              </a:spcBef>
-              <a:spcAft>
-                <a:spcPts val="0"/>
-              </a:spcAft>
-              <a:buClr>
-                <a:schemeClr val="dk1"/>
-              </a:buClr>
-              <a:buSzPts val="2000"/>
-              <a:buFont typeface="Arial"/>
-              <a:buChar char="•"/>
-              <a:defRPr sz="2000" b="0" i="0" u="none" strike="noStrike" cap="none">
-                <a:solidFill>
-                  <a:schemeClr val="dk1"/>
-                </a:solidFill>
-                <a:latin typeface="Calibri"/>
-                <a:ea typeface="Calibri"/>
-                <a:cs typeface="Calibri"/>
-                <a:sym typeface="Calibri"/>
-              </a:defRPr>
-            </a:lvl8pPr>
-            <a:lvl9pPr marL="4114800" marR="0" lvl="8" indent="-355600" algn="l" rtl="0">
-              <a:spcBef>
-                <a:spcPts val="400"/>
-              </a:spcBef>
-              <a:spcAft>
-                <a:spcPts val="0"/>
-              </a:spcAft>
-              <a:buClr>
-                <a:schemeClr val="dk1"/>
-              </a:buClr>
-              <a:buSzPts val="2000"/>
-              <a:buFont typeface="Arial"/>
-              <a:buChar char="•"/>
-              <a:defRPr sz="2000" b="0" i="0" u="none" strike="noStrike" cap="none">
-                <a:solidFill>
-                  <a:schemeClr val="dk1"/>
-                </a:solidFill>
-                <a:latin typeface="Calibri"/>
-                <a:ea typeface="Calibri"/>
-                <a:cs typeface="Calibri"/>
-                <a:sym typeface="Calibri"/>
-              </a:defRPr>
-            </a:lvl9pPr>
-          </a:lstStyle>
-          <a:p>
-            <a:endParaRPr/>
-          </a:p>
-        </p:txBody>
-      </p:sp>
-      <p:sp>
-        <p:nvSpPr>
-          <p:cNvPr id="103" name="Shape 103"/>
-          <p:cNvSpPr txBox="1">
-            <a:spLocks noGrp="1"/>
-          </p:cNvSpPr>
-          <p:nvPr>
-            <p:ph type="dt" idx="10"/>
-          </p:nvPr>
-        </p:nvSpPr>
-        <p:spPr>
-          <a:xfrm>
-            <a:off x="457200" y="6356350"/>
-            <a:ext cx="2133600" cy="365125"/>
-          </a:xfrm>
-          <a:prstGeom prst="rect">
-            <a:avLst/>
-          </a:prstGeom>
-          <a:noFill/>
-          <a:ln>
-            <a:noFill/>
-          </a:ln>
-        </p:spPr>
-        <p:txBody>
-          <a:bodyPr spcFirstLastPara="1" wrap="square" lIns="91425" tIns="91425" rIns="91425" bIns="91425" anchor="ctr" anchorCtr="0"/>
-          <a:lstStyle>
-            <a:lvl1pPr marR="0" lvl="0" algn="l" rtl="0">
-              <a:spcBef>
-                <a:spcPts val="0"/>
-              </a:spcBef>
-              <a:spcAft>
-                <a:spcPts val="0"/>
-              </a:spcAft>
-              <a:buSzPts val="1400"/>
-              <a:buNone/>
-              <a:defRPr sz="1200" b="0" i="0" u="none" strike="noStrike" cap="none">
-                <a:solidFill>
-                  <a:srgbClr val="888888"/>
-                </a:solidFill>
-                <a:latin typeface="Calibri"/>
-                <a:ea typeface="Calibri"/>
-                <a:cs typeface="Calibri"/>
-                <a:sym typeface="Calibri"/>
-              </a:defRPr>
-            </a:lvl1pPr>
-            <a:lvl2pPr marR="0" lvl="1" algn="l" rtl="0">
-              <a:spcBef>
-                <a:spcPts val="0"/>
-              </a:spcBef>
-              <a:spcAft>
-                <a:spcPts val="0"/>
-              </a:spcAft>
-              <a:buSzPts val="1400"/>
-              <a:buNone/>
-              <a:defRPr sz="1800" b="0" i="0" u="none" strike="noStrike" cap="none">
-                <a:solidFill>
-                  <a:schemeClr val="dk1"/>
-                </a:solidFill>
-                <a:latin typeface="Calibri"/>
-                <a:ea typeface="Calibri"/>
-                <a:cs typeface="Calibri"/>
-                <a:sym typeface="Calibri"/>
-              </a:defRPr>
-            </a:lvl2pPr>
-            <a:lvl3pPr marR="0" lvl="2" algn="l" rtl="0">
-              <a:spcBef>
-                <a:spcPts val="0"/>
-              </a:spcBef>
-              <a:spcAft>
-                <a:spcPts val="0"/>
-              </a:spcAft>
-              <a:buSzPts val="1400"/>
-              <a:buNone/>
-              <a:defRPr sz="1800" b="0" i="0" u="none" strike="noStrike" cap="none">
-                <a:solidFill>
-                  <a:schemeClr val="dk1"/>
-                </a:solidFill>
-                <a:latin typeface="Calibri"/>
-                <a:ea typeface="Calibri"/>
-                <a:cs typeface="Calibri"/>
-                <a:sym typeface="Calibri"/>
-              </a:defRPr>
-            </a:lvl3pPr>
-            <a:lvl4pPr marR="0" lvl="3" algn="l" rtl="0">
-              <a:spcBef>
-                <a:spcPts val="0"/>
-              </a:spcBef>
-              <a:spcAft>
-                <a:spcPts val="0"/>
-              </a:spcAft>
-              <a:buSzPts val="1400"/>
-              <a:buNone/>
-              <a:defRPr sz="1800" b="0" i="0" u="none" strike="noStrike" cap="none">
-                <a:solidFill>
-                  <a:schemeClr val="dk1"/>
-                </a:solidFill>
-                <a:latin typeface="Calibri"/>
-                <a:ea typeface="Calibri"/>
-                <a:cs typeface="Calibri"/>
-                <a:sym typeface="Calibri"/>
-              </a:defRPr>
-            </a:lvl4pPr>
-            <a:lvl5pPr marR="0" lvl="4" algn="l" rtl="0">
-              <a:spcBef>
-                <a:spcPts val="0"/>
-              </a:spcBef>
-              <a:spcAft>
-                <a:spcPts val="0"/>
-              </a:spcAft>
-              <a:buSzPts val="1400"/>
-              <a:buNone/>
-              <a:defRPr sz="1800" b="0" i="0" u="none" strike="noStrike" cap="none">
-                <a:solidFill>
-                  <a:schemeClr val="dk1"/>
-                </a:solidFill>
-                <a:latin typeface="Calibri"/>
-                <a:ea typeface="Calibri"/>
-                <a:cs typeface="Calibri"/>
-                <a:sym typeface="Calibri"/>
-              </a:defRPr>
-            </a:lvl5pPr>
-            <a:lvl6pPr marR="0" lvl="5" algn="l" rtl="0">
-              <a:spcBef>
-                <a:spcPts val="0"/>
-              </a:spcBef>
-              <a:spcAft>
-                <a:spcPts val="0"/>
-              </a:spcAft>
-              <a:buSzPts val="1400"/>
-              <a:buNone/>
-              <a:defRPr sz="1800" b="0" i="0" u="none" strike="noStrike" cap="none">
-                <a:solidFill>
-                  <a:schemeClr val="dk1"/>
-                </a:solidFill>
-                <a:latin typeface="Calibri"/>
-                <a:ea typeface="Calibri"/>
-                <a:cs typeface="Calibri"/>
-                <a:sym typeface="Calibri"/>
-              </a:defRPr>
-            </a:lvl6pPr>
-            <a:lvl7pPr marR="0" lvl="6" algn="l" rtl="0">
-              <a:spcBef>
-                <a:spcPts val="0"/>
-              </a:spcBef>
-              <a:spcAft>
-                <a:spcPts val="0"/>
-              </a:spcAft>
-              <a:buSzPts val="1400"/>
-              <a:buNone/>
-              <a:defRPr sz="1800" b="0" i="0" u="none" strike="noStrike" cap="none">
-                <a:solidFill>
-                  <a:schemeClr val="dk1"/>
-                </a:solidFill>
-                <a:latin typeface="Calibri"/>
-                <a:ea typeface="Calibri"/>
-                <a:cs typeface="Calibri"/>
-                <a:sym typeface="Calibri"/>
-              </a:defRPr>
-            </a:lvl7pPr>
-            <a:lvl8pPr marR="0" lvl="7" algn="l" rtl="0">
-              <a:spcBef>
-                <a:spcPts val="0"/>
-              </a:spcBef>
-              <a:spcAft>
-                <a:spcPts val="0"/>
-              </a:spcAft>
-              <a:buSzPts val="1400"/>
-              <a:buNone/>
-              <a:defRPr sz="1800" b="0" i="0" u="none" strike="noStrike" cap="none">
-                <a:solidFill>
-                  <a:schemeClr val="dk1"/>
-                </a:solidFill>
-                <a:latin typeface="Calibri"/>
-                <a:ea typeface="Calibri"/>
-                <a:cs typeface="Calibri"/>
-                <a:sym typeface="Calibri"/>
-              </a:defRPr>
-            </a:lvl8pPr>
-            <a:lvl9pPr marR="0" lvl="8" algn="l" rtl="0">
-              <a:spcBef>
-                <a:spcPts val="0"/>
-              </a:spcBef>
-              <a:spcAft>
-                <a:spcPts val="0"/>
-              </a:spcAft>
-              <a:buSzPts val="1400"/>
-              <a:buNone/>
-              <a:defRPr sz="1800" b="0" i="0" u="none" strike="noStrike" cap="none">
-                <a:solidFill>
-                  <a:schemeClr val="dk1"/>
-                </a:solidFill>
-                <a:latin typeface="Calibri"/>
-                <a:ea typeface="Calibri"/>
-                <a:cs typeface="Calibri"/>
-                <a:sym typeface="Calibri"/>
-              </a:defRPr>
-            </a:lvl9pPr>
-          </a:lstStyle>
-          <a:p>
-            <a:endParaRPr/>
-          </a:p>
-        </p:txBody>
-      </p:sp>
-      <p:sp>
-        <p:nvSpPr>
-          <p:cNvPr id="104" name="Shape 104"/>
-          <p:cNvSpPr txBox="1">
-            <a:spLocks noGrp="1"/>
-          </p:cNvSpPr>
-          <p:nvPr>
-            <p:ph type="ftr" idx="11"/>
-          </p:nvPr>
-        </p:nvSpPr>
-        <p:spPr>
-          <a:xfrm>
-            <a:off x="3124200" y="6356350"/>
-            <a:ext cx="2895600" cy="365125"/>
-          </a:xfrm>
-          <a:prstGeom prst="rect">
-            <a:avLst/>
-          </a:prstGeom>
-          <a:noFill/>
-          <a:ln>
-            <a:noFill/>
-          </a:ln>
-        </p:spPr>
-        <p:txBody>
-          <a:bodyPr spcFirstLastPara="1" wrap="square" lIns="91425" tIns="91425" rIns="91425" bIns="91425" anchor="ctr" anchorCtr="0"/>
-          <a:lstStyle>
-            <a:lvl1pPr marR="0" lvl="0" algn="ctr" rtl="0">
-              <a:spcBef>
-                <a:spcPts val="0"/>
-              </a:spcBef>
-              <a:spcAft>
-                <a:spcPts val="0"/>
-              </a:spcAft>
-              <a:buSzPts val="1400"/>
-              <a:buNone/>
-              <a:defRPr sz="1200" b="0" i="0" u="none" strike="noStrike" cap="none">
-                <a:solidFill>
-                  <a:srgbClr val="888888"/>
-                </a:solidFill>
-                <a:latin typeface="Calibri"/>
-                <a:ea typeface="Calibri"/>
-                <a:cs typeface="Calibri"/>
-                <a:sym typeface="Calibri"/>
-              </a:defRPr>
-            </a:lvl1pPr>
-            <a:lvl2pPr marR="0" lvl="1" algn="l" rtl="0">
-              <a:spcBef>
-                <a:spcPts val="0"/>
-              </a:spcBef>
-              <a:spcAft>
-                <a:spcPts val="0"/>
-              </a:spcAft>
-              <a:buSzPts val="1400"/>
-              <a:buNone/>
-              <a:defRPr sz="1800" b="0" i="0" u="none" strike="noStrike" cap="none">
-                <a:solidFill>
-                  <a:schemeClr val="dk1"/>
-                </a:solidFill>
-                <a:latin typeface="Calibri"/>
-                <a:ea typeface="Calibri"/>
-                <a:cs typeface="Calibri"/>
-                <a:sym typeface="Calibri"/>
-              </a:defRPr>
-            </a:lvl2pPr>
-            <a:lvl3pPr marR="0" lvl="2" algn="l" rtl="0">
-              <a:spcBef>
-                <a:spcPts val="0"/>
-              </a:spcBef>
-              <a:spcAft>
-                <a:spcPts val="0"/>
-              </a:spcAft>
-              <a:buSzPts val="1400"/>
-              <a:buNone/>
-              <a:defRPr sz="1800" b="0" i="0" u="none" strike="noStrike" cap="none">
-                <a:solidFill>
-                  <a:schemeClr val="dk1"/>
-                </a:solidFill>
-                <a:latin typeface="Calibri"/>
-                <a:ea typeface="Calibri"/>
-                <a:cs typeface="Calibri"/>
-                <a:sym typeface="Calibri"/>
-              </a:defRPr>
-            </a:lvl3pPr>
-            <a:lvl4pPr marR="0" lvl="3" algn="l" rtl="0">
-              <a:spcBef>
-                <a:spcPts val="0"/>
-              </a:spcBef>
-              <a:spcAft>
-                <a:spcPts val="0"/>
-              </a:spcAft>
-              <a:buSzPts val="1400"/>
-              <a:buNone/>
-              <a:defRPr sz="1800" b="0" i="0" u="none" strike="noStrike" cap="none">
-                <a:solidFill>
-                  <a:schemeClr val="dk1"/>
-                </a:solidFill>
-                <a:latin typeface="Calibri"/>
-                <a:ea typeface="Calibri"/>
-                <a:cs typeface="Calibri"/>
-                <a:sym typeface="Calibri"/>
-              </a:defRPr>
-            </a:lvl4pPr>
-            <a:lvl5pPr marR="0" lvl="4" algn="l" rtl="0">
-              <a:spcBef>
-                <a:spcPts val="0"/>
-              </a:spcBef>
-              <a:spcAft>
-                <a:spcPts val="0"/>
-              </a:spcAft>
-              <a:buSzPts val="1400"/>
-              <a:buNone/>
-              <a:defRPr sz="1800" b="0" i="0" u="none" strike="noStrike" cap="none">
-                <a:solidFill>
-                  <a:schemeClr val="dk1"/>
-                </a:solidFill>
-                <a:latin typeface="Calibri"/>
-                <a:ea typeface="Calibri"/>
-                <a:cs typeface="Calibri"/>
-                <a:sym typeface="Calibri"/>
-              </a:defRPr>
-            </a:lvl5pPr>
-            <a:lvl6pPr marR="0" lvl="5" algn="l" rtl="0">
-              <a:spcBef>
-                <a:spcPts val="0"/>
-              </a:spcBef>
-              <a:spcAft>
-                <a:spcPts val="0"/>
-              </a:spcAft>
-              <a:buSzPts val="1400"/>
-              <a:buNone/>
-              <a:defRPr sz="1800" b="0" i="0" u="none" strike="noStrike" cap="none">
-                <a:solidFill>
-                  <a:schemeClr val="dk1"/>
-                </a:solidFill>
-                <a:latin typeface="Calibri"/>
-                <a:ea typeface="Calibri"/>
-                <a:cs typeface="Calibri"/>
-                <a:sym typeface="Calibri"/>
-              </a:defRPr>
-            </a:lvl6pPr>
-            <a:lvl7pPr marR="0" lvl="6" algn="l" rtl="0">
-              <a:spcBef>
-                <a:spcPts val="0"/>
-              </a:spcBef>
-              <a:spcAft>
-                <a:spcPts val="0"/>
-              </a:spcAft>
-              <a:buSzPts val="1400"/>
-              <a:buNone/>
-              <a:defRPr sz="1800" b="0" i="0" u="none" strike="noStrike" cap="none">
-                <a:solidFill>
-                  <a:schemeClr val="dk1"/>
-                </a:solidFill>
-                <a:latin typeface="Calibri"/>
-                <a:ea typeface="Calibri"/>
-                <a:cs typeface="Calibri"/>
-                <a:sym typeface="Calibri"/>
-              </a:defRPr>
-            </a:lvl7pPr>
-            <a:lvl8pPr marR="0" lvl="7" algn="l" rtl="0">
-              <a:spcBef>
-                <a:spcPts val="0"/>
-              </a:spcBef>
-              <a:spcAft>
-                <a:spcPts val="0"/>
-              </a:spcAft>
-              <a:buSzPts val="1400"/>
-              <a:buNone/>
-              <a:defRPr sz="1800" b="0" i="0" u="none" strike="noStrike" cap="none">
-                <a:solidFill>
-                  <a:schemeClr val="dk1"/>
-                </a:solidFill>
-                <a:latin typeface="Calibri"/>
-                <a:ea typeface="Calibri"/>
-                <a:cs typeface="Calibri"/>
-                <a:sym typeface="Calibri"/>
-              </a:defRPr>
-            </a:lvl8pPr>
-            <a:lvl9pPr marR="0" lvl="8" algn="l" rtl="0">
-              <a:spcBef>
-                <a:spcPts val="0"/>
-              </a:spcBef>
-              <a:spcAft>
-                <a:spcPts val="0"/>
-              </a:spcAft>
-              <a:buSzPts val="1400"/>
-              <a:buNone/>
-              <a:defRPr sz="1800" b="0" i="0" u="none" strike="noStrike" cap="none">
-                <a:solidFill>
-                  <a:schemeClr val="dk1"/>
-                </a:solidFill>
-                <a:latin typeface="Calibri"/>
-                <a:ea typeface="Calibri"/>
-                <a:cs typeface="Calibri"/>
-                <a:sym typeface="Calibri"/>
-              </a:defRPr>
-            </a:lvl9pPr>
-          </a:lstStyle>
-          <a:p>
-            <a:endParaRPr/>
-          </a:p>
-        </p:txBody>
-      </p:sp>
-      <p:sp>
-        <p:nvSpPr>
-          <p:cNvPr id="105" name="Shape 105"/>
-          <p:cNvSpPr txBox="1">
-            <a:spLocks noGrp="1"/>
-          </p:cNvSpPr>
-          <p:nvPr>
-            <p:ph type="sldNum" idx="12"/>
-          </p:nvPr>
-        </p:nvSpPr>
-        <p:spPr>
-          <a:xfrm>
-            <a:off x="6553200" y="6356350"/>
-            <a:ext cx="2133600" cy="365125"/>
-          </a:xfrm>
-          <a:prstGeom prst="rect">
-            <a:avLst/>
-          </a:prstGeom>
-          <a:noFill/>
-          <a:ln>
-            <a:noFill/>
-          </a:ln>
-        </p:spPr>
-        <p:txBody>
-          <a:bodyPr spcFirstLastPara="1" wrap="square" lIns="91425" tIns="45700" rIns="91425" bIns="45700" anchor="ctr" anchorCtr="0">
-            <a:noAutofit/>
-          </a:bodyPr>
-          <a:lstStyle/>
-          <a:p>
-            <a:pPr marL="0" marR="0" lvl="0" indent="0" algn="r" rtl="0">
-              <a:spcBef>
-                <a:spcPts val="0"/>
-              </a:spcBef>
-              <a:spcAft>
-                <a:spcPts val="0"/>
-              </a:spcAft>
-              <a:buNone/>
-            </a:pPr>
-            <a:fld id="{00000000-1234-1234-1234-123412341234}" type="slidenum">
-              <a:rPr lang="en-US" sz="1200" b="0" i="0" u="none" strike="noStrike" cap="none">
-                <a:solidFill>
-                  <a:srgbClr val="888888"/>
-                </a:solidFill>
-                <a:latin typeface="Calibri"/>
-                <a:ea typeface="Calibri"/>
-                <a:cs typeface="Calibri"/>
-                <a:sym typeface="Calibri"/>
-              </a:rPr>
-              <a:t>‹#›</a:t>
-            </a:fld>
-            <a:endParaRPr sz="1200" b="0" i="0" u="none" strike="noStrike" cap="none">
-              <a:solidFill>
-                <a:srgbClr val="888888"/>
-              </a:solidFill>
-              <a:latin typeface="Calibri"/>
-              <a:ea typeface="Calibri"/>
-              <a:cs typeface="Calibri"/>
-              <a:sym typeface="Calibri"/>
-            </a:endParaRPr>
-          </a:p>
-        </p:txBody>
-      </p:sp>
-    </p:spTree>
-  </p:cSld>
-  <p:clrMapOvr>
-    <a:masterClrMapping/>
-  </p:clrMapOvr>
-</p:sldLayout>
-</file>
-
-<file path=ppt/slideLayouts/slideLayout11.xml><?xml version="1.0" encoding="utf-8"?>
 <p:sldLayout xmlns:a="http://schemas.openxmlformats.org/drawingml/2006/main" xmlns:r="http://schemas.openxmlformats.org/officeDocument/2006/relationships" xmlns:p="http://schemas.openxmlformats.org/presentationml/2006/main" type="vertTitleAndTx">
   <p:cSld name="Вертикальный заголовок и текст">
     <p:spTree>
@@ -6794,499 +5725,6 @@
 </file>
 
 <file path=ppt/slideLayouts/slideLayout3.xml><?xml version="1.0" encoding="utf-8"?>
-<p:sldLayout xmlns:a="http://schemas.openxmlformats.org/drawingml/2006/main" xmlns:r="http://schemas.openxmlformats.org/officeDocument/2006/relationships" xmlns:p="http://schemas.openxmlformats.org/presentationml/2006/main" type="blank">
-  <p:cSld name="Пустой слайд">
-    <p:spTree>
-      <p:nvGrpSpPr>
-        <p:cNvPr id="1" name="Shape 40"/>
-        <p:cNvGrpSpPr/>
-        <p:nvPr/>
-      </p:nvGrpSpPr>
-      <p:grpSpPr>
-        <a:xfrm>
-          <a:off x="0" y="0"/>
-          <a:ext cx="0" cy="0"/>
-          <a:chOff x="0" y="0"/>
-          <a:chExt cx="0" cy="0"/>
-        </a:xfrm>
-      </p:grpSpPr>
-      <p:sp>
-        <p:nvSpPr>
-          <p:cNvPr id="41" name="Shape 41"/>
-          <p:cNvSpPr txBox="1">
-            <a:spLocks noGrp="1"/>
-          </p:cNvSpPr>
-          <p:nvPr>
-            <p:ph type="dt" idx="10"/>
-          </p:nvPr>
-        </p:nvSpPr>
-        <p:spPr>
-          <a:xfrm>
-            <a:off x="457200" y="6356350"/>
-            <a:ext cx="2133600" cy="365125"/>
-          </a:xfrm>
-          <a:prstGeom prst="rect">
-            <a:avLst/>
-          </a:prstGeom>
-          <a:noFill/>
-          <a:ln>
-            <a:noFill/>
-          </a:ln>
-        </p:spPr>
-        <p:txBody>
-          <a:bodyPr spcFirstLastPara="1" wrap="square" lIns="91425" tIns="91425" rIns="91425" bIns="91425" anchor="ctr" anchorCtr="0"/>
-          <a:lstStyle>
-            <a:lvl1pPr marR="0" lvl="0" algn="l" rtl="0">
-              <a:spcBef>
-                <a:spcPts val="0"/>
-              </a:spcBef>
-              <a:spcAft>
-                <a:spcPts val="0"/>
-              </a:spcAft>
-              <a:buSzPts val="1400"/>
-              <a:buNone/>
-              <a:defRPr sz="1200" b="0" i="0" u="none" strike="noStrike" cap="none">
-                <a:solidFill>
-                  <a:srgbClr val="888888"/>
-                </a:solidFill>
-                <a:latin typeface="Calibri"/>
-                <a:ea typeface="Calibri"/>
-                <a:cs typeface="Calibri"/>
-                <a:sym typeface="Calibri"/>
-              </a:defRPr>
-            </a:lvl1pPr>
-            <a:lvl2pPr marR="0" lvl="1" algn="l" rtl="0">
-              <a:spcBef>
-                <a:spcPts val="0"/>
-              </a:spcBef>
-              <a:spcAft>
-                <a:spcPts val="0"/>
-              </a:spcAft>
-              <a:buSzPts val="1400"/>
-              <a:buNone/>
-              <a:defRPr sz="1800" b="0" i="0" u="none" strike="noStrike" cap="none">
-                <a:solidFill>
-                  <a:schemeClr val="dk1"/>
-                </a:solidFill>
-                <a:latin typeface="Calibri"/>
-                <a:ea typeface="Calibri"/>
-                <a:cs typeface="Calibri"/>
-                <a:sym typeface="Calibri"/>
-              </a:defRPr>
-            </a:lvl2pPr>
-            <a:lvl3pPr marR="0" lvl="2" algn="l" rtl="0">
-              <a:spcBef>
-                <a:spcPts val="0"/>
-              </a:spcBef>
-              <a:spcAft>
-                <a:spcPts val="0"/>
-              </a:spcAft>
-              <a:buSzPts val="1400"/>
-              <a:buNone/>
-              <a:defRPr sz="1800" b="0" i="0" u="none" strike="noStrike" cap="none">
-                <a:solidFill>
-                  <a:schemeClr val="dk1"/>
-                </a:solidFill>
-                <a:latin typeface="Calibri"/>
-                <a:ea typeface="Calibri"/>
-                <a:cs typeface="Calibri"/>
-                <a:sym typeface="Calibri"/>
-              </a:defRPr>
-            </a:lvl3pPr>
-            <a:lvl4pPr marR="0" lvl="3" algn="l" rtl="0">
-              <a:spcBef>
-                <a:spcPts val="0"/>
-              </a:spcBef>
-              <a:spcAft>
-                <a:spcPts val="0"/>
-              </a:spcAft>
-              <a:buSzPts val="1400"/>
-              <a:buNone/>
-              <a:defRPr sz="1800" b="0" i="0" u="none" strike="noStrike" cap="none">
-                <a:solidFill>
-                  <a:schemeClr val="dk1"/>
-                </a:solidFill>
-                <a:latin typeface="Calibri"/>
-                <a:ea typeface="Calibri"/>
-                <a:cs typeface="Calibri"/>
-                <a:sym typeface="Calibri"/>
-              </a:defRPr>
-            </a:lvl4pPr>
-            <a:lvl5pPr marR="0" lvl="4" algn="l" rtl="0">
-              <a:spcBef>
-                <a:spcPts val="0"/>
-              </a:spcBef>
-              <a:spcAft>
-                <a:spcPts val="0"/>
-              </a:spcAft>
-              <a:buSzPts val="1400"/>
-              <a:buNone/>
-              <a:defRPr sz="1800" b="0" i="0" u="none" strike="noStrike" cap="none">
-                <a:solidFill>
-                  <a:schemeClr val="dk1"/>
-                </a:solidFill>
-                <a:latin typeface="Calibri"/>
-                <a:ea typeface="Calibri"/>
-                <a:cs typeface="Calibri"/>
-                <a:sym typeface="Calibri"/>
-              </a:defRPr>
-            </a:lvl5pPr>
-            <a:lvl6pPr marR="0" lvl="5" algn="l" rtl="0">
-              <a:spcBef>
-                <a:spcPts val="0"/>
-              </a:spcBef>
-              <a:spcAft>
-                <a:spcPts val="0"/>
-              </a:spcAft>
-              <a:buSzPts val="1400"/>
-              <a:buNone/>
-              <a:defRPr sz="1800" b="0" i="0" u="none" strike="noStrike" cap="none">
-                <a:solidFill>
-                  <a:schemeClr val="dk1"/>
-                </a:solidFill>
-                <a:latin typeface="Calibri"/>
-                <a:ea typeface="Calibri"/>
-                <a:cs typeface="Calibri"/>
-                <a:sym typeface="Calibri"/>
-              </a:defRPr>
-            </a:lvl6pPr>
-            <a:lvl7pPr marR="0" lvl="6" algn="l" rtl="0">
-              <a:spcBef>
-                <a:spcPts val="0"/>
-              </a:spcBef>
-              <a:spcAft>
-                <a:spcPts val="0"/>
-              </a:spcAft>
-              <a:buSzPts val="1400"/>
-              <a:buNone/>
-              <a:defRPr sz="1800" b="0" i="0" u="none" strike="noStrike" cap="none">
-                <a:solidFill>
-                  <a:schemeClr val="dk1"/>
-                </a:solidFill>
-                <a:latin typeface="Calibri"/>
-                <a:ea typeface="Calibri"/>
-                <a:cs typeface="Calibri"/>
-                <a:sym typeface="Calibri"/>
-              </a:defRPr>
-            </a:lvl7pPr>
-            <a:lvl8pPr marR="0" lvl="7" algn="l" rtl="0">
-              <a:spcBef>
-                <a:spcPts val="0"/>
-              </a:spcBef>
-              <a:spcAft>
-                <a:spcPts val="0"/>
-              </a:spcAft>
-              <a:buSzPts val="1400"/>
-              <a:buNone/>
-              <a:defRPr sz="1800" b="0" i="0" u="none" strike="noStrike" cap="none">
-                <a:solidFill>
-                  <a:schemeClr val="dk1"/>
-                </a:solidFill>
-                <a:latin typeface="Calibri"/>
-                <a:ea typeface="Calibri"/>
-                <a:cs typeface="Calibri"/>
-                <a:sym typeface="Calibri"/>
-              </a:defRPr>
-            </a:lvl8pPr>
-            <a:lvl9pPr marR="0" lvl="8" algn="l" rtl="0">
-              <a:spcBef>
-                <a:spcPts val="0"/>
-              </a:spcBef>
-              <a:spcAft>
-                <a:spcPts val="0"/>
-              </a:spcAft>
-              <a:buSzPts val="1400"/>
-              <a:buNone/>
-              <a:defRPr sz="1800" b="0" i="0" u="none" strike="noStrike" cap="none">
-                <a:solidFill>
-                  <a:schemeClr val="dk1"/>
-                </a:solidFill>
-                <a:latin typeface="Calibri"/>
-                <a:ea typeface="Calibri"/>
-                <a:cs typeface="Calibri"/>
-                <a:sym typeface="Calibri"/>
-              </a:defRPr>
-            </a:lvl9pPr>
-          </a:lstStyle>
-          <a:p>
-            <a:endParaRPr/>
-          </a:p>
-        </p:txBody>
-      </p:sp>
-      <p:sp>
-        <p:nvSpPr>
-          <p:cNvPr id="42" name="Shape 42"/>
-          <p:cNvSpPr txBox="1">
-            <a:spLocks noGrp="1"/>
-          </p:cNvSpPr>
-          <p:nvPr>
-            <p:ph type="ftr" idx="11"/>
-          </p:nvPr>
-        </p:nvSpPr>
-        <p:spPr>
-          <a:xfrm>
-            <a:off x="3124200" y="6356350"/>
-            <a:ext cx="2895600" cy="365125"/>
-          </a:xfrm>
-          <a:prstGeom prst="rect">
-            <a:avLst/>
-          </a:prstGeom>
-          <a:noFill/>
-          <a:ln>
-            <a:noFill/>
-          </a:ln>
-        </p:spPr>
-        <p:txBody>
-          <a:bodyPr spcFirstLastPara="1" wrap="square" lIns="91425" tIns="91425" rIns="91425" bIns="91425" anchor="ctr" anchorCtr="0"/>
-          <a:lstStyle>
-            <a:lvl1pPr marR="0" lvl="0" algn="ctr" rtl="0">
-              <a:spcBef>
-                <a:spcPts val="0"/>
-              </a:spcBef>
-              <a:spcAft>
-                <a:spcPts val="0"/>
-              </a:spcAft>
-              <a:buSzPts val="1400"/>
-              <a:buNone/>
-              <a:defRPr sz="1200" b="0" i="0" u="none" strike="noStrike" cap="none">
-                <a:solidFill>
-                  <a:srgbClr val="888888"/>
-                </a:solidFill>
-                <a:latin typeface="Calibri"/>
-                <a:ea typeface="Calibri"/>
-                <a:cs typeface="Calibri"/>
-                <a:sym typeface="Calibri"/>
-              </a:defRPr>
-            </a:lvl1pPr>
-            <a:lvl2pPr marR="0" lvl="1" algn="l" rtl="0">
-              <a:spcBef>
-                <a:spcPts val="0"/>
-              </a:spcBef>
-              <a:spcAft>
-                <a:spcPts val="0"/>
-              </a:spcAft>
-              <a:buSzPts val="1400"/>
-              <a:buNone/>
-              <a:defRPr sz="1800" b="0" i="0" u="none" strike="noStrike" cap="none">
-                <a:solidFill>
-                  <a:schemeClr val="dk1"/>
-                </a:solidFill>
-                <a:latin typeface="Calibri"/>
-                <a:ea typeface="Calibri"/>
-                <a:cs typeface="Calibri"/>
-                <a:sym typeface="Calibri"/>
-              </a:defRPr>
-            </a:lvl2pPr>
-            <a:lvl3pPr marR="0" lvl="2" algn="l" rtl="0">
-              <a:spcBef>
-                <a:spcPts val="0"/>
-              </a:spcBef>
-              <a:spcAft>
-                <a:spcPts val="0"/>
-              </a:spcAft>
-              <a:buSzPts val="1400"/>
-              <a:buNone/>
-              <a:defRPr sz="1800" b="0" i="0" u="none" strike="noStrike" cap="none">
-                <a:solidFill>
-                  <a:schemeClr val="dk1"/>
-                </a:solidFill>
-                <a:latin typeface="Calibri"/>
-                <a:ea typeface="Calibri"/>
-                <a:cs typeface="Calibri"/>
-                <a:sym typeface="Calibri"/>
-              </a:defRPr>
-            </a:lvl3pPr>
-            <a:lvl4pPr marR="0" lvl="3" algn="l" rtl="0">
-              <a:spcBef>
-                <a:spcPts val="0"/>
-              </a:spcBef>
-              <a:spcAft>
-                <a:spcPts val="0"/>
-              </a:spcAft>
-              <a:buSzPts val="1400"/>
-              <a:buNone/>
-              <a:defRPr sz="1800" b="0" i="0" u="none" strike="noStrike" cap="none">
-                <a:solidFill>
-                  <a:schemeClr val="dk1"/>
-                </a:solidFill>
-                <a:latin typeface="Calibri"/>
-                <a:ea typeface="Calibri"/>
-                <a:cs typeface="Calibri"/>
-                <a:sym typeface="Calibri"/>
-              </a:defRPr>
-            </a:lvl4pPr>
-            <a:lvl5pPr marR="0" lvl="4" algn="l" rtl="0">
-              <a:spcBef>
-                <a:spcPts val="0"/>
-              </a:spcBef>
-              <a:spcAft>
-                <a:spcPts val="0"/>
-              </a:spcAft>
-              <a:buSzPts val="1400"/>
-              <a:buNone/>
-              <a:defRPr sz="1800" b="0" i="0" u="none" strike="noStrike" cap="none">
-                <a:solidFill>
-                  <a:schemeClr val="dk1"/>
-                </a:solidFill>
-                <a:latin typeface="Calibri"/>
-                <a:ea typeface="Calibri"/>
-                <a:cs typeface="Calibri"/>
-                <a:sym typeface="Calibri"/>
-              </a:defRPr>
-            </a:lvl5pPr>
-            <a:lvl6pPr marR="0" lvl="5" algn="l" rtl="0">
-              <a:spcBef>
-                <a:spcPts val="0"/>
-              </a:spcBef>
-              <a:spcAft>
-                <a:spcPts val="0"/>
-              </a:spcAft>
-              <a:buSzPts val="1400"/>
-              <a:buNone/>
-              <a:defRPr sz="1800" b="0" i="0" u="none" strike="noStrike" cap="none">
-                <a:solidFill>
-                  <a:schemeClr val="dk1"/>
-                </a:solidFill>
-                <a:latin typeface="Calibri"/>
-                <a:ea typeface="Calibri"/>
-                <a:cs typeface="Calibri"/>
-                <a:sym typeface="Calibri"/>
-              </a:defRPr>
-            </a:lvl6pPr>
-            <a:lvl7pPr marR="0" lvl="6" algn="l" rtl="0">
-              <a:spcBef>
-                <a:spcPts val="0"/>
-              </a:spcBef>
-              <a:spcAft>
-                <a:spcPts val="0"/>
-              </a:spcAft>
-              <a:buSzPts val="1400"/>
-              <a:buNone/>
-              <a:defRPr sz="1800" b="0" i="0" u="none" strike="noStrike" cap="none">
-                <a:solidFill>
-                  <a:schemeClr val="dk1"/>
-                </a:solidFill>
-                <a:latin typeface="Calibri"/>
-                <a:ea typeface="Calibri"/>
-                <a:cs typeface="Calibri"/>
-                <a:sym typeface="Calibri"/>
-              </a:defRPr>
-            </a:lvl7pPr>
-            <a:lvl8pPr marR="0" lvl="7" algn="l" rtl="0">
-              <a:spcBef>
-                <a:spcPts val="0"/>
-              </a:spcBef>
-              <a:spcAft>
-                <a:spcPts val="0"/>
-              </a:spcAft>
-              <a:buSzPts val="1400"/>
-              <a:buNone/>
-              <a:defRPr sz="1800" b="0" i="0" u="none" strike="noStrike" cap="none">
-                <a:solidFill>
-                  <a:schemeClr val="dk1"/>
-                </a:solidFill>
-                <a:latin typeface="Calibri"/>
-                <a:ea typeface="Calibri"/>
-                <a:cs typeface="Calibri"/>
-                <a:sym typeface="Calibri"/>
-              </a:defRPr>
-            </a:lvl8pPr>
-            <a:lvl9pPr marR="0" lvl="8" algn="l" rtl="0">
-              <a:spcBef>
-                <a:spcPts val="0"/>
-              </a:spcBef>
-              <a:spcAft>
-                <a:spcPts val="0"/>
-              </a:spcAft>
-              <a:buSzPts val="1400"/>
-              <a:buNone/>
-              <a:defRPr sz="1800" b="0" i="0" u="none" strike="noStrike" cap="none">
-                <a:solidFill>
-                  <a:schemeClr val="dk1"/>
-                </a:solidFill>
-                <a:latin typeface="Calibri"/>
-                <a:ea typeface="Calibri"/>
-                <a:cs typeface="Calibri"/>
-                <a:sym typeface="Calibri"/>
-              </a:defRPr>
-            </a:lvl9pPr>
-          </a:lstStyle>
-          <a:p>
-            <a:endParaRPr/>
-          </a:p>
-        </p:txBody>
-      </p:sp>
-      <p:sp>
-        <p:nvSpPr>
-          <p:cNvPr id="43" name="Shape 43"/>
-          <p:cNvSpPr txBox="1">
-            <a:spLocks noGrp="1"/>
-          </p:cNvSpPr>
-          <p:nvPr>
-            <p:ph type="sldNum" idx="12"/>
-          </p:nvPr>
-        </p:nvSpPr>
-        <p:spPr>
-          <a:xfrm>
-            <a:off x="6553200" y="6356350"/>
-            <a:ext cx="2133600" cy="365125"/>
-          </a:xfrm>
-          <a:prstGeom prst="rect">
-            <a:avLst/>
-          </a:prstGeom>
-          <a:noFill/>
-          <a:ln>
-            <a:noFill/>
-          </a:ln>
-        </p:spPr>
-        <p:txBody>
-          <a:bodyPr spcFirstLastPara="1" wrap="square" lIns="91425" tIns="45700" rIns="91425" bIns="45700" anchor="ctr" anchorCtr="0">
-            <a:noAutofit/>
-          </a:bodyPr>
-          <a:lstStyle/>
-          <a:p>
-            <a:pPr marL="0" marR="0" lvl="0" indent="0" algn="r" rtl="0">
-              <a:spcBef>
-                <a:spcPts val="0"/>
-              </a:spcBef>
-              <a:spcAft>
-                <a:spcPts val="0"/>
-              </a:spcAft>
-              <a:buNone/>
-            </a:pPr>
-            <a:fld id="{00000000-1234-1234-1234-123412341234}" type="slidenum">
-              <a:rPr lang="en-US" sz="1200" b="0" i="0" u="none" strike="noStrike" cap="none">
-                <a:solidFill>
-                  <a:srgbClr val="888888"/>
-                </a:solidFill>
-                <a:latin typeface="Calibri"/>
-                <a:ea typeface="Calibri"/>
-                <a:cs typeface="Calibri"/>
-                <a:sym typeface="Calibri"/>
-              </a:rPr>
-              <a:t>‹#›</a:t>
-            </a:fld>
-            <a:endParaRPr sz="1200" b="0" i="0" u="none" strike="noStrike" cap="none">
-              <a:solidFill>
-                <a:srgbClr val="888888"/>
-              </a:solidFill>
-              <a:latin typeface="Calibri"/>
-              <a:ea typeface="Calibri"/>
-              <a:cs typeface="Calibri"/>
-              <a:sym typeface="Calibri"/>
-            </a:endParaRPr>
-          </a:p>
-        </p:txBody>
-      </p:sp>
-    </p:spTree>
-  </p:cSld>
-  <p:clrMapOvr>
-    <a:masterClrMapping/>
-  </p:clrMapOvr>
-</p:sldLayout>
-</file>
-
-<file path=ppt/slideLayouts/slideLayout4.xml><?xml version="1.0" encoding="utf-8"?>
 <p:sldLayout xmlns:a="http://schemas.openxmlformats.org/drawingml/2006/main" xmlns:r="http://schemas.openxmlformats.org/officeDocument/2006/relationships" xmlns:p="http://schemas.openxmlformats.org/presentationml/2006/main">
   <p:cSld name="Meet The Team">
     <p:spTree>
@@ -11985,7 +10423,7 @@
 </p:sldLayout>
 </file>
 
-<file path=ppt/slideLayouts/slideLayout5.xml><?xml version="1.0" encoding="utf-8"?>
+<file path=ppt/slideLayouts/slideLayout4.xml><?xml version="1.0" encoding="utf-8"?>
 <p:sldLayout xmlns:a="http://schemas.openxmlformats.org/drawingml/2006/main" xmlns:r="http://schemas.openxmlformats.org/officeDocument/2006/relationships" xmlns:p="http://schemas.openxmlformats.org/presentationml/2006/main" type="title">
   <p:cSld name="Титульный слайд">
     <p:spTree>
@@ -12860,7 +11298,7 @@
 </p:sldLayout>
 </file>
 
-<file path=ppt/slideLayouts/slideLayout6.xml><?xml version="1.0" encoding="utf-8"?>
+<file path=ppt/slideLayouts/slideLayout5.xml><?xml version="1.0" encoding="utf-8"?>
 <p:sldLayout xmlns:a="http://schemas.openxmlformats.org/drawingml/2006/main" xmlns:r="http://schemas.openxmlformats.org/officeDocument/2006/relationships" xmlns:p="http://schemas.openxmlformats.org/presentationml/2006/main" type="twoTxTwoObj">
   <p:cSld name="Сравнение">
     <p:spTree>
@@ -14452,7 +12890,7 @@
 </p:sldLayout>
 </file>
 
-<file path=ppt/slideLayouts/slideLayout7.xml><?xml version="1.0" encoding="utf-8"?>
+<file path=ppt/slideLayouts/slideLayout6.xml><?xml version="1.0" encoding="utf-8"?>
 <p:sldLayout xmlns:a="http://schemas.openxmlformats.org/drawingml/2006/main" xmlns:r="http://schemas.openxmlformats.org/officeDocument/2006/relationships" xmlns:p="http://schemas.openxmlformats.org/presentationml/2006/main" type="titleOnly">
   <p:cSld name="Только заголовок">
     <p:spTree>
@@ -15088,7 +13526,7 @@
 </p:sldLayout>
 </file>
 
-<file path=ppt/slideLayouts/slideLayout8.xml><?xml version="1.0" encoding="utf-8"?>
+<file path=ppt/slideLayouts/slideLayout7.xml><?xml version="1.0" encoding="utf-8"?>
 <p:sldLayout xmlns:a="http://schemas.openxmlformats.org/drawingml/2006/main" xmlns:r="http://schemas.openxmlformats.org/officeDocument/2006/relationships" xmlns:p="http://schemas.openxmlformats.org/presentationml/2006/main" type="objTx">
   <p:cSld name="Объект с подписью">
     <p:spTree>
@@ -16202,7 +14640,7 @@
 </p:sldLayout>
 </file>
 
-<file path=ppt/slideLayouts/slideLayout9.xml><?xml version="1.0" encoding="utf-8"?>
+<file path=ppt/slideLayouts/slideLayout8.xml><?xml version="1.0" encoding="utf-8"?>
 <p:sldLayout xmlns:a="http://schemas.openxmlformats.org/drawingml/2006/main" xmlns:r="http://schemas.openxmlformats.org/officeDocument/2006/relationships" xmlns:p="http://schemas.openxmlformats.org/presentationml/2006/main" type="picTx">
   <p:cSld name="Рисунок с подписью">
     <p:spTree>
@@ -17249,6 +15687,881 @@
       <p:sp>
         <p:nvSpPr>
           <p:cNvPr id="99" name="Shape 99"/>
+          <p:cNvSpPr txBox="1">
+            <a:spLocks noGrp="1"/>
+          </p:cNvSpPr>
+          <p:nvPr>
+            <p:ph type="sldNum" idx="12"/>
+          </p:nvPr>
+        </p:nvSpPr>
+        <p:spPr>
+          <a:xfrm>
+            <a:off x="6553200" y="6356350"/>
+            <a:ext cx="2133600" cy="365125"/>
+          </a:xfrm>
+          <a:prstGeom prst="rect">
+            <a:avLst/>
+          </a:prstGeom>
+          <a:noFill/>
+          <a:ln>
+            <a:noFill/>
+          </a:ln>
+        </p:spPr>
+        <p:txBody>
+          <a:bodyPr spcFirstLastPara="1" wrap="square" lIns="91425" tIns="45700" rIns="91425" bIns="45700" anchor="ctr" anchorCtr="0">
+            <a:noAutofit/>
+          </a:bodyPr>
+          <a:lstStyle/>
+          <a:p>
+            <a:pPr marL="0" marR="0" lvl="0" indent="0" algn="r" rtl="0">
+              <a:spcBef>
+                <a:spcPts val="0"/>
+              </a:spcBef>
+              <a:spcAft>
+                <a:spcPts val="0"/>
+              </a:spcAft>
+              <a:buNone/>
+            </a:pPr>
+            <a:fld id="{00000000-1234-1234-1234-123412341234}" type="slidenum">
+              <a:rPr lang="en-US" sz="1200" b="0" i="0" u="none" strike="noStrike" cap="none">
+                <a:solidFill>
+                  <a:srgbClr val="888888"/>
+                </a:solidFill>
+                <a:latin typeface="Calibri"/>
+                <a:ea typeface="Calibri"/>
+                <a:cs typeface="Calibri"/>
+                <a:sym typeface="Calibri"/>
+              </a:rPr>
+              <a:t>‹#›</a:t>
+            </a:fld>
+            <a:endParaRPr sz="1200" b="0" i="0" u="none" strike="noStrike" cap="none">
+              <a:solidFill>
+                <a:srgbClr val="888888"/>
+              </a:solidFill>
+              <a:latin typeface="Calibri"/>
+              <a:ea typeface="Calibri"/>
+              <a:cs typeface="Calibri"/>
+              <a:sym typeface="Calibri"/>
+            </a:endParaRPr>
+          </a:p>
+        </p:txBody>
+      </p:sp>
+    </p:spTree>
+  </p:cSld>
+  <p:clrMapOvr>
+    <a:masterClrMapping/>
+  </p:clrMapOvr>
+</p:sldLayout>
+</file>
+
+<file path=ppt/slideLayouts/slideLayout9.xml><?xml version="1.0" encoding="utf-8"?>
+<p:sldLayout xmlns:a="http://schemas.openxmlformats.org/drawingml/2006/main" xmlns:r="http://schemas.openxmlformats.org/officeDocument/2006/relationships" xmlns:p="http://schemas.openxmlformats.org/presentationml/2006/main" type="vertTx">
+  <p:cSld name="Заголовок и вертикальный текст">
+    <p:spTree>
+      <p:nvGrpSpPr>
+        <p:cNvPr id="1" name="Shape 100"/>
+        <p:cNvGrpSpPr/>
+        <p:nvPr/>
+      </p:nvGrpSpPr>
+      <p:grpSpPr>
+        <a:xfrm>
+          <a:off x="0" y="0"/>
+          <a:ext cx="0" cy="0"/>
+          <a:chOff x="0" y="0"/>
+          <a:chExt cx="0" cy="0"/>
+        </a:xfrm>
+      </p:grpSpPr>
+      <p:sp>
+        <p:nvSpPr>
+          <p:cNvPr id="101" name="Shape 101"/>
+          <p:cNvSpPr txBox="1">
+            <a:spLocks noGrp="1"/>
+          </p:cNvSpPr>
+          <p:nvPr>
+            <p:ph type="title"/>
+          </p:nvPr>
+        </p:nvSpPr>
+        <p:spPr>
+          <a:xfrm>
+            <a:off x="457200" y="274638"/>
+            <a:ext cx="8229600" cy="1143000"/>
+          </a:xfrm>
+          <a:prstGeom prst="rect">
+            <a:avLst/>
+          </a:prstGeom>
+          <a:noFill/>
+          <a:ln>
+            <a:noFill/>
+          </a:ln>
+        </p:spPr>
+        <p:txBody>
+          <a:bodyPr spcFirstLastPara="1" wrap="square" lIns="91425" tIns="91425" rIns="91425" bIns="91425" anchor="ctr" anchorCtr="0"/>
+          <a:lstStyle>
+            <a:lvl1pPr marR="0" lvl="0" algn="ctr" rtl="0">
+              <a:spcBef>
+                <a:spcPts val="0"/>
+              </a:spcBef>
+              <a:spcAft>
+                <a:spcPts val="0"/>
+              </a:spcAft>
+              <a:buClr>
+                <a:schemeClr val="dk1"/>
+              </a:buClr>
+              <a:buSzPts val="4400"/>
+              <a:buFont typeface="Calibri"/>
+              <a:buNone/>
+              <a:defRPr sz="4400" b="0" i="0" u="none" strike="noStrike" cap="none">
+                <a:solidFill>
+                  <a:schemeClr val="dk1"/>
+                </a:solidFill>
+                <a:latin typeface="Calibri"/>
+                <a:ea typeface="Calibri"/>
+                <a:cs typeface="Calibri"/>
+                <a:sym typeface="Calibri"/>
+              </a:defRPr>
+            </a:lvl1pPr>
+            <a:lvl2pPr lvl="1">
+              <a:spcBef>
+                <a:spcPts val="0"/>
+              </a:spcBef>
+              <a:spcAft>
+                <a:spcPts val="0"/>
+              </a:spcAft>
+              <a:buSzPts val="1400"/>
+              <a:buNone/>
+              <a:defRPr sz="1800"/>
+            </a:lvl2pPr>
+            <a:lvl3pPr lvl="2">
+              <a:spcBef>
+                <a:spcPts val="0"/>
+              </a:spcBef>
+              <a:spcAft>
+                <a:spcPts val="0"/>
+              </a:spcAft>
+              <a:buSzPts val="1400"/>
+              <a:buNone/>
+              <a:defRPr sz="1800"/>
+            </a:lvl3pPr>
+            <a:lvl4pPr lvl="3">
+              <a:spcBef>
+                <a:spcPts val="0"/>
+              </a:spcBef>
+              <a:spcAft>
+                <a:spcPts val="0"/>
+              </a:spcAft>
+              <a:buSzPts val="1400"/>
+              <a:buNone/>
+              <a:defRPr sz="1800"/>
+            </a:lvl4pPr>
+            <a:lvl5pPr lvl="4">
+              <a:spcBef>
+                <a:spcPts val="0"/>
+              </a:spcBef>
+              <a:spcAft>
+                <a:spcPts val="0"/>
+              </a:spcAft>
+              <a:buSzPts val="1400"/>
+              <a:buNone/>
+              <a:defRPr sz="1800"/>
+            </a:lvl5pPr>
+            <a:lvl6pPr lvl="5">
+              <a:spcBef>
+                <a:spcPts val="0"/>
+              </a:spcBef>
+              <a:spcAft>
+                <a:spcPts val="0"/>
+              </a:spcAft>
+              <a:buSzPts val="1400"/>
+              <a:buNone/>
+              <a:defRPr sz="1800"/>
+            </a:lvl6pPr>
+            <a:lvl7pPr lvl="6">
+              <a:spcBef>
+                <a:spcPts val="0"/>
+              </a:spcBef>
+              <a:spcAft>
+                <a:spcPts val="0"/>
+              </a:spcAft>
+              <a:buSzPts val="1400"/>
+              <a:buNone/>
+              <a:defRPr sz="1800"/>
+            </a:lvl7pPr>
+            <a:lvl8pPr lvl="7">
+              <a:spcBef>
+                <a:spcPts val="0"/>
+              </a:spcBef>
+              <a:spcAft>
+                <a:spcPts val="0"/>
+              </a:spcAft>
+              <a:buSzPts val="1400"/>
+              <a:buNone/>
+              <a:defRPr sz="1800"/>
+            </a:lvl8pPr>
+            <a:lvl9pPr lvl="8">
+              <a:spcBef>
+                <a:spcPts val="0"/>
+              </a:spcBef>
+              <a:spcAft>
+                <a:spcPts val="0"/>
+              </a:spcAft>
+              <a:buSzPts val="1400"/>
+              <a:buNone/>
+              <a:defRPr sz="1800"/>
+            </a:lvl9pPr>
+          </a:lstStyle>
+          <a:p>
+            <a:endParaRPr/>
+          </a:p>
+        </p:txBody>
+      </p:sp>
+      <p:sp>
+        <p:nvSpPr>
+          <p:cNvPr id="102" name="Shape 102"/>
+          <p:cNvSpPr txBox="1">
+            <a:spLocks noGrp="1"/>
+          </p:cNvSpPr>
+          <p:nvPr>
+            <p:ph type="body" idx="1"/>
+          </p:nvPr>
+        </p:nvSpPr>
+        <p:spPr>
+          <a:xfrm rot="5400000">
+            <a:off x="2309018" y="-251619"/>
+            <a:ext cx="4525963" cy="8229600"/>
+          </a:xfrm>
+          <a:prstGeom prst="rect">
+            <a:avLst/>
+          </a:prstGeom>
+          <a:noFill/>
+          <a:ln>
+            <a:noFill/>
+          </a:ln>
+        </p:spPr>
+        <p:txBody>
+          <a:bodyPr spcFirstLastPara="1" wrap="square" lIns="91425" tIns="91425" rIns="91425" bIns="91425" anchor="t" anchorCtr="0"/>
+          <a:lstStyle>
+            <a:lvl1pPr marL="457200" marR="0" lvl="0" indent="-431800" algn="l" rtl="0">
+              <a:spcBef>
+                <a:spcPts val="640"/>
+              </a:spcBef>
+              <a:spcAft>
+                <a:spcPts val="0"/>
+              </a:spcAft>
+              <a:buClr>
+                <a:schemeClr val="dk1"/>
+              </a:buClr>
+              <a:buSzPts val="3200"/>
+              <a:buFont typeface="Arial"/>
+              <a:buChar char="•"/>
+              <a:defRPr sz="3200" b="0" i="0" u="none" strike="noStrike" cap="none">
+                <a:solidFill>
+                  <a:schemeClr val="dk1"/>
+                </a:solidFill>
+                <a:latin typeface="Calibri"/>
+                <a:ea typeface="Calibri"/>
+                <a:cs typeface="Calibri"/>
+                <a:sym typeface="Calibri"/>
+              </a:defRPr>
+            </a:lvl1pPr>
+            <a:lvl2pPr marL="914400" marR="0" lvl="1" indent="-406400" algn="l" rtl="0">
+              <a:spcBef>
+                <a:spcPts val="560"/>
+              </a:spcBef>
+              <a:spcAft>
+                <a:spcPts val="0"/>
+              </a:spcAft>
+              <a:buClr>
+                <a:schemeClr val="dk1"/>
+              </a:buClr>
+              <a:buSzPts val="2800"/>
+              <a:buFont typeface="Arial"/>
+              <a:buChar char="–"/>
+              <a:defRPr sz="2800" b="0" i="0" u="none" strike="noStrike" cap="none">
+                <a:solidFill>
+                  <a:schemeClr val="dk1"/>
+                </a:solidFill>
+                <a:latin typeface="Calibri"/>
+                <a:ea typeface="Calibri"/>
+                <a:cs typeface="Calibri"/>
+                <a:sym typeface="Calibri"/>
+              </a:defRPr>
+            </a:lvl2pPr>
+            <a:lvl3pPr marL="1371600" marR="0" lvl="2" indent="-381000" algn="l" rtl="0">
+              <a:spcBef>
+                <a:spcPts val="480"/>
+              </a:spcBef>
+              <a:spcAft>
+                <a:spcPts val="0"/>
+              </a:spcAft>
+              <a:buClr>
+                <a:schemeClr val="dk1"/>
+              </a:buClr>
+              <a:buSzPts val="2400"/>
+              <a:buFont typeface="Arial"/>
+              <a:buChar char="•"/>
+              <a:defRPr sz="2400" b="0" i="0" u="none" strike="noStrike" cap="none">
+                <a:solidFill>
+                  <a:schemeClr val="dk1"/>
+                </a:solidFill>
+                <a:latin typeface="Calibri"/>
+                <a:ea typeface="Calibri"/>
+                <a:cs typeface="Calibri"/>
+                <a:sym typeface="Calibri"/>
+              </a:defRPr>
+            </a:lvl3pPr>
+            <a:lvl4pPr marL="1828800" marR="0" lvl="3" indent="-355600" algn="l" rtl="0">
+              <a:spcBef>
+                <a:spcPts val="400"/>
+              </a:spcBef>
+              <a:spcAft>
+                <a:spcPts val="0"/>
+              </a:spcAft>
+              <a:buClr>
+                <a:schemeClr val="dk1"/>
+              </a:buClr>
+              <a:buSzPts val="2000"/>
+              <a:buFont typeface="Arial"/>
+              <a:buChar char="–"/>
+              <a:defRPr sz="2000" b="0" i="0" u="none" strike="noStrike" cap="none">
+                <a:solidFill>
+                  <a:schemeClr val="dk1"/>
+                </a:solidFill>
+                <a:latin typeface="Calibri"/>
+                <a:ea typeface="Calibri"/>
+                <a:cs typeface="Calibri"/>
+                <a:sym typeface="Calibri"/>
+              </a:defRPr>
+            </a:lvl4pPr>
+            <a:lvl5pPr marL="2286000" marR="0" lvl="4" indent="-355600" algn="l" rtl="0">
+              <a:spcBef>
+                <a:spcPts val="400"/>
+              </a:spcBef>
+              <a:spcAft>
+                <a:spcPts val="0"/>
+              </a:spcAft>
+              <a:buClr>
+                <a:schemeClr val="dk1"/>
+              </a:buClr>
+              <a:buSzPts val="2000"/>
+              <a:buFont typeface="Arial"/>
+              <a:buChar char="»"/>
+              <a:defRPr sz="2000" b="0" i="0" u="none" strike="noStrike" cap="none">
+                <a:solidFill>
+                  <a:schemeClr val="dk1"/>
+                </a:solidFill>
+                <a:latin typeface="Calibri"/>
+                <a:ea typeface="Calibri"/>
+                <a:cs typeface="Calibri"/>
+                <a:sym typeface="Calibri"/>
+              </a:defRPr>
+            </a:lvl5pPr>
+            <a:lvl6pPr marL="2743200" marR="0" lvl="5" indent="-355600" algn="l" rtl="0">
+              <a:spcBef>
+                <a:spcPts val="400"/>
+              </a:spcBef>
+              <a:spcAft>
+                <a:spcPts val="0"/>
+              </a:spcAft>
+              <a:buClr>
+                <a:schemeClr val="dk1"/>
+              </a:buClr>
+              <a:buSzPts val="2000"/>
+              <a:buFont typeface="Arial"/>
+              <a:buChar char="•"/>
+              <a:defRPr sz="2000" b="0" i="0" u="none" strike="noStrike" cap="none">
+                <a:solidFill>
+                  <a:schemeClr val="dk1"/>
+                </a:solidFill>
+                <a:latin typeface="Calibri"/>
+                <a:ea typeface="Calibri"/>
+                <a:cs typeface="Calibri"/>
+                <a:sym typeface="Calibri"/>
+              </a:defRPr>
+            </a:lvl6pPr>
+            <a:lvl7pPr marL="3200400" marR="0" lvl="6" indent="-355600" algn="l" rtl="0">
+              <a:spcBef>
+                <a:spcPts val="400"/>
+              </a:spcBef>
+              <a:spcAft>
+                <a:spcPts val="0"/>
+              </a:spcAft>
+              <a:buClr>
+                <a:schemeClr val="dk1"/>
+              </a:buClr>
+              <a:buSzPts val="2000"/>
+              <a:buFont typeface="Arial"/>
+              <a:buChar char="•"/>
+              <a:defRPr sz="2000" b="0" i="0" u="none" strike="noStrike" cap="none">
+                <a:solidFill>
+                  <a:schemeClr val="dk1"/>
+                </a:solidFill>
+                <a:latin typeface="Calibri"/>
+                <a:ea typeface="Calibri"/>
+                <a:cs typeface="Calibri"/>
+                <a:sym typeface="Calibri"/>
+              </a:defRPr>
+            </a:lvl7pPr>
+            <a:lvl8pPr marL="3657600" marR="0" lvl="7" indent="-355600" algn="l" rtl="0">
+              <a:spcBef>
+                <a:spcPts val="400"/>
+              </a:spcBef>
+              <a:spcAft>
+                <a:spcPts val="0"/>
+              </a:spcAft>
+              <a:buClr>
+                <a:schemeClr val="dk1"/>
+              </a:buClr>
+              <a:buSzPts val="2000"/>
+              <a:buFont typeface="Arial"/>
+              <a:buChar char="•"/>
+              <a:defRPr sz="2000" b="0" i="0" u="none" strike="noStrike" cap="none">
+                <a:solidFill>
+                  <a:schemeClr val="dk1"/>
+                </a:solidFill>
+                <a:latin typeface="Calibri"/>
+                <a:ea typeface="Calibri"/>
+                <a:cs typeface="Calibri"/>
+                <a:sym typeface="Calibri"/>
+              </a:defRPr>
+            </a:lvl8pPr>
+            <a:lvl9pPr marL="4114800" marR="0" lvl="8" indent="-355600" algn="l" rtl="0">
+              <a:spcBef>
+                <a:spcPts val="400"/>
+              </a:spcBef>
+              <a:spcAft>
+                <a:spcPts val="0"/>
+              </a:spcAft>
+              <a:buClr>
+                <a:schemeClr val="dk1"/>
+              </a:buClr>
+              <a:buSzPts val="2000"/>
+              <a:buFont typeface="Arial"/>
+              <a:buChar char="•"/>
+              <a:defRPr sz="2000" b="0" i="0" u="none" strike="noStrike" cap="none">
+                <a:solidFill>
+                  <a:schemeClr val="dk1"/>
+                </a:solidFill>
+                <a:latin typeface="Calibri"/>
+                <a:ea typeface="Calibri"/>
+                <a:cs typeface="Calibri"/>
+                <a:sym typeface="Calibri"/>
+              </a:defRPr>
+            </a:lvl9pPr>
+          </a:lstStyle>
+          <a:p>
+            <a:endParaRPr/>
+          </a:p>
+        </p:txBody>
+      </p:sp>
+      <p:sp>
+        <p:nvSpPr>
+          <p:cNvPr id="103" name="Shape 103"/>
+          <p:cNvSpPr txBox="1">
+            <a:spLocks noGrp="1"/>
+          </p:cNvSpPr>
+          <p:nvPr>
+            <p:ph type="dt" idx="10"/>
+          </p:nvPr>
+        </p:nvSpPr>
+        <p:spPr>
+          <a:xfrm>
+            <a:off x="457200" y="6356350"/>
+            <a:ext cx="2133600" cy="365125"/>
+          </a:xfrm>
+          <a:prstGeom prst="rect">
+            <a:avLst/>
+          </a:prstGeom>
+          <a:noFill/>
+          <a:ln>
+            <a:noFill/>
+          </a:ln>
+        </p:spPr>
+        <p:txBody>
+          <a:bodyPr spcFirstLastPara="1" wrap="square" lIns="91425" tIns="91425" rIns="91425" bIns="91425" anchor="ctr" anchorCtr="0"/>
+          <a:lstStyle>
+            <a:lvl1pPr marR="0" lvl="0" algn="l" rtl="0">
+              <a:spcBef>
+                <a:spcPts val="0"/>
+              </a:spcBef>
+              <a:spcAft>
+                <a:spcPts val="0"/>
+              </a:spcAft>
+              <a:buSzPts val="1400"/>
+              <a:buNone/>
+              <a:defRPr sz="1200" b="0" i="0" u="none" strike="noStrike" cap="none">
+                <a:solidFill>
+                  <a:srgbClr val="888888"/>
+                </a:solidFill>
+                <a:latin typeface="Calibri"/>
+                <a:ea typeface="Calibri"/>
+                <a:cs typeface="Calibri"/>
+                <a:sym typeface="Calibri"/>
+              </a:defRPr>
+            </a:lvl1pPr>
+            <a:lvl2pPr marR="0" lvl="1" algn="l" rtl="0">
+              <a:spcBef>
+                <a:spcPts val="0"/>
+              </a:spcBef>
+              <a:spcAft>
+                <a:spcPts val="0"/>
+              </a:spcAft>
+              <a:buSzPts val="1400"/>
+              <a:buNone/>
+              <a:defRPr sz="1800" b="0" i="0" u="none" strike="noStrike" cap="none">
+                <a:solidFill>
+                  <a:schemeClr val="dk1"/>
+                </a:solidFill>
+                <a:latin typeface="Calibri"/>
+                <a:ea typeface="Calibri"/>
+                <a:cs typeface="Calibri"/>
+                <a:sym typeface="Calibri"/>
+              </a:defRPr>
+            </a:lvl2pPr>
+            <a:lvl3pPr marR="0" lvl="2" algn="l" rtl="0">
+              <a:spcBef>
+                <a:spcPts val="0"/>
+              </a:spcBef>
+              <a:spcAft>
+                <a:spcPts val="0"/>
+              </a:spcAft>
+              <a:buSzPts val="1400"/>
+              <a:buNone/>
+              <a:defRPr sz="1800" b="0" i="0" u="none" strike="noStrike" cap="none">
+                <a:solidFill>
+                  <a:schemeClr val="dk1"/>
+                </a:solidFill>
+                <a:latin typeface="Calibri"/>
+                <a:ea typeface="Calibri"/>
+                <a:cs typeface="Calibri"/>
+                <a:sym typeface="Calibri"/>
+              </a:defRPr>
+            </a:lvl3pPr>
+            <a:lvl4pPr marR="0" lvl="3" algn="l" rtl="0">
+              <a:spcBef>
+                <a:spcPts val="0"/>
+              </a:spcBef>
+              <a:spcAft>
+                <a:spcPts val="0"/>
+              </a:spcAft>
+              <a:buSzPts val="1400"/>
+              <a:buNone/>
+              <a:defRPr sz="1800" b="0" i="0" u="none" strike="noStrike" cap="none">
+                <a:solidFill>
+                  <a:schemeClr val="dk1"/>
+                </a:solidFill>
+                <a:latin typeface="Calibri"/>
+                <a:ea typeface="Calibri"/>
+                <a:cs typeface="Calibri"/>
+                <a:sym typeface="Calibri"/>
+              </a:defRPr>
+            </a:lvl4pPr>
+            <a:lvl5pPr marR="0" lvl="4" algn="l" rtl="0">
+              <a:spcBef>
+                <a:spcPts val="0"/>
+              </a:spcBef>
+              <a:spcAft>
+                <a:spcPts val="0"/>
+              </a:spcAft>
+              <a:buSzPts val="1400"/>
+              <a:buNone/>
+              <a:defRPr sz="1800" b="0" i="0" u="none" strike="noStrike" cap="none">
+                <a:solidFill>
+                  <a:schemeClr val="dk1"/>
+                </a:solidFill>
+                <a:latin typeface="Calibri"/>
+                <a:ea typeface="Calibri"/>
+                <a:cs typeface="Calibri"/>
+                <a:sym typeface="Calibri"/>
+              </a:defRPr>
+            </a:lvl5pPr>
+            <a:lvl6pPr marR="0" lvl="5" algn="l" rtl="0">
+              <a:spcBef>
+                <a:spcPts val="0"/>
+              </a:spcBef>
+              <a:spcAft>
+                <a:spcPts val="0"/>
+              </a:spcAft>
+              <a:buSzPts val="1400"/>
+              <a:buNone/>
+              <a:defRPr sz="1800" b="0" i="0" u="none" strike="noStrike" cap="none">
+                <a:solidFill>
+                  <a:schemeClr val="dk1"/>
+                </a:solidFill>
+                <a:latin typeface="Calibri"/>
+                <a:ea typeface="Calibri"/>
+                <a:cs typeface="Calibri"/>
+                <a:sym typeface="Calibri"/>
+              </a:defRPr>
+            </a:lvl6pPr>
+            <a:lvl7pPr marR="0" lvl="6" algn="l" rtl="0">
+              <a:spcBef>
+                <a:spcPts val="0"/>
+              </a:spcBef>
+              <a:spcAft>
+                <a:spcPts val="0"/>
+              </a:spcAft>
+              <a:buSzPts val="1400"/>
+              <a:buNone/>
+              <a:defRPr sz="1800" b="0" i="0" u="none" strike="noStrike" cap="none">
+                <a:solidFill>
+                  <a:schemeClr val="dk1"/>
+                </a:solidFill>
+                <a:latin typeface="Calibri"/>
+                <a:ea typeface="Calibri"/>
+                <a:cs typeface="Calibri"/>
+                <a:sym typeface="Calibri"/>
+              </a:defRPr>
+            </a:lvl7pPr>
+            <a:lvl8pPr marR="0" lvl="7" algn="l" rtl="0">
+              <a:spcBef>
+                <a:spcPts val="0"/>
+              </a:spcBef>
+              <a:spcAft>
+                <a:spcPts val="0"/>
+              </a:spcAft>
+              <a:buSzPts val="1400"/>
+              <a:buNone/>
+              <a:defRPr sz="1800" b="0" i="0" u="none" strike="noStrike" cap="none">
+                <a:solidFill>
+                  <a:schemeClr val="dk1"/>
+                </a:solidFill>
+                <a:latin typeface="Calibri"/>
+                <a:ea typeface="Calibri"/>
+                <a:cs typeface="Calibri"/>
+                <a:sym typeface="Calibri"/>
+              </a:defRPr>
+            </a:lvl8pPr>
+            <a:lvl9pPr marR="0" lvl="8" algn="l" rtl="0">
+              <a:spcBef>
+                <a:spcPts val="0"/>
+              </a:spcBef>
+              <a:spcAft>
+                <a:spcPts val="0"/>
+              </a:spcAft>
+              <a:buSzPts val="1400"/>
+              <a:buNone/>
+              <a:defRPr sz="1800" b="0" i="0" u="none" strike="noStrike" cap="none">
+                <a:solidFill>
+                  <a:schemeClr val="dk1"/>
+                </a:solidFill>
+                <a:latin typeface="Calibri"/>
+                <a:ea typeface="Calibri"/>
+                <a:cs typeface="Calibri"/>
+                <a:sym typeface="Calibri"/>
+              </a:defRPr>
+            </a:lvl9pPr>
+          </a:lstStyle>
+          <a:p>
+            <a:endParaRPr/>
+          </a:p>
+        </p:txBody>
+      </p:sp>
+      <p:sp>
+        <p:nvSpPr>
+          <p:cNvPr id="104" name="Shape 104"/>
+          <p:cNvSpPr txBox="1">
+            <a:spLocks noGrp="1"/>
+          </p:cNvSpPr>
+          <p:nvPr>
+            <p:ph type="ftr" idx="11"/>
+          </p:nvPr>
+        </p:nvSpPr>
+        <p:spPr>
+          <a:xfrm>
+            <a:off x="3124200" y="6356350"/>
+            <a:ext cx="2895600" cy="365125"/>
+          </a:xfrm>
+          <a:prstGeom prst="rect">
+            <a:avLst/>
+          </a:prstGeom>
+          <a:noFill/>
+          <a:ln>
+            <a:noFill/>
+          </a:ln>
+        </p:spPr>
+        <p:txBody>
+          <a:bodyPr spcFirstLastPara="1" wrap="square" lIns="91425" tIns="91425" rIns="91425" bIns="91425" anchor="ctr" anchorCtr="0"/>
+          <a:lstStyle>
+            <a:lvl1pPr marR="0" lvl="0" algn="ctr" rtl="0">
+              <a:spcBef>
+                <a:spcPts val="0"/>
+              </a:spcBef>
+              <a:spcAft>
+                <a:spcPts val="0"/>
+              </a:spcAft>
+              <a:buSzPts val="1400"/>
+              <a:buNone/>
+              <a:defRPr sz="1200" b="0" i="0" u="none" strike="noStrike" cap="none">
+                <a:solidFill>
+                  <a:srgbClr val="888888"/>
+                </a:solidFill>
+                <a:latin typeface="Calibri"/>
+                <a:ea typeface="Calibri"/>
+                <a:cs typeface="Calibri"/>
+                <a:sym typeface="Calibri"/>
+              </a:defRPr>
+            </a:lvl1pPr>
+            <a:lvl2pPr marR="0" lvl="1" algn="l" rtl="0">
+              <a:spcBef>
+                <a:spcPts val="0"/>
+              </a:spcBef>
+              <a:spcAft>
+                <a:spcPts val="0"/>
+              </a:spcAft>
+              <a:buSzPts val="1400"/>
+              <a:buNone/>
+              <a:defRPr sz="1800" b="0" i="0" u="none" strike="noStrike" cap="none">
+                <a:solidFill>
+                  <a:schemeClr val="dk1"/>
+                </a:solidFill>
+                <a:latin typeface="Calibri"/>
+                <a:ea typeface="Calibri"/>
+                <a:cs typeface="Calibri"/>
+                <a:sym typeface="Calibri"/>
+              </a:defRPr>
+            </a:lvl2pPr>
+            <a:lvl3pPr marR="0" lvl="2" algn="l" rtl="0">
+              <a:spcBef>
+                <a:spcPts val="0"/>
+              </a:spcBef>
+              <a:spcAft>
+                <a:spcPts val="0"/>
+              </a:spcAft>
+              <a:buSzPts val="1400"/>
+              <a:buNone/>
+              <a:defRPr sz="1800" b="0" i="0" u="none" strike="noStrike" cap="none">
+                <a:solidFill>
+                  <a:schemeClr val="dk1"/>
+                </a:solidFill>
+                <a:latin typeface="Calibri"/>
+                <a:ea typeface="Calibri"/>
+                <a:cs typeface="Calibri"/>
+                <a:sym typeface="Calibri"/>
+              </a:defRPr>
+            </a:lvl3pPr>
+            <a:lvl4pPr marR="0" lvl="3" algn="l" rtl="0">
+              <a:spcBef>
+                <a:spcPts val="0"/>
+              </a:spcBef>
+              <a:spcAft>
+                <a:spcPts val="0"/>
+              </a:spcAft>
+              <a:buSzPts val="1400"/>
+              <a:buNone/>
+              <a:defRPr sz="1800" b="0" i="0" u="none" strike="noStrike" cap="none">
+                <a:solidFill>
+                  <a:schemeClr val="dk1"/>
+                </a:solidFill>
+                <a:latin typeface="Calibri"/>
+                <a:ea typeface="Calibri"/>
+                <a:cs typeface="Calibri"/>
+                <a:sym typeface="Calibri"/>
+              </a:defRPr>
+            </a:lvl4pPr>
+            <a:lvl5pPr marR="0" lvl="4" algn="l" rtl="0">
+              <a:spcBef>
+                <a:spcPts val="0"/>
+              </a:spcBef>
+              <a:spcAft>
+                <a:spcPts val="0"/>
+              </a:spcAft>
+              <a:buSzPts val="1400"/>
+              <a:buNone/>
+              <a:defRPr sz="1800" b="0" i="0" u="none" strike="noStrike" cap="none">
+                <a:solidFill>
+                  <a:schemeClr val="dk1"/>
+                </a:solidFill>
+                <a:latin typeface="Calibri"/>
+                <a:ea typeface="Calibri"/>
+                <a:cs typeface="Calibri"/>
+                <a:sym typeface="Calibri"/>
+              </a:defRPr>
+            </a:lvl5pPr>
+            <a:lvl6pPr marR="0" lvl="5" algn="l" rtl="0">
+              <a:spcBef>
+                <a:spcPts val="0"/>
+              </a:spcBef>
+              <a:spcAft>
+                <a:spcPts val="0"/>
+              </a:spcAft>
+              <a:buSzPts val="1400"/>
+              <a:buNone/>
+              <a:defRPr sz="1800" b="0" i="0" u="none" strike="noStrike" cap="none">
+                <a:solidFill>
+                  <a:schemeClr val="dk1"/>
+                </a:solidFill>
+                <a:latin typeface="Calibri"/>
+                <a:ea typeface="Calibri"/>
+                <a:cs typeface="Calibri"/>
+                <a:sym typeface="Calibri"/>
+              </a:defRPr>
+            </a:lvl6pPr>
+            <a:lvl7pPr marR="0" lvl="6" algn="l" rtl="0">
+              <a:spcBef>
+                <a:spcPts val="0"/>
+              </a:spcBef>
+              <a:spcAft>
+                <a:spcPts val="0"/>
+              </a:spcAft>
+              <a:buSzPts val="1400"/>
+              <a:buNone/>
+              <a:defRPr sz="1800" b="0" i="0" u="none" strike="noStrike" cap="none">
+                <a:solidFill>
+                  <a:schemeClr val="dk1"/>
+                </a:solidFill>
+                <a:latin typeface="Calibri"/>
+                <a:ea typeface="Calibri"/>
+                <a:cs typeface="Calibri"/>
+                <a:sym typeface="Calibri"/>
+              </a:defRPr>
+            </a:lvl7pPr>
+            <a:lvl8pPr marR="0" lvl="7" algn="l" rtl="0">
+              <a:spcBef>
+                <a:spcPts val="0"/>
+              </a:spcBef>
+              <a:spcAft>
+                <a:spcPts val="0"/>
+              </a:spcAft>
+              <a:buSzPts val="1400"/>
+              <a:buNone/>
+              <a:defRPr sz="1800" b="0" i="0" u="none" strike="noStrike" cap="none">
+                <a:solidFill>
+                  <a:schemeClr val="dk1"/>
+                </a:solidFill>
+                <a:latin typeface="Calibri"/>
+                <a:ea typeface="Calibri"/>
+                <a:cs typeface="Calibri"/>
+                <a:sym typeface="Calibri"/>
+              </a:defRPr>
+            </a:lvl8pPr>
+            <a:lvl9pPr marR="0" lvl="8" algn="l" rtl="0">
+              <a:spcBef>
+                <a:spcPts val="0"/>
+              </a:spcBef>
+              <a:spcAft>
+                <a:spcPts val="0"/>
+              </a:spcAft>
+              <a:buSzPts val="1400"/>
+              <a:buNone/>
+              <a:defRPr sz="1800" b="0" i="0" u="none" strike="noStrike" cap="none">
+                <a:solidFill>
+                  <a:schemeClr val="dk1"/>
+                </a:solidFill>
+                <a:latin typeface="Calibri"/>
+                <a:ea typeface="Calibri"/>
+                <a:cs typeface="Calibri"/>
+                <a:sym typeface="Calibri"/>
+              </a:defRPr>
+            </a:lvl9pPr>
+          </a:lstStyle>
+          <a:p>
+            <a:endParaRPr/>
+          </a:p>
+        </p:txBody>
+      </p:sp>
+      <p:sp>
+        <p:nvSpPr>
+          <p:cNvPr id="105" name="Shape 105"/>
           <p:cNvSpPr txBox="1">
             <a:spLocks noGrp="1"/>
           </p:cNvSpPr>
@@ -18197,15 +17510,14 @@
   <p:sldLayoutIdLst>
     <p:sldLayoutId id="2147483648" r:id="rId1"/>
     <p:sldLayoutId id="2147483649" r:id="rId2"/>
-    <p:sldLayoutId id="2147483652" r:id="rId3"/>
-    <p:sldLayoutId id="2147483653" r:id="rId4"/>
-    <p:sldLayoutId id="2147483654" r:id="rId5"/>
-    <p:sldLayoutId id="2147483655" r:id="rId6"/>
-    <p:sldLayoutId id="2147483656" r:id="rId7"/>
-    <p:sldLayoutId id="2147483657" r:id="rId8"/>
-    <p:sldLayoutId id="2147483658" r:id="rId9"/>
-    <p:sldLayoutId id="2147483659" r:id="rId10"/>
-    <p:sldLayoutId id="2147483660" r:id="rId11"/>
+    <p:sldLayoutId id="2147483653" r:id="rId3"/>
+    <p:sldLayoutId id="2147483654" r:id="rId4"/>
+    <p:sldLayoutId id="2147483655" r:id="rId5"/>
+    <p:sldLayoutId id="2147483656" r:id="rId6"/>
+    <p:sldLayoutId id="2147483657" r:id="rId7"/>
+    <p:sldLayoutId id="2147483658" r:id="rId8"/>
+    <p:sldLayoutId id="2147483659" r:id="rId9"/>
+    <p:sldLayoutId id="2147483660" r:id="rId10"/>
   </p:sldLayoutIdLst>
   <p:hf sldNum="0" hdr="0" ftr="0" dt="0"/>
   <p:txStyles>
@@ -19099,457 +18411,6 @@
               <a:buNone/>
             </a:pPr>
             <a:r>
-              <a:rPr lang="en-US" sz="4100" b="1" i="0" u="none" strike="noStrike" cap="none" dirty="0">
-                <a:solidFill>
-                  <a:srgbClr val="262626"/>
-                </a:solidFill>
-                <a:latin typeface="Roboto"/>
-                <a:ea typeface="Roboto"/>
-                <a:cs typeface="Roboto"/>
-                <a:sym typeface="Roboto"/>
-              </a:rPr>
-              <a:t>Parallel</a:t>
-            </a:r>
-            <a:endParaRPr sz="4100" b="1" i="0" u="none" strike="noStrike" cap="none" dirty="0">
-              <a:solidFill>
-                <a:srgbClr val="262626"/>
-              </a:solidFill>
-              <a:latin typeface="Roboto"/>
-              <a:ea typeface="Roboto"/>
-              <a:cs typeface="Roboto"/>
-              <a:sym typeface="Roboto"/>
-            </a:endParaRPr>
-          </a:p>
-        </p:txBody>
-      </p:sp>
-      <p:sp>
-        <p:nvSpPr>
-          <p:cNvPr id="159" name="Shape 159"/>
-          <p:cNvSpPr/>
-          <p:nvPr/>
-        </p:nvSpPr>
-        <p:spPr>
-          <a:xfrm>
-            <a:off x="7145316" y="408237"/>
-            <a:ext cx="1856100" cy="290400"/>
-          </a:xfrm>
-          <a:prstGeom prst="roundRect">
-            <a:avLst>
-              <a:gd name="adj" fmla="val 0"/>
-            </a:avLst>
-          </a:prstGeom>
-          <a:noFill/>
-          <a:ln>
-            <a:noFill/>
-          </a:ln>
-        </p:spPr>
-        <p:txBody>
-          <a:bodyPr spcFirstLastPara="1" wrap="square" lIns="91425" tIns="45700" rIns="91425" bIns="45700" anchor="ctr" anchorCtr="0">
-            <a:noAutofit/>
-          </a:bodyPr>
-          <a:lstStyle/>
-          <a:p>
-            <a:pPr marL="0" marR="0" lvl="0" indent="0" algn="ctr" rtl="0">
-              <a:spcBef>
-                <a:spcPts val="0"/>
-              </a:spcBef>
-              <a:spcAft>
-                <a:spcPts val="0"/>
-              </a:spcAft>
-              <a:buClr>
-                <a:schemeClr val="lt1"/>
-              </a:buClr>
-              <a:buSzPts val="1200"/>
-              <a:buFont typeface="Arial"/>
-              <a:buNone/>
-            </a:pPr>
-            <a:r>
-              <a:rPr lang="en-US" sz="1500" b="1" i="0" strike="noStrike" cap="none">
-                <a:solidFill>
-                  <a:srgbClr val="262626"/>
-                </a:solidFill>
-                <a:latin typeface="Roboto"/>
-                <a:ea typeface="Roboto"/>
-                <a:cs typeface="Roboto"/>
-                <a:sym typeface="Roboto"/>
-              </a:rPr>
-              <a:t>www.itea.ua</a:t>
-            </a:r>
-            <a:endParaRPr sz="1500" b="1" i="0" strike="noStrike" cap="none">
-              <a:solidFill>
-                <a:srgbClr val="262626"/>
-              </a:solidFill>
-              <a:latin typeface="Roboto"/>
-              <a:ea typeface="Roboto"/>
-              <a:cs typeface="Roboto"/>
-              <a:sym typeface="Roboto"/>
-            </a:endParaRPr>
-          </a:p>
-        </p:txBody>
-      </p:sp>
-      <p:sp>
-        <p:nvSpPr>
-          <p:cNvPr id="160" name="Shape 160"/>
-          <p:cNvSpPr/>
-          <p:nvPr/>
-        </p:nvSpPr>
-        <p:spPr>
-          <a:xfrm rot="10800000" flipH="1">
-            <a:off x="0" y="1127850"/>
-            <a:ext cx="3143100" cy="42300"/>
-          </a:xfrm>
-          <a:prstGeom prst="rect">
-            <a:avLst/>
-          </a:prstGeom>
-          <a:solidFill>
-            <a:srgbClr val="CC0000"/>
-          </a:solidFill>
-          <a:ln>
-            <a:noFill/>
-          </a:ln>
-        </p:spPr>
-        <p:txBody>
-          <a:bodyPr spcFirstLastPara="1" wrap="square" lIns="91425" tIns="91425" rIns="91425" bIns="91425" anchor="ctr" anchorCtr="0">
-            <a:noAutofit/>
-          </a:bodyPr>
-          <a:lstStyle/>
-          <a:p>
-            <a:pPr marL="0" lvl="0" indent="0">
-              <a:spcBef>
-                <a:spcPts val="0"/>
-              </a:spcBef>
-              <a:spcAft>
-                <a:spcPts val="0"/>
-              </a:spcAft>
-              <a:buNone/>
-            </a:pPr>
-            <a:r>
-              <a:rPr lang="en-US"/>
-              <a:t>                                                                                     </a:t>
-            </a:r>
-            <a:endParaRPr/>
-          </a:p>
-        </p:txBody>
-      </p:sp>
-      <p:sp>
-        <p:nvSpPr>
-          <p:cNvPr id="161" name="Shape 161"/>
-          <p:cNvSpPr/>
-          <p:nvPr/>
-        </p:nvSpPr>
-        <p:spPr>
-          <a:xfrm rot="10800000" flipH="1">
-            <a:off x="3067050" y="1127850"/>
-            <a:ext cx="3143100" cy="42300"/>
-          </a:xfrm>
-          <a:prstGeom prst="rect">
-            <a:avLst/>
-          </a:prstGeom>
-          <a:solidFill>
-            <a:srgbClr val="262626"/>
-          </a:solidFill>
-          <a:ln>
-            <a:noFill/>
-          </a:ln>
-        </p:spPr>
-        <p:txBody>
-          <a:bodyPr spcFirstLastPara="1" wrap="square" lIns="91425" tIns="91425" rIns="91425" bIns="91425" anchor="ctr" anchorCtr="0">
-            <a:noAutofit/>
-          </a:bodyPr>
-          <a:lstStyle/>
-          <a:p>
-            <a:pPr marL="0" lvl="0" indent="0">
-              <a:spcBef>
-                <a:spcPts val="0"/>
-              </a:spcBef>
-              <a:spcAft>
-                <a:spcPts val="0"/>
-              </a:spcAft>
-              <a:buNone/>
-            </a:pPr>
-            <a:endParaRPr/>
-          </a:p>
-        </p:txBody>
-      </p:sp>
-      <p:pic>
-        <p:nvPicPr>
-          <p:cNvPr id="162" name="Shape 162"/>
-          <p:cNvPicPr preferRelativeResize="0"/>
-          <p:nvPr/>
-        </p:nvPicPr>
-        <p:blipFill>
-          <a:blip r:embed="rId3">
-            <a:alphaModFix/>
-          </a:blip>
-          <a:stretch>
-            <a:fillRect/>
-          </a:stretch>
-        </p:blipFill>
-        <p:spPr>
-          <a:xfrm>
-            <a:off x="353700" y="302000"/>
-            <a:ext cx="1741800" cy="502875"/>
-          </a:xfrm>
-          <a:prstGeom prst="rect">
-            <a:avLst/>
-          </a:prstGeom>
-          <a:noFill/>
-          <a:ln>
-            <a:noFill/>
-          </a:ln>
-        </p:spPr>
-      </p:pic>
-      <p:sp>
-        <p:nvSpPr>
-          <p:cNvPr id="163" name="Shape 163"/>
-          <p:cNvSpPr txBox="1"/>
-          <p:nvPr/>
-        </p:nvSpPr>
-        <p:spPr>
-          <a:xfrm>
-            <a:off x="495374" y="2420487"/>
-            <a:ext cx="8181300" cy="4029275"/>
-          </a:xfrm>
-          <a:prstGeom prst="rect">
-            <a:avLst/>
-          </a:prstGeom>
-          <a:noFill/>
-          <a:ln>
-            <a:noFill/>
-          </a:ln>
-        </p:spPr>
-        <p:txBody>
-          <a:bodyPr spcFirstLastPara="1" wrap="square" lIns="91425" tIns="45700" rIns="91425" bIns="45700" anchor="ctr" anchorCtr="0">
-            <a:noAutofit/>
-          </a:bodyPr>
-          <a:lstStyle/>
-          <a:p>
-            <a:pPr lvl="0" indent="-12700">
-              <a:spcAft>
-                <a:spcPts val="1200"/>
-              </a:spcAft>
-              <a:buSzPts val="2000"/>
-              <a:buFont typeface="Noto Sans Symbols"/>
-              <a:buChar char="▪"/>
-            </a:pPr>
-            <a:r>
-              <a:rPr lang="ru-RU" sz="2000" dirty="0">
-                <a:latin typeface="Roboto"/>
-                <a:ea typeface="Roboto"/>
-                <a:sym typeface="Calibri"/>
-              </a:rPr>
-              <a:t> Частью библиотеки паралельных задач </a:t>
-            </a:r>
-            <a:r>
-              <a:rPr lang="en-US" sz="2000" b="1" dirty="0">
-                <a:latin typeface="Roboto"/>
-                <a:ea typeface="Roboto"/>
-                <a:sym typeface="Calibri"/>
-              </a:rPr>
-              <a:t>TPL (Task Parallel Library)</a:t>
-            </a:r>
-            <a:r>
-              <a:rPr lang="en-US" sz="2000" dirty="0">
-                <a:latin typeface="Roboto"/>
-                <a:ea typeface="Roboto"/>
-                <a:sym typeface="Calibri"/>
-              </a:rPr>
-              <a:t> </a:t>
-            </a:r>
-            <a:r>
-              <a:rPr lang="ru-RU" sz="2000" dirty="0">
-                <a:latin typeface="Roboto"/>
-                <a:ea typeface="Roboto"/>
-                <a:sym typeface="Calibri"/>
-              </a:rPr>
-              <a:t>является также статическмий класс </a:t>
-            </a:r>
-            <a:r>
-              <a:rPr lang="en-US" sz="2000" b="1" dirty="0">
-                <a:latin typeface="Roboto"/>
-                <a:ea typeface="Roboto"/>
-                <a:sym typeface="Calibri"/>
-              </a:rPr>
-              <a:t>Parallel.</a:t>
-            </a:r>
-          </a:p>
-          <a:p>
-            <a:pPr lvl="0" indent="-12700">
-              <a:spcAft>
-                <a:spcPts val="1200"/>
-              </a:spcAft>
-              <a:buSzPts val="2000"/>
-              <a:buFont typeface="Noto Sans Symbols"/>
-              <a:buChar char="▪"/>
-            </a:pPr>
-            <a:r>
-              <a:rPr lang="en-US" sz="2000" b="1" i="0" u="none" strike="noStrike" cap="none" dirty="0">
-                <a:latin typeface="Roboto"/>
-                <a:ea typeface="Roboto"/>
-                <a:cs typeface="Roboto"/>
-                <a:sym typeface="Calibri"/>
-              </a:rPr>
-              <a:t> </a:t>
-            </a:r>
-            <a:r>
-              <a:rPr lang="ru-RU" sz="2000" dirty="0">
-                <a:latin typeface="Roboto"/>
-                <a:ea typeface="Roboto"/>
-                <a:cs typeface="Roboto"/>
-                <a:sym typeface="Calibri"/>
-              </a:rPr>
-              <a:t>Класс </a:t>
-            </a:r>
-            <a:r>
-              <a:rPr lang="en-US" sz="2000" b="1" dirty="0">
-                <a:latin typeface="Roboto"/>
-                <a:ea typeface="Roboto"/>
-                <a:cs typeface="Roboto"/>
-                <a:sym typeface="Calibri"/>
-              </a:rPr>
-              <a:t>Parallel</a:t>
-            </a:r>
-            <a:r>
-              <a:rPr lang="ru-RU" sz="2000" dirty="0">
-                <a:latin typeface="Roboto"/>
-                <a:ea typeface="Roboto"/>
-                <a:cs typeface="Roboto"/>
-                <a:sym typeface="Calibri"/>
-              </a:rPr>
-              <a:t> предоставляет функционал для паралельного вызова нескольких методов или выполнения распаралеленых циклов.</a:t>
-            </a:r>
-          </a:p>
-          <a:p>
-            <a:pPr lvl="0" indent="-12700">
-              <a:spcAft>
-                <a:spcPts val="1200"/>
-              </a:spcAft>
-              <a:buSzPts val="2000"/>
-              <a:buFont typeface="Noto Sans Symbols"/>
-              <a:buChar char="▪"/>
-            </a:pPr>
-            <a:r>
-              <a:rPr lang="ru-RU" sz="2000" dirty="0">
-                <a:latin typeface="Roboto"/>
-                <a:ea typeface="Roboto"/>
-                <a:cs typeface="Roboto"/>
-                <a:sym typeface="Calibri"/>
-              </a:rPr>
-              <a:t> Инстуркции класса </a:t>
-            </a:r>
-            <a:r>
-              <a:rPr lang="en-US" sz="2000" b="1" dirty="0">
-                <a:latin typeface="Roboto"/>
-                <a:ea typeface="Roboto"/>
-                <a:cs typeface="Roboto"/>
-                <a:sym typeface="Calibri"/>
-              </a:rPr>
-              <a:t>Parallel</a:t>
-            </a:r>
-            <a:r>
-              <a:rPr lang="en-US" sz="2000" dirty="0">
-                <a:latin typeface="Roboto"/>
-                <a:ea typeface="Roboto"/>
-                <a:cs typeface="Roboto"/>
-                <a:sym typeface="Calibri"/>
-              </a:rPr>
-              <a:t> </a:t>
-            </a:r>
-            <a:r>
-              <a:rPr lang="ru-RU" sz="2000" dirty="0">
-                <a:latin typeface="Roboto"/>
-                <a:ea typeface="Roboto"/>
-                <a:cs typeface="Roboto"/>
-                <a:sym typeface="Calibri"/>
-              </a:rPr>
-              <a:t>выполняются синхронно.</a:t>
-            </a:r>
-            <a:endParaRPr sz="2000" i="0" u="none" strike="noStrike" cap="none" dirty="0">
-              <a:latin typeface="Roboto"/>
-              <a:ea typeface="Roboto"/>
-              <a:cs typeface="Roboto"/>
-              <a:sym typeface="Roboto"/>
-            </a:endParaRPr>
-          </a:p>
-        </p:txBody>
-      </p:sp>
-    </p:spTree>
-    <p:extLst>
-      <p:ext uri="{BB962C8B-B14F-4D97-AF65-F5344CB8AC3E}">
-        <p14:creationId xmlns:p14="http://schemas.microsoft.com/office/powerpoint/2010/main" val="811545401"/>
-      </p:ext>
-    </p:extLst>
-  </p:cSld>
-  <p:clrMapOvr>
-    <a:masterClrMapping/>
-  </p:clrMapOvr>
-  <p:transition>
-    <p:fade/>
-  </p:transition>
-</p:sld>
-</file>
-
-<file path=ppt/slides/slide11.xml><?xml version="1.0" encoding="utf-8"?>
-<p:sld xmlns:a="http://schemas.openxmlformats.org/drawingml/2006/main" xmlns:r="http://schemas.openxmlformats.org/officeDocument/2006/relationships" xmlns:p="http://schemas.openxmlformats.org/presentationml/2006/main">
-  <p:cSld>
-    <p:spTree>
-      <p:nvGrpSpPr>
-        <p:cNvPr id="1" name="Shape 156"/>
-        <p:cNvGrpSpPr/>
-        <p:nvPr/>
-      </p:nvGrpSpPr>
-      <p:grpSpPr>
-        <a:xfrm>
-          <a:off x="0" y="0"/>
-          <a:ext cx="0" cy="0"/>
-          <a:chOff x="0" y="0"/>
-          <a:chExt cx="0" cy="0"/>
-        </a:xfrm>
-      </p:grpSpPr>
-      <p:sp>
-        <p:nvSpPr>
-          <p:cNvPr id="158" name="Shape 158"/>
-          <p:cNvSpPr txBox="1">
-            <a:spLocks noGrp="1"/>
-          </p:cNvSpPr>
-          <p:nvPr>
-            <p:ph type="title"/>
-          </p:nvPr>
-        </p:nvSpPr>
-        <p:spPr>
-          <a:xfrm>
-            <a:off x="467326" y="1277488"/>
-            <a:ext cx="8229600" cy="1143000"/>
-          </a:xfrm>
-          <a:prstGeom prst="rect">
-            <a:avLst/>
-          </a:prstGeom>
-          <a:noFill/>
-          <a:ln>
-            <a:noFill/>
-          </a:ln>
-        </p:spPr>
-        <p:txBody>
-          <a:bodyPr spcFirstLastPara="1" wrap="square" lIns="91425" tIns="45700" rIns="91425" bIns="45700" anchor="ctr" anchorCtr="0">
-            <a:noAutofit/>
-          </a:bodyPr>
-          <a:lstStyle/>
-          <a:p>
-            <a:pPr marL="0" marR="0" lvl="0" indent="0" algn="l" rtl="0">
-              <a:spcBef>
-                <a:spcPts val="0"/>
-              </a:spcBef>
-              <a:spcAft>
-                <a:spcPts val="0"/>
-              </a:spcAft>
-              <a:buClr>
-                <a:schemeClr val="dk1"/>
-              </a:buClr>
-              <a:buSzPts val="4400"/>
-              <a:buFont typeface="Calibri"/>
-              <a:buNone/>
-            </a:pPr>
-            <a:r>
               <a:rPr lang="en-US" sz="4100" b="1" dirty="0">
                 <a:solidFill>
                   <a:srgbClr val="262626"/>
@@ -20810,7 +19671,29 @@
                 <a:cs typeface="Roboto"/>
                 <a:sym typeface="Roboto"/>
               </a:rPr>
-              <a:t>Если первым завершится основной поток, то фоновые потоки в его процессе будут также принудительно остановлены, если же первым завершится фоновый поток, то это не повлияет на остановку основного потока.</a:t>
+              <a:t>Если первым завершится основной поток, то в зависимости от конфигурации фонового потока программа завершит свое выполнение или будет ждать завершения фоновых потоков.</a:t>
+            </a:r>
+          </a:p>
+          <a:p>
+            <a:pPr lvl="0" indent="-12700">
+              <a:spcAft>
+                <a:spcPts val="1200"/>
+              </a:spcAft>
+              <a:buSzPts val="2000"/>
+              <a:buFont typeface="Noto Sans Symbols"/>
+              <a:buChar char="▪"/>
+            </a:pPr>
+            <a:r>
+              <a:rPr lang="ru-RU" sz="2000" dirty="0">
+                <a:solidFill>
+                  <a:srgbClr val="262626"/>
+                </a:solidFill>
+                <a:latin typeface="Roboto"/>
+                <a:ea typeface="Roboto"/>
+                <a:cs typeface="Roboto"/>
+                <a:sym typeface="Roboto"/>
+              </a:rPr>
+              <a:t> Если же первым завершится фоновый поток, то это не повлияет на остановку основного потока и программы соответственно.</a:t>
             </a:r>
             <a:endParaRPr lang="en-US" sz="2000" dirty="0">
               <a:solidFill>
@@ -21319,848 +20202,6 @@
 </file>
 
 <file path=ppt/slides/slide5.xml><?xml version="1.0" encoding="utf-8"?>
-<p:sld xmlns:a="http://schemas.openxmlformats.org/drawingml/2006/main" xmlns:r="http://schemas.openxmlformats.org/officeDocument/2006/relationships" xmlns:p="http://schemas.openxmlformats.org/presentationml/2006/main">
-  <p:cSld>
-    <p:spTree>
-      <p:nvGrpSpPr>
-        <p:cNvPr id="1" name="Shape 193"/>
-        <p:cNvGrpSpPr/>
-        <p:nvPr/>
-      </p:nvGrpSpPr>
-      <p:grpSpPr>
-        <a:xfrm>
-          <a:off x="0" y="0"/>
-          <a:ext cx="0" cy="0"/>
-          <a:chOff x="0" y="0"/>
-          <a:chExt cx="0" cy="0"/>
-        </a:xfrm>
-      </p:grpSpPr>
-      <p:sp>
-        <p:nvSpPr>
-          <p:cNvPr id="194" name="Shape 194"/>
-          <p:cNvSpPr txBox="1"/>
-          <p:nvPr/>
-        </p:nvSpPr>
-        <p:spPr>
-          <a:xfrm>
-            <a:off x="1016512" y="2718780"/>
-            <a:ext cx="7344900" cy="308700"/>
-          </a:xfrm>
-          <a:prstGeom prst="rect">
-            <a:avLst/>
-          </a:prstGeom>
-          <a:noFill/>
-          <a:ln>
-            <a:noFill/>
-          </a:ln>
-        </p:spPr>
-        <p:txBody>
-          <a:bodyPr spcFirstLastPara="1" wrap="square" lIns="91425" tIns="45700" rIns="91425" bIns="45700" anchor="t" anchorCtr="0">
-            <a:noAutofit/>
-          </a:bodyPr>
-          <a:lstStyle/>
-          <a:p>
-            <a:pPr lvl="0"/>
-            <a:r>
-              <a:rPr lang="en-US" sz="1600" b="1" dirty="0">
-                <a:solidFill>
-                  <a:srgbClr val="262626"/>
-                </a:solidFill>
-                <a:latin typeface="Roboto"/>
-                <a:ea typeface="Roboto"/>
-                <a:cs typeface="Roboto"/>
-                <a:sym typeface="Roboto"/>
-              </a:rPr>
-              <a:t>Lowest</a:t>
-            </a:r>
-            <a:endParaRPr sz="1600" b="1" i="0" u="none" strike="noStrike" cap="none" dirty="0">
-              <a:solidFill>
-                <a:srgbClr val="595959"/>
-              </a:solidFill>
-              <a:latin typeface="Roboto"/>
-              <a:ea typeface="Roboto"/>
-              <a:cs typeface="Roboto"/>
-              <a:sym typeface="Roboto"/>
-            </a:endParaRPr>
-          </a:p>
-        </p:txBody>
-      </p:sp>
-      <p:sp>
-        <p:nvSpPr>
-          <p:cNvPr id="195" name="Shape 195"/>
-          <p:cNvSpPr txBox="1"/>
-          <p:nvPr/>
-        </p:nvSpPr>
-        <p:spPr>
-          <a:xfrm>
-            <a:off x="1016512" y="3386552"/>
-            <a:ext cx="7344900" cy="308700"/>
-          </a:xfrm>
-          <a:prstGeom prst="rect">
-            <a:avLst/>
-          </a:prstGeom>
-          <a:noFill/>
-          <a:ln>
-            <a:noFill/>
-          </a:ln>
-        </p:spPr>
-        <p:txBody>
-          <a:bodyPr spcFirstLastPara="1" wrap="square" lIns="91425" tIns="45700" rIns="91425" bIns="45700" anchor="t" anchorCtr="0">
-            <a:noAutofit/>
-          </a:bodyPr>
-          <a:lstStyle/>
-          <a:p>
-            <a:pPr lvl="0"/>
-            <a:r>
-              <a:rPr lang="en-US" sz="1600" b="1" dirty="0" err="1">
-                <a:solidFill>
-                  <a:srgbClr val="262626"/>
-                </a:solidFill>
-                <a:latin typeface="Roboto"/>
-                <a:ea typeface="Roboto"/>
-                <a:cs typeface="Roboto"/>
-                <a:sym typeface="Roboto"/>
-              </a:rPr>
-              <a:t>BelowNormal</a:t>
-            </a:r>
-            <a:endParaRPr sz="1600" b="1" dirty="0">
-              <a:solidFill>
-                <a:srgbClr val="595959"/>
-              </a:solidFill>
-              <a:latin typeface="Roboto"/>
-              <a:ea typeface="Roboto"/>
-              <a:cs typeface="Roboto"/>
-              <a:sym typeface="Roboto"/>
-            </a:endParaRPr>
-          </a:p>
-        </p:txBody>
-      </p:sp>
-      <p:cxnSp>
-        <p:nvCxnSpPr>
-          <p:cNvPr id="196" name="Shape 196"/>
-          <p:cNvCxnSpPr/>
-          <p:nvPr/>
-        </p:nvCxnSpPr>
-        <p:spPr>
-          <a:xfrm>
-            <a:off x="1141140" y="3869668"/>
-            <a:ext cx="6840900" cy="0"/>
-          </a:xfrm>
-          <a:prstGeom prst="straightConnector1">
-            <a:avLst/>
-          </a:prstGeom>
-          <a:noFill/>
-          <a:ln w="9525" cap="flat" cmpd="sng">
-            <a:solidFill>
-              <a:srgbClr val="F2F2F2"/>
-            </a:solidFill>
-            <a:prstDash val="solid"/>
-            <a:round/>
-            <a:headEnd type="none" w="med" len="med"/>
-            <a:tailEnd type="none" w="med" len="med"/>
-          </a:ln>
-        </p:spPr>
-      </p:cxnSp>
-      <p:sp>
-        <p:nvSpPr>
-          <p:cNvPr id="197" name="Shape 197"/>
-          <p:cNvSpPr txBox="1"/>
-          <p:nvPr/>
-        </p:nvSpPr>
-        <p:spPr>
-          <a:xfrm>
-            <a:off x="1016512" y="4043896"/>
-            <a:ext cx="7344900" cy="308700"/>
-          </a:xfrm>
-          <a:prstGeom prst="rect">
-            <a:avLst/>
-          </a:prstGeom>
-          <a:noFill/>
-          <a:ln>
-            <a:noFill/>
-          </a:ln>
-        </p:spPr>
-        <p:txBody>
-          <a:bodyPr spcFirstLastPara="1" wrap="square" lIns="91425" tIns="45700" rIns="91425" bIns="45700" anchor="t" anchorCtr="0">
-            <a:noAutofit/>
-          </a:bodyPr>
-          <a:lstStyle/>
-          <a:p>
-            <a:pPr lvl="0"/>
-            <a:r>
-              <a:rPr lang="en-US" sz="1600" b="1" dirty="0">
-                <a:solidFill>
-                  <a:srgbClr val="262626"/>
-                </a:solidFill>
-                <a:latin typeface="Roboto"/>
-                <a:ea typeface="Roboto"/>
-                <a:cs typeface="Roboto"/>
-                <a:sym typeface="Roboto"/>
-              </a:rPr>
-              <a:t>Normal</a:t>
-            </a:r>
-            <a:endParaRPr sz="1600" b="1" i="0" u="none" strike="noStrike" cap="none" dirty="0">
-              <a:solidFill>
-                <a:srgbClr val="595959"/>
-              </a:solidFill>
-              <a:latin typeface="Roboto"/>
-              <a:ea typeface="Roboto"/>
-              <a:cs typeface="Roboto"/>
-              <a:sym typeface="Roboto"/>
-            </a:endParaRPr>
-          </a:p>
-        </p:txBody>
-      </p:sp>
-      <p:sp>
-        <p:nvSpPr>
-          <p:cNvPr id="198" name="Shape 198"/>
-          <p:cNvSpPr txBox="1"/>
-          <p:nvPr/>
-        </p:nvSpPr>
-        <p:spPr>
-          <a:xfrm>
-            <a:off x="1016512" y="4701240"/>
-            <a:ext cx="7344900" cy="308700"/>
-          </a:xfrm>
-          <a:prstGeom prst="rect">
-            <a:avLst/>
-          </a:prstGeom>
-          <a:noFill/>
-          <a:ln>
-            <a:noFill/>
-          </a:ln>
-        </p:spPr>
-        <p:txBody>
-          <a:bodyPr spcFirstLastPara="1" wrap="square" lIns="91425" tIns="45700" rIns="91425" bIns="45700" anchor="t" anchorCtr="0">
-            <a:noAutofit/>
-          </a:bodyPr>
-          <a:lstStyle/>
-          <a:p>
-            <a:pPr lvl="0"/>
-            <a:r>
-              <a:rPr lang="en-US" sz="1600" b="1" dirty="0" err="1">
-                <a:solidFill>
-                  <a:srgbClr val="262626"/>
-                </a:solidFill>
-                <a:latin typeface="Roboto"/>
-                <a:ea typeface="Roboto"/>
-                <a:cs typeface="Roboto"/>
-                <a:sym typeface="Roboto"/>
-              </a:rPr>
-              <a:t>AboveNormal</a:t>
-            </a:r>
-            <a:endParaRPr sz="1600" b="1" i="0" u="none" strike="noStrike" cap="none" dirty="0">
-              <a:solidFill>
-                <a:srgbClr val="595959"/>
-              </a:solidFill>
-              <a:latin typeface="Roboto"/>
-              <a:ea typeface="Roboto"/>
-              <a:cs typeface="Roboto"/>
-              <a:sym typeface="Roboto"/>
-            </a:endParaRPr>
-          </a:p>
-        </p:txBody>
-      </p:sp>
-      <p:sp>
-        <p:nvSpPr>
-          <p:cNvPr id="199" name="Shape 199"/>
-          <p:cNvSpPr txBox="1"/>
-          <p:nvPr/>
-        </p:nvSpPr>
-        <p:spPr>
-          <a:xfrm>
-            <a:off x="1016512" y="5358584"/>
-            <a:ext cx="7344900" cy="308700"/>
-          </a:xfrm>
-          <a:prstGeom prst="rect">
-            <a:avLst/>
-          </a:prstGeom>
-          <a:noFill/>
-          <a:ln>
-            <a:noFill/>
-          </a:ln>
-        </p:spPr>
-        <p:txBody>
-          <a:bodyPr spcFirstLastPara="1" wrap="square" lIns="91425" tIns="45700" rIns="91425" bIns="45700" anchor="t" anchorCtr="0">
-            <a:noAutofit/>
-          </a:bodyPr>
-          <a:lstStyle/>
-          <a:p>
-            <a:pPr lvl="0"/>
-            <a:r>
-              <a:rPr lang="en-US" sz="1600" b="1" dirty="0">
-                <a:solidFill>
-                  <a:srgbClr val="262626"/>
-                </a:solidFill>
-                <a:latin typeface="Roboto"/>
-                <a:ea typeface="Roboto"/>
-                <a:cs typeface="Roboto"/>
-                <a:sym typeface="Roboto"/>
-              </a:rPr>
-              <a:t>Highest</a:t>
-            </a:r>
-            <a:endParaRPr sz="1600" b="1" i="0" u="none" strike="noStrike" cap="none" dirty="0">
-              <a:solidFill>
-                <a:srgbClr val="595959"/>
-              </a:solidFill>
-              <a:latin typeface="Roboto"/>
-              <a:ea typeface="Roboto"/>
-              <a:cs typeface="Roboto"/>
-              <a:sym typeface="Roboto"/>
-            </a:endParaRPr>
-          </a:p>
-        </p:txBody>
-      </p:sp>
-      <p:cxnSp>
-        <p:nvCxnSpPr>
-          <p:cNvPr id="201" name="Shape 201"/>
-          <p:cNvCxnSpPr/>
-          <p:nvPr/>
-        </p:nvCxnSpPr>
-        <p:spPr>
-          <a:xfrm>
-            <a:off x="1141140" y="3196352"/>
-            <a:ext cx="6840900" cy="0"/>
-          </a:xfrm>
-          <a:prstGeom prst="straightConnector1">
-            <a:avLst/>
-          </a:prstGeom>
-          <a:noFill/>
-          <a:ln w="9525" cap="flat" cmpd="sng">
-            <a:solidFill>
-              <a:srgbClr val="F2F2F2"/>
-            </a:solidFill>
-            <a:prstDash val="solid"/>
-            <a:round/>
-            <a:headEnd type="none" w="med" len="med"/>
-            <a:tailEnd type="none" w="med" len="med"/>
-          </a:ln>
-        </p:spPr>
-      </p:cxnSp>
-      <p:cxnSp>
-        <p:nvCxnSpPr>
-          <p:cNvPr id="202" name="Shape 202"/>
-          <p:cNvCxnSpPr/>
-          <p:nvPr/>
-        </p:nvCxnSpPr>
-        <p:spPr>
-          <a:xfrm>
-            <a:off x="1141140" y="4500880"/>
-            <a:ext cx="6840900" cy="0"/>
-          </a:xfrm>
-          <a:prstGeom prst="straightConnector1">
-            <a:avLst/>
-          </a:prstGeom>
-          <a:noFill/>
-          <a:ln w="9525" cap="flat" cmpd="sng">
-            <a:solidFill>
-              <a:srgbClr val="F2F2F2"/>
-            </a:solidFill>
-            <a:prstDash val="solid"/>
-            <a:round/>
-            <a:headEnd type="none" w="med" len="med"/>
-            <a:tailEnd type="none" w="med" len="med"/>
-          </a:ln>
-        </p:spPr>
-      </p:cxnSp>
-      <p:cxnSp>
-        <p:nvCxnSpPr>
-          <p:cNvPr id="203" name="Shape 203"/>
-          <p:cNvCxnSpPr/>
-          <p:nvPr/>
-        </p:nvCxnSpPr>
-        <p:spPr>
-          <a:xfrm>
-            <a:off x="1141140" y="5158224"/>
-            <a:ext cx="6768900" cy="0"/>
-          </a:xfrm>
-          <a:prstGeom prst="straightConnector1">
-            <a:avLst/>
-          </a:prstGeom>
-          <a:noFill/>
-          <a:ln w="9525" cap="flat" cmpd="sng">
-            <a:solidFill>
-              <a:srgbClr val="F2F2F2"/>
-            </a:solidFill>
-            <a:prstDash val="solid"/>
-            <a:round/>
-            <a:headEnd type="none" w="med" len="med"/>
-            <a:tailEnd type="none" w="med" len="med"/>
-          </a:ln>
-        </p:spPr>
-      </p:cxnSp>
-      <p:pic>
-        <p:nvPicPr>
-          <p:cNvPr id="205" name="Shape 205"/>
-          <p:cNvPicPr preferRelativeResize="0"/>
-          <p:nvPr/>
-        </p:nvPicPr>
-        <p:blipFill>
-          <a:blip r:embed="rId3">
-            <a:alphaModFix/>
-          </a:blip>
-          <a:stretch>
-            <a:fillRect/>
-          </a:stretch>
-        </p:blipFill>
-        <p:spPr>
-          <a:xfrm>
-            <a:off x="353700" y="302000"/>
-            <a:ext cx="1741800" cy="502875"/>
-          </a:xfrm>
-          <a:prstGeom prst="rect">
-            <a:avLst/>
-          </a:prstGeom>
-          <a:noFill/>
-          <a:ln>
-            <a:noFill/>
-          </a:ln>
-        </p:spPr>
-      </p:pic>
-      <p:sp>
-        <p:nvSpPr>
-          <p:cNvPr id="206" name="Shape 206"/>
-          <p:cNvSpPr/>
-          <p:nvPr/>
-        </p:nvSpPr>
-        <p:spPr>
-          <a:xfrm>
-            <a:off x="7145316" y="408237"/>
-            <a:ext cx="1856100" cy="290400"/>
-          </a:xfrm>
-          <a:prstGeom prst="roundRect">
-            <a:avLst>
-              <a:gd name="adj" fmla="val 0"/>
-            </a:avLst>
-          </a:prstGeom>
-          <a:noFill/>
-          <a:ln>
-            <a:noFill/>
-          </a:ln>
-        </p:spPr>
-        <p:txBody>
-          <a:bodyPr spcFirstLastPara="1" wrap="square" lIns="91425" tIns="45700" rIns="91425" bIns="45700" anchor="ctr" anchorCtr="0">
-            <a:noAutofit/>
-          </a:bodyPr>
-          <a:lstStyle/>
-          <a:p>
-            <a:pPr marL="0" marR="0" lvl="0" indent="0" algn="ctr" rtl="0">
-              <a:spcBef>
-                <a:spcPts val="0"/>
-              </a:spcBef>
-              <a:spcAft>
-                <a:spcPts val="0"/>
-              </a:spcAft>
-              <a:buClr>
-                <a:schemeClr val="lt1"/>
-              </a:buClr>
-              <a:buSzPts val="1200"/>
-              <a:buFont typeface="Arial"/>
-              <a:buNone/>
-            </a:pPr>
-            <a:r>
-              <a:rPr lang="en-US" sz="1500" b="1" i="0" strike="noStrike" cap="none">
-                <a:solidFill>
-                  <a:srgbClr val="262626"/>
-                </a:solidFill>
-                <a:latin typeface="Roboto"/>
-                <a:ea typeface="Roboto"/>
-                <a:cs typeface="Roboto"/>
-                <a:sym typeface="Roboto"/>
-              </a:rPr>
-              <a:t>www.itea.ua</a:t>
-            </a:r>
-            <a:endParaRPr sz="1500" b="1" i="0" strike="noStrike" cap="none">
-              <a:solidFill>
-                <a:srgbClr val="262626"/>
-              </a:solidFill>
-              <a:latin typeface="Roboto"/>
-              <a:ea typeface="Roboto"/>
-              <a:cs typeface="Roboto"/>
-              <a:sym typeface="Roboto"/>
-            </a:endParaRPr>
-          </a:p>
-        </p:txBody>
-      </p:sp>
-      <p:sp>
-        <p:nvSpPr>
-          <p:cNvPr id="207" name="Shape 207"/>
-          <p:cNvSpPr/>
-          <p:nvPr/>
-        </p:nvSpPr>
-        <p:spPr>
-          <a:xfrm>
-            <a:off x="508375" y="3359975"/>
-            <a:ext cx="365700" cy="365700"/>
-          </a:xfrm>
-          <a:prstGeom prst="rect">
-            <a:avLst/>
-          </a:prstGeom>
-          <a:noFill/>
-          <a:ln w="19050" cap="flat" cmpd="sng">
-            <a:solidFill>
-              <a:srgbClr val="262626"/>
-            </a:solidFill>
-            <a:prstDash val="solid"/>
-            <a:round/>
-            <a:headEnd type="none" w="med" len="med"/>
-            <a:tailEnd type="none" w="med" len="med"/>
-          </a:ln>
-        </p:spPr>
-        <p:txBody>
-          <a:bodyPr spcFirstLastPara="1" wrap="square" lIns="91425" tIns="91425" rIns="91425" bIns="91425" anchor="ctr" anchorCtr="0">
-            <a:noAutofit/>
-          </a:bodyPr>
-          <a:lstStyle/>
-          <a:p>
-            <a:pPr marL="0" lvl="0" indent="0" algn="ctr">
-              <a:spcBef>
-                <a:spcPts val="0"/>
-              </a:spcBef>
-              <a:spcAft>
-                <a:spcPts val="0"/>
-              </a:spcAft>
-              <a:buNone/>
-            </a:pPr>
-            <a:r>
-              <a:rPr lang="en-US" b="1">
-                <a:latin typeface="Roboto"/>
-                <a:ea typeface="Roboto"/>
-                <a:cs typeface="Roboto"/>
-                <a:sym typeface="Roboto"/>
-              </a:rPr>
-              <a:t>2</a:t>
-            </a:r>
-            <a:endParaRPr b="1">
-              <a:latin typeface="Roboto"/>
-              <a:ea typeface="Roboto"/>
-              <a:cs typeface="Roboto"/>
-              <a:sym typeface="Roboto"/>
-            </a:endParaRPr>
-          </a:p>
-        </p:txBody>
-      </p:sp>
-      <p:sp>
-        <p:nvSpPr>
-          <p:cNvPr id="208" name="Shape 208"/>
-          <p:cNvSpPr/>
-          <p:nvPr/>
-        </p:nvSpPr>
-        <p:spPr>
-          <a:xfrm>
-            <a:off x="508375" y="2692180"/>
-            <a:ext cx="365700" cy="365700"/>
-          </a:xfrm>
-          <a:prstGeom prst="rect">
-            <a:avLst/>
-          </a:prstGeom>
-          <a:noFill/>
-          <a:ln w="19050" cap="flat" cmpd="sng">
-            <a:solidFill>
-              <a:srgbClr val="CC0000"/>
-            </a:solidFill>
-            <a:prstDash val="solid"/>
-            <a:round/>
-            <a:headEnd type="none" w="med" len="med"/>
-            <a:tailEnd type="none" w="med" len="med"/>
-          </a:ln>
-        </p:spPr>
-        <p:txBody>
-          <a:bodyPr spcFirstLastPara="1" wrap="square" lIns="91425" tIns="91425" rIns="91425" bIns="91425" anchor="ctr" anchorCtr="0">
-            <a:noAutofit/>
-          </a:bodyPr>
-          <a:lstStyle/>
-          <a:p>
-            <a:pPr marL="0" lvl="0" indent="0" algn="ctr">
-              <a:spcBef>
-                <a:spcPts val="0"/>
-              </a:spcBef>
-              <a:spcAft>
-                <a:spcPts val="0"/>
-              </a:spcAft>
-              <a:buNone/>
-            </a:pPr>
-            <a:r>
-              <a:rPr lang="en-US" b="1">
-                <a:solidFill>
-                  <a:srgbClr val="CC0000"/>
-                </a:solidFill>
-                <a:latin typeface="Roboto"/>
-                <a:ea typeface="Roboto"/>
-                <a:cs typeface="Roboto"/>
-                <a:sym typeface="Roboto"/>
-              </a:rPr>
-              <a:t>1</a:t>
-            </a:r>
-            <a:endParaRPr b="1">
-              <a:solidFill>
-                <a:srgbClr val="CC0000"/>
-              </a:solidFill>
-              <a:latin typeface="Roboto"/>
-              <a:ea typeface="Roboto"/>
-              <a:cs typeface="Roboto"/>
-              <a:sym typeface="Roboto"/>
-            </a:endParaRPr>
-          </a:p>
-        </p:txBody>
-      </p:sp>
-      <p:sp>
-        <p:nvSpPr>
-          <p:cNvPr id="209" name="Shape 209"/>
-          <p:cNvSpPr/>
-          <p:nvPr/>
-        </p:nvSpPr>
-        <p:spPr>
-          <a:xfrm>
-            <a:off x="508375" y="4017305"/>
-            <a:ext cx="365700" cy="365700"/>
-          </a:xfrm>
-          <a:prstGeom prst="rect">
-            <a:avLst/>
-          </a:prstGeom>
-          <a:noFill/>
-          <a:ln w="19050" cap="flat" cmpd="sng">
-            <a:solidFill>
-              <a:srgbClr val="CC0000"/>
-            </a:solidFill>
-            <a:prstDash val="solid"/>
-            <a:round/>
-            <a:headEnd type="none" w="med" len="med"/>
-            <a:tailEnd type="none" w="med" len="med"/>
-          </a:ln>
-        </p:spPr>
-        <p:txBody>
-          <a:bodyPr spcFirstLastPara="1" wrap="square" lIns="91425" tIns="91425" rIns="91425" bIns="91425" anchor="ctr" anchorCtr="0">
-            <a:noAutofit/>
-          </a:bodyPr>
-          <a:lstStyle/>
-          <a:p>
-            <a:pPr marL="0" lvl="0" indent="0" algn="ctr">
-              <a:spcBef>
-                <a:spcPts val="0"/>
-              </a:spcBef>
-              <a:spcAft>
-                <a:spcPts val="0"/>
-              </a:spcAft>
-              <a:buNone/>
-            </a:pPr>
-            <a:r>
-              <a:rPr lang="en-US" b="1">
-                <a:solidFill>
-                  <a:srgbClr val="CC0000"/>
-                </a:solidFill>
-                <a:latin typeface="Roboto"/>
-                <a:ea typeface="Roboto"/>
-                <a:cs typeface="Roboto"/>
-                <a:sym typeface="Roboto"/>
-              </a:rPr>
-              <a:t>3</a:t>
-            </a:r>
-            <a:endParaRPr b="1">
-              <a:solidFill>
-                <a:srgbClr val="CC0000"/>
-              </a:solidFill>
-              <a:latin typeface="Roboto"/>
-              <a:ea typeface="Roboto"/>
-              <a:cs typeface="Roboto"/>
-              <a:sym typeface="Roboto"/>
-            </a:endParaRPr>
-          </a:p>
-        </p:txBody>
-      </p:sp>
-      <p:sp>
-        <p:nvSpPr>
-          <p:cNvPr id="210" name="Shape 210"/>
-          <p:cNvSpPr/>
-          <p:nvPr/>
-        </p:nvSpPr>
-        <p:spPr>
-          <a:xfrm>
-            <a:off x="508375" y="4674748"/>
-            <a:ext cx="365700" cy="365700"/>
-          </a:xfrm>
-          <a:prstGeom prst="rect">
-            <a:avLst/>
-          </a:prstGeom>
-          <a:noFill/>
-          <a:ln w="19050" cap="flat" cmpd="sng">
-            <a:solidFill>
-              <a:srgbClr val="262626"/>
-            </a:solidFill>
-            <a:prstDash val="solid"/>
-            <a:round/>
-            <a:headEnd type="none" w="med" len="med"/>
-            <a:tailEnd type="none" w="med" len="med"/>
-          </a:ln>
-        </p:spPr>
-        <p:txBody>
-          <a:bodyPr spcFirstLastPara="1" wrap="square" lIns="91425" tIns="91425" rIns="91425" bIns="91425" anchor="ctr" anchorCtr="0">
-            <a:noAutofit/>
-          </a:bodyPr>
-          <a:lstStyle/>
-          <a:p>
-            <a:pPr marL="0" lvl="0" indent="0" algn="ctr">
-              <a:spcBef>
-                <a:spcPts val="0"/>
-              </a:spcBef>
-              <a:spcAft>
-                <a:spcPts val="0"/>
-              </a:spcAft>
-              <a:buNone/>
-            </a:pPr>
-            <a:r>
-              <a:rPr lang="en-US" b="1">
-                <a:latin typeface="Roboto"/>
-                <a:ea typeface="Roboto"/>
-                <a:cs typeface="Roboto"/>
-                <a:sym typeface="Roboto"/>
-              </a:rPr>
-              <a:t>4</a:t>
-            </a:r>
-            <a:endParaRPr b="1">
-              <a:latin typeface="Roboto"/>
-              <a:ea typeface="Roboto"/>
-              <a:cs typeface="Roboto"/>
-              <a:sym typeface="Roboto"/>
-            </a:endParaRPr>
-          </a:p>
-        </p:txBody>
-      </p:sp>
-      <p:sp>
-        <p:nvSpPr>
-          <p:cNvPr id="211" name="Shape 211"/>
-          <p:cNvSpPr/>
-          <p:nvPr/>
-        </p:nvSpPr>
-        <p:spPr>
-          <a:xfrm>
-            <a:off x="508375" y="5332103"/>
-            <a:ext cx="365700" cy="365700"/>
-          </a:xfrm>
-          <a:prstGeom prst="rect">
-            <a:avLst/>
-          </a:prstGeom>
-          <a:noFill/>
-          <a:ln w="19050" cap="flat" cmpd="sng">
-            <a:solidFill>
-              <a:srgbClr val="CC0000"/>
-            </a:solidFill>
-            <a:prstDash val="solid"/>
-            <a:round/>
-            <a:headEnd type="none" w="med" len="med"/>
-            <a:tailEnd type="none" w="med" len="med"/>
-          </a:ln>
-        </p:spPr>
-        <p:txBody>
-          <a:bodyPr spcFirstLastPara="1" wrap="square" lIns="91425" tIns="91425" rIns="91425" bIns="91425" anchor="ctr" anchorCtr="0">
-            <a:noAutofit/>
-          </a:bodyPr>
-          <a:lstStyle/>
-          <a:p>
-            <a:pPr marL="0" lvl="0" indent="0" algn="ctr">
-              <a:spcBef>
-                <a:spcPts val="0"/>
-              </a:spcBef>
-              <a:spcAft>
-                <a:spcPts val="0"/>
-              </a:spcAft>
-              <a:buNone/>
-            </a:pPr>
-            <a:r>
-              <a:rPr lang="en-US" b="1">
-                <a:solidFill>
-                  <a:srgbClr val="CC0000"/>
-                </a:solidFill>
-                <a:latin typeface="Roboto"/>
-                <a:ea typeface="Roboto"/>
-                <a:cs typeface="Roboto"/>
-                <a:sym typeface="Roboto"/>
-              </a:rPr>
-              <a:t>5</a:t>
-            </a:r>
-            <a:endParaRPr b="1">
-              <a:solidFill>
-                <a:srgbClr val="CC0000"/>
-              </a:solidFill>
-              <a:latin typeface="Roboto"/>
-              <a:ea typeface="Roboto"/>
-              <a:cs typeface="Roboto"/>
-              <a:sym typeface="Roboto"/>
-            </a:endParaRPr>
-          </a:p>
-        </p:txBody>
-      </p:sp>
-      <p:sp>
-        <p:nvSpPr>
-          <p:cNvPr id="213" name="Shape 213"/>
-          <p:cNvSpPr txBox="1">
-            <a:spLocks noGrp="1"/>
-          </p:cNvSpPr>
-          <p:nvPr>
-            <p:ph type="title" idx="4294967295"/>
-          </p:nvPr>
-        </p:nvSpPr>
-        <p:spPr>
-          <a:xfrm>
-            <a:off x="419900" y="1289063"/>
-            <a:ext cx="8190600" cy="1143000"/>
-          </a:xfrm>
-          <a:prstGeom prst="rect">
-            <a:avLst/>
-          </a:prstGeom>
-          <a:noFill/>
-          <a:ln>
-            <a:noFill/>
-          </a:ln>
-        </p:spPr>
-        <p:txBody>
-          <a:bodyPr spcFirstLastPara="1" wrap="square" lIns="91425" tIns="45700" rIns="91425" bIns="45700" anchor="ctr" anchorCtr="0">
-            <a:noAutofit/>
-          </a:bodyPr>
-          <a:lstStyle/>
-          <a:p>
-            <a:pPr lvl="0" algn="l"/>
-            <a:r>
-              <a:rPr lang="ru-RU" b="1" dirty="0">
-                <a:solidFill>
-                  <a:srgbClr val="262626"/>
-                </a:solidFill>
-                <a:latin typeface="Roboto"/>
-                <a:ea typeface="Roboto"/>
-                <a:cs typeface="Roboto"/>
-                <a:sym typeface="Roboto"/>
-              </a:rPr>
-              <a:t>Приоритеты потоков </a:t>
-            </a:r>
-            <a:endParaRPr sz="4100" b="1" i="0" u="none" strike="noStrike" cap="none" dirty="0">
-              <a:solidFill>
-                <a:schemeClr val="dk1"/>
-              </a:solidFill>
-              <a:latin typeface="Roboto"/>
-              <a:ea typeface="Roboto"/>
-              <a:cs typeface="Roboto"/>
-              <a:sym typeface="Roboto"/>
-            </a:endParaRPr>
-          </a:p>
-        </p:txBody>
-      </p:sp>
-    </p:spTree>
-    <p:extLst>
-      <p:ext uri="{BB962C8B-B14F-4D97-AF65-F5344CB8AC3E}">
-        <p14:creationId xmlns:p14="http://schemas.microsoft.com/office/powerpoint/2010/main" val="3091108619"/>
-      </p:ext>
-    </p:extLst>
-  </p:cSld>
-  <p:clrMapOvr>
-    <a:masterClrMapping/>
-  </p:clrMapOvr>
-  <p:transition>
-    <p:fade/>
-  </p:transition>
-</p:sld>
-</file>
-
-<file path=ppt/slides/slide6.xml><?xml version="1.0" encoding="utf-8"?>
 <p:sld xmlns:a="http://schemas.openxmlformats.org/drawingml/2006/main" xmlns:r="http://schemas.openxmlformats.org/officeDocument/2006/relationships" xmlns:p="http://schemas.openxmlformats.org/presentationml/2006/main">
   <p:cSld>
     <p:spTree>
@@ -22604,7 +20645,7 @@
 </p:sld>
 </file>
 
-<file path=ppt/slides/slide7.xml><?xml version="1.0" encoding="utf-8"?>
+<file path=ppt/slides/slide6.xml><?xml version="1.0" encoding="utf-8"?>
 <p:sld xmlns:a="http://schemas.openxmlformats.org/drawingml/2006/main" xmlns:r="http://schemas.openxmlformats.org/officeDocument/2006/relationships" xmlns:p="http://schemas.openxmlformats.org/presentationml/2006/main">
   <p:cSld>
     <p:spTree>
@@ -22928,7 +20969,7 @@
                 <a:ea typeface="Roboto"/>
                 <a:sym typeface="Calibri"/>
               </a:rPr>
-              <a:t>заранее создает набор потоков, а когда проходит задача на выполнение, просто использует один из созданых потоков.</a:t>
+              <a:t>заранее создает набор потоков, а когда приходит задача на выполнение, просто использует один из созданых потоков.</a:t>
             </a:r>
             <a:r>
               <a:rPr lang="en-US" sz="2000" dirty="0">
@@ -23000,7 +21041,7 @@
                 <a:cs typeface="Roboto"/>
                 <a:sym typeface="Roboto"/>
               </a:rPr>
-              <a:t> Количество потоков автоматически увеличивается с ростом потребности в потоках и уменьшалось при возникновении потребности в освобождении ресурсов.</a:t>
+              <a:t> Количество потоков автоматически увеличивается с ростом потребности в потоках и уменьшается при возникновении потребности в освобождении ресурсов.</a:t>
             </a:r>
             <a:endParaRPr sz="2000" i="0" u="none" strike="noStrike" cap="none" dirty="0">
               <a:latin typeface="Roboto"/>
@@ -23015,6 +21056,489 @@
     <p:extLst>
       <p:ext uri="{BB962C8B-B14F-4D97-AF65-F5344CB8AC3E}">
         <p14:creationId xmlns:p14="http://schemas.microsoft.com/office/powerpoint/2010/main" val="1943852020"/>
+      </p:ext>
+    </p:extLst>
+  </p:cSld>
+  <p:clrMapOvr>
+    <a:masterClrMapping/>
+  </p:clrMapOvr>
+  <p:transition>
+    <p:fade/>
+  </p:transition>
+</p:sld>
+</file>
+
+<file path=ppt/slides/slide7.xml><?xml version="1.0" encoding="utf-8"?>
+<p:sld xmlns:a="http://schemas.openxmlformats.org/drawingml/2006/main" xmlns:r="http://schemas.openxmlformats.org/officeDocument/2006/relationships" xmlns:p="http://schemas.openxmlformats.org/presentationml/2006/main">
+  <p:cSld>
+    <p:spTree>
+      <p:nvGrpSpPr>
+        <p:cNvPr id="1" name="Shape 156"/>
+        <p:cNvGrpSpPr/>
+        <p:nvPr/>
+      </p:nvGrpSpPr>
+      <p:grpSpPr>
+        <a:xfrm>
+          <a:off x="0" y="0"/>
+          <a:ext cx="0" cy="0"/>
+          <a:chOff x="0" y="0"/>
+          <a:chExt cx="0" cy="0"/>
+        </a:xfrm>
+      </p:grpSpPr>
+      <p:sp>
+        <p:nvSpPr>
+          <p:cNvPr id="158" name="Shape 158"/>
+          <p:cNvSpPr txBox="1">
+            <a:spLocks noGrp="1"/>
+          </p:cNvSpPr>
+          <p:nvPr>
+            <p:ph type="title"/>
+          </p:nvPr>
+        </p:nvSpPr>
+        <p:spPr>
+          <a:xfrm>
+            <a:off x="467326" y="1277488"/>
+            <a:ext cx="8229600" cy="1143000"/>
+          </a:xfrm>
+          <a:prstGeom prst="rect">
+            <a:avLst/>
+          </a:prstGeom>
+          <a:noFill/>
+          <a:ln>
+            <a:noFill/>
+          </a:ln>
+        </p:spPr>
+        <p:txBody>
+          <a:bodyPr spcFirstLastPara="1" wrap="square" lIns="91425" tIns="45700" rIns="91425" bIns="45700" anchor="ctr" anchorCtr="0">
+            <a:noAutofit/>
+          </a:bodyPr>
+          <a:lstStyle/>
+          <a:p>
+            <a:pPr marL="0" marR="0" lvl="0" indent="0" algn="l" rtl="0">
+              <a:spcBef>
+                <a:spcPts val="0"/>
+              </a:spcBef>
+              <a:spcAft>
+                <a:spcPts val="0"/>
+              </a:spcAft>
+              <a:buClr>
+                <a:schemeClr val="dk1"/>
+              </a:buClr>
+              <a:buSzPts val="4400"/>
+              <a:buFont typeface="Calibri"/>
+              <a:buNone/>
+            </a:pPr>
+            <a:r>
+              <a:rPr lang="ru-RU" sz="4100" b="1" i="0" u="none" strike="noStrike" cap="none" dirty="0">
+                <a:solidFill>
+                  <a:srgbClr val="262626"/>
+                </a:solidFill>
+                <a:latin typeface="Roboto"/>
+                <a:ea typeface="Roboto"/>
+                <a:cs typeface="Roboto"/>
+                <a:sym typeface="Roboto"/>
+              </a:rPr>
+              <a:t>Ограничения </a:t>
+            </a:r>
+            <a:r>
+              <a:rPr lang="en-US" sz="4100" b="1" i="0" u="none" strike="noStrike" cap="none" dirty="0" err="1">
+                <a:solidFill>
+                  <a:srgbClr val="262626"/>
+                </a:solidFill>
+                <a:latin typeface="Roboto"/>
+                <a:ea typeface="Roboto"/>
+                <a:cs typeface="Roboto"/>
+                <a:sym typeface="Roboto"/>
+              </a:rPr>
+              <a:t>ThreadPool</a:t>
+            </a:r>
+            <a:endParaRPr sz="4100" b="1" i="0" u="none" strike="noStrike" cap="none" dirty="0">
+              <a:solidFill>
+                <a:srgbClr val="262626"/>
+              </a:solidFill>
+              <a:latin typeface="Roboto"/>
+              <a:ea typeface="Roboto"/>
+              <a:cs typeface="Roboto"/>
+              <a:sym typeface="Roboto"/>
+            </a:endParaRPr>
+          </a:p>
+        </p:txBody>
+      </p:sp>
+      <p:sp>
+        <p:nvSpPr>
+          <p:cNvPr id="159" name="Shape 159"/>
+          <p:cNvSpPr/>
+          <p:nvPr/>
+        </p:nvSpPr>
+        <p:spPr>
+          <a:xfrm>
+            <a:off x="7145316" y="408237"/>
+            <a:ext cx="1856100" cy="290400"/>
+          </a:xfrm>
+          <a:prstGeom prst="roundRect">
+            <a:avLst>
+              <a:gd name="adj" fmla="val 0"/>
+            </a:avLst>
+          </a:prstGeom>
+          <a:noFill/>
+          <a:ln>
+            <a:noFill/>
+          </a:ln>
+        </p:spPr>
+        <p:txBody>
+          <a:bodyPr spcFirstLastPara="1" wrap="square" lIns="91425" tIns="45700" rIns="91425" bIns="45700" anchor="ctr" anchorCtr="0">
+            <a:noAutofit/>
+          </a:bodyPr>
+          <a:lstStyle/>
+          <a:p>
+            <a:pPr marL="0" marR="0" lvl="0" indent="0" algn="ctr" rtl="0">
+              <a:spcBef>
+                <a:spcPts val="0"/>
+              </a:spcBef>
+              <a:spcAft>
+                <a:spcPts val="0"/>
+              </a:spcAft>
+              <a:buClr>
+                <a:schemeClr val="lt1"/>
+              </a:buClr>
+              <a:buSzPts val="1200"/>
+              <a:buFont typeface="Arial"/>
+              <a:buNone/>
+            </a:pPr>
+            <a:r>
+              <a:rPr lang="en-US" sz="1500" b="1" i="0" strike="noStrike" cap="none">
+                <a:solidFill>
+                  <a:srgbClr val="262626"/>
+                </a:solidFill>
+                <a:latin typeface="Roboto"/>
+                <a:ea typeface="Roboto"/>
+                <a:cs typeface="Roboto"/>
+                <a:sym typeface="Roboto"/>
+              </a:rPr>
+              <a:t>www.itea.ua</a:t>
+            </a:r>
+            <a:endParaRPr sz="1500" b="1" i="0" strike="noStrike" cap="none">
+              <a:solidFill>
+                <a:srgbClr val="262626"/>
+              </a:solidFill>
+              <a:latin typeface="Roboto"/>
+              <a:ea typeface="Roboto"/>
+              <a:cs typeface="Roboto"/>
+              <a:sym typeface="Roboto"/>
+            </a:endParaRPr>
+          </a:p>
+        </p:txBody>
+      </p:sp>
+      <p:sp>
+        <p:nvSpPr>
+          <p:cNvPr id="160" name="Shape 160"/>
+          <p:cNvSpPr/>
+          <p:nvPr/>
+        </p:nvSpPr>
+        <p:spPr>
+          <a:xfrm rot="10800000" flipH="1">
+            <a:off x="0" y="1127850"/>
+            <a:ext cx="3143100" cy="42300"/>
+          </a:xfrm>
+          <a:prstGeom prst="rect">
+            <a:avLst/>
+          </a:prstGeom>
+          <a:solidFill>
+            <a:srgbClr val="CC0000"/>
+          </a:solidFill>
+          <a:ln>
+            <a:noFill/>
+          </a:ln>
+        </p:spPr>
+        <p:txBody>
+          <a:bodyPr spcFirstLastPara="1" wrap="square" lIns="91425" tIns="91425" rIns="91425" bIns="91425" anchor="ctr" anchorCtr="0">
+            <a:noAutofit/>
+          </a:bodyPr>
+          <a:lstStyle/>
+          <a:p>
+            <a:pPr marL="0" lvl="0" indent="0">
+              <a:spcBef>
+                <a:spcPts val="0"/>
+              </a:spcBef>
+              <a:spcAft>
+                <a:spcPts val="0"/>
+              </a:spcAft>
+              <a:buNone/>
+            </a:pPr>
+            <a:r>
+              <a:rPr lang="en-US"/>
+              <a:t>                                                                                     </a:t>
+            </a:r>
+            <a:endParaRPr/>
+          </a:p>
+        </p:txBody>
+      </p:sp>
+      <p:sp>
+        <p:nvSpPr>
+          <p:cNvPr id="161" name="Shape 161"/>
+          <p:cNvSpPr/>
+          <p:nvPr/>
+        </p:nvSpPr>
+        <p:spPr>
+          <a:xfrm rot="10800000" flipH="1">
+            <a:off x="3067050" y="1127850"/>
+            <a:ext cx="3143100" cy="42300"/>
+          </a:xfrm>
+          <a:prstGeom prst="rect">
+            <a:avLst/>
+          </a:prstGeom>
+          <a:solidFill>
+            <a:srgbClr val="262626"/>
+          </a:solidFill>
+          <a:ln>
+            <a:noFill/>
+          </a:ln>
+        </p:spPr>
+        <p:txBody>
+          <a:bodyPr spcFirstLastPara="1" wrap="square" lIns="91425" tIns="91425" rIns="91425" bIns="91425" anchor="ctr" anchorCtr="0">
+            <a:noAutofit/>
+          </a:bodyPr>
+          <a:lstStyle/>
+          <a:p>
+            <a:pPr marL="0" lvl="0" indent="0">
+              <a:spcBef>
+                <a:spcPts val="0"/>
+              </a:spcBef>
+              <a:spcAft>
+                <a:spcPts val="0"/>
+              </a:spcAft>
+              <a:buNone/>
+            </a:pPr>
+            <a:endParaRPr/>
+          </a:p>
+        </p:txBody>
+      </p:sp>
+      <p:pic>
+        <p:nvPicPr>
+          <p:cNvPr id="162" name="Shape 162"/>
+          <p:cNvPicPr preferRelativeResize="0"/>
+          <p:nvPr/>
+        </p:nvPicPr>
+        <p:blipFill>
+          <a:blip r:embed="rId3">
+            <a:alphaModFix/>
+          </a:blip>
+          <a:stretch>
+            <a:fillRect/>
+          </a:stretch>
+        </p:blipFill>
+        <p:spPr>
+          <a:xfrm>
+            <a:off x="353700" y="302000"/>
+            <a:ext cx="1741800" cy="502875"/>
+          </a:xfrm>
+          <a:prstGeom prst="rect">
+            <a:avLst/>
+          </a:prstGeom>
+          <a:noFill/>
+          <a:ln>
+            <a:noFill/>
+          </a:ln>
+        </p:spPr>
+      </p:pic>
+      <p:sp>
+        <p:nvSpPr>
+          <p:cNvPr id="163" name="Shape 163"/>
+          <p:cNvSpPr txBox="1"/>
+          <p:nvPr/>
+        </p:nvSpPr>
+        <p:spPr>
+          <a:xfrm>
+            <a:off x="495374" y="2420487"/>
+            <a:ext cx="8181300" cy="4029275"/>
+          </a:xfrm>
+          <a:prstGeom prst="rect">
+            <a:avLst/>
+          </a:prstGeom>
+          <a:noFill/>
+          <a:ln>
+            <a:noFill/>
+          </a:ln>
+        </p:spPr>
+        <p:txBody>
+          <a:bodyPr spcFirstLastPara="1" wrap="square" lIns="91425" tIns="45700" rIns="91425" bIns="45700" anchor="ctr" anchorCtr="0">
+            <a:noAutofit/>
+          </a:bodyPr>
+          <a:lstStyle/>
+          <a:p>
+            <a:pPr lvl="0" indent="-12700">
+              <a:spcAft>
+                <a:spcPts val="1200"/>
+              </a:spcAft>
+              <a:buSzPts val="2000"/>
+              <a:buFont typeface="Noto Sans Symbols"/>
+              <a:buChar char="▪"/>
+            </a:pPr>
+            <a:r>
+              <a:rPr lang="ru-RU" sz="2000" dirty="0">
+                <a:latin typeface="Roboto"/>
+                <a:ea typeface="Roboto"/>
+                <a:sym typeface="Calibri"/>
+              </a:rPr>
+              <a:t> В потоках </a:t>
+            </a:r>
+            <a:r>
+              <a:rPr lang="en-US" sz="2000" dirty="0" err="1">
+                <a:latin typeface="Roboto"/>
+                <a:ea typeface="Roboto"/>
+                <a:sym typeface="Calibri"/>
+              </a:rPr>
+              <a:t>ThreadPool</a:t>
+            </a:r>
+            <a:r>
+              <a:rPr lang="ru-RU" sz="2000" dirty="0">
+                <a:latin typeface="Roboto"/>
+                <a:ea typeface="Roboto"/>
+                <a:sym typeface="Calibri"/>
+              </a:rPr>
+              <a:t> нельзя использовать </a:t>
+            </a:r>
+            <a:r>
+              <a:rPr lang="en-US" sz="2000" dirty="0">
+                <a:latin typeface="Roboto"/>
+                <a:ea typeface="Roboto"/>
+                <a:sym typeface="Calibri"/>
+              </a:rPr>
+              <a:t>Abort()</a:t>
+            </a:r>
+          </a:p>
+          <a:p>
+            <a:pPr lvl="0" indent="-12700">
+              <a:spcAft>
+                <a:spcPts val="1200"/>
+              </a:spcAft>
+              <a:buSzPts val="2000"/>
+              <a:buFont typeface="Noto Sans Symbols"/>
+              <a:buChar char="▪"/>
+            </a:pPr>
+            <a:r>
+              <a:rPr lang="en-US" sz="2000" dirty="0">
+                <a:latin typeface="Roboto"/>
+                <a:ea typeface="Roboto"/>
+                <a:sym typeface="Calibri"/>
+              </a:rPr>
+              <a:t> </a:t>
+            </a:r>
+            <a:r>
+              <a:rPr lang="ru-RU" sz="2000" dirty="0">
+                <a:latin typeface="Roboto"/>
+                <a:ea typeface="Roboto"/>
+              </a:rPr>
+              <a:t>Все потоки в </a:t>
+            </a:r>
+            <a:r>
+              <a:rPr lang="en-US" sz="2000" dirty="0" err="1">
+                <a:latin typeface="Roboto"/>
+                <a:ea typeface="Roboto"/>
+                <a:sym typeface="Calibri"/>
+              </a:rPr>
+              <a:t>ThreadPool</a:t>
+            </a:r>
+            <a:r>
+              <a:rPr lang="en-US" sz="2000" dirty="0">
+                <a:latin typeface="Roboto"/>
+                <a:ea typeface="Roboto"/>
+                <a:sym typeface="Calibri"/>
+              </a:rPr>
+              <a:t> </a:t>
+            </a:r>
+            <a:r>
+              <a:rPr lang="ru-RU" sz="2000" dirty="0">
+                <a:latin typeface="Roboto"/>
+                <a:ea typeface="Roboto"/>
+              </a:rPr>
+              <a:t>являются фоновыми. В случае завершения работы всех приоритетных потоков в процессе работа всех фоновых потоков тоже останавливается.</a:t>
+            </a:r>
+            <a:endParaRPr lang="en-US" sz="2000" dirty="0">
+              <a:latin typeface="Roboto"/>
+              <a:ea typeface="Roboto"/>
+            </a:endParaRPr>
+          </a:p>
+          <a:p>
+            <a:pPr lvl="0" indent="-12700">
+              <a:spcAft>
+                <a:spcPts val="1200"/>
+              </a:spcAft>
+              <a:buSzPts val="2000"/>
+              <a:buFont typeface="Noto Sans Symbols"/>
+              <a:buChar char="▪"/>
+            </a:pPr>
+            <a:r>
+              <a:rPr lang="ru-RU" sz="2000" dirty="0">
+                <a:latin typeface="Roboto"/>
+                <a:ea typeface="Roboto"/>
+                <a:sym typeface="Calibri"/>
+              </a:rPr>
+              <a:t> Потоки в </a:t>
+            </a:r>
+            <a:r>
+              <a:rPr lang="en-US" sz="2000" dirty="0" err="1">
+                <a:latin typeface="Roboto"/>
+                <a:ea typeface="Roboto"/>
+                <a:sym typeface="Calibri"/>
+              </a:rPr>
+              <a:t>ThreadPool</a:t>
+            </a:r>
+            <a:r>
+              <a:rPr lang="ru-RU" sz="2000" dirty="0">
+                <a:latin typeface="Roboto"/>
+                <a:ea typeface="Roboto"/>
+                <a:sym typeface="Calibri"/>
+              </a:rPr>
+              <a:t> не должны выполняться дольше нескольких секунд </a:t>
+            </a:r>
+          </a:p>
+          <a:p>
+            <a:pPr lvl="0" indent="-12700">
+              <a:spcAft>
+                <a:spcPts val="1200"/>
+              </a:spcAft>
+              <a:buSzPts val="2000"/>
+              <a:buFont typeface="Noto Sans Symbols"/>
+              <a:buChar char="▪"/>
+            </a:pPr>
+            <a:r>
+              <a:rPr lang="ru-RU" sz="2000" dirty="0">
+                <a:latin typeface="Roboto"/>
+                <a:ea typeface="Roboto"/>
+                <a:sym typeface="Calibri"/>
+              </a:rPr>
+              <a:t> Поток в </a:t>
+            </a:r>
+            <a:r>
+              <a:rPr lang="en-US" sz="2000" dirty="0" err="1">
+                <a:latin typeface="Roboto"/>
+                <a:ea typeface="Roboto"/>
+                <a:sym typeface="Calibri"/>
+              </a:rPr>
+              <a:t>ThreadPool</a:t>
+            </a:r>
+            <a:r>
+              <a:rPr lang="ru-RU" sz="2000" dirty="0">
+                <a:latin typeface="Roboto"/>
+                <a:ea typeface="Roboto"/>
+                <a:sym typeface="Calibri"/>
+              </a:rPr>
+              <a:t> не должен блокироваться на длительное время </a:t>
+            </a:r>
+            <a:endParaRPr sz="2000" i="0" u="none" strike="noStrike" cap="none" dirty="0">
+              <a:latin typeface="Roboto"/>
+              <a:ea typeface="Roboto"/>
+              <a:cs typeface="Roboto"/>
+              <a:sym typeface="Roboto"/>
+            </a:endParaRPr>
+          </a:p>
+        </p:txBody>
+      </p:sp>
+    </p:spTree>
+    <p:extLst>
+      <p:ext uri="{BB962C8B-B14F-4D97-AF65-F5344CB8AC3E}">
+        <p14:creationId xmlns:p14="http://schemas.microsoft.com/office/powerpoint/2010/main" val="1166262633"/>
       </p:ext>
     </p:extLst>
   </p:cSld>
@@ -23088,7 +21612,7 @@
               <a:buNone/>
             </a:pPr>
             <a:r>
-              <a:rPr lang="ru-RU" sz="4100" b="1" i="0" u="none" strike="noStrike" cap="none" dirty="0">
+              <a:rPr lang="en-US" sz="4100" b="1" dirty="0">
                 <a:solidFill>
                   <a:srgbClr val="262626"/>
                 </a:solidFill>
@@ -23097,19 +21621,7 @@
                 <a:cs typeface="Roboto"/>
                 <a:sym typeface="Roboto"/>
               </a:rPr>
-              <a:t>Ограничения </a:t>
-            </a:r>
-            <a:r>
-              <a:rPr lang="en-US" sz="4100" b="1" i="0" u="none" strike="noStrike" cap="none" dirty="0" err="1">
-                <a:solidFill>
-                  <a:srgbClr val="262626"/>
-                </a:solidFill>
-                <a:latin typeface="Roboto"/>
-                <a:ea typeface="Roboto"/>
-                <a:cs typeface="Roboto"/>
-                <a:sym typeface="Roboto"/>
-              </a:rPr>
-              <a:t>ThreadPool</a:t>
+              <a:t>Tasks</a:t>
             </a:r>
             <a:endParaRPr sz="4100" b="1" i="0" u="none" strike="noStrike" cap="none" dirty="0">
               <a:solidFill>
@@ -23339,15 +21851,15 @@
                 <a:ea typeface="Roboto"/>
                 <a:sym typeface="Calibri"/>
               </a:rPr>
-              <a:t> В потоках </a:t>
+              <a:t> Для упрощения синтаксиса и рассширения доступного функционала</a:t>
             </a:r>
             <a:r>
-              <a:rPr lang="en-US" sz="2000" dirty="0" err="1">
+              <a:rPr lang="en-US" sz="2000" dirty="0">
                 <a:latin typeface="Roboto"/>
                 <a:ea typeface="Roboto"/>
                 <a:sym typeface="Calibri"/>
               </a:rPr>
-              <a:t>ThreadPool</a:t>
+              <a:t>, </a:t>
             </a:r>
             <a:r>
               <a:rPr lang="ru-RU" sz="2000" dirty="0">
@@ -23355,7 +21867,7 @@
                 <a:ea typeface="Roboto"/>
                 <a:sym typeface="Calibri"/>
               </a:rPr>
-              <a:t> нельзя использовать </a:t>
+              <a:t>в </a:t>
             </a:r>
             <a:r>
               <a:rPr lang="en-US" sz="2000" dirty="0">
@@ -23363,18 +21875,16 @@
                 <a:ea typeface="Roboto"/>
                 <a:sym typeface="Calibri"/>
               </a:rPr>
-              <a:t>Abort()</a:t>
+              <a:t>.NET </a:t>
             </a:r>
-          </a:p>
-          <a:p>
-            <a:pPr lvl="0" indent="-12700">
-              <a:spcAft>
-                <a:spcPts val="1200"/>
-              </a:spcAft>
-              <a:buSzPts val="2000"/>
-              <a:buFont typeface="Noto Sans Symbols"/>
-              <a:buChar char="▪"/>
-            </a:pPr>
+            <a:r>
+              <a:rPr lang="ru-RU" sz="2000" dirty="0">
+                <a:latin typeface="Roboto"/>
+                <a:ea typeface="Roboto"/>
+                <a:sym typeface="Calibri"/>
+              </a:rPr>
+              <a:t>были добавлены</a:t>
+            </a:r>
             <a:r>
               <a:rPr lang="en-US" sz="2000" dirty="0">
                 <a:latin typeface="Roboto"/>
@@ -23389,58 +21899,16 @@
                 <a:ea typeface="Roboto"/>
                 <a:sym typeface="Calibri"/>
               </a:rPr>
-              <a:t>Нет явного способа узнать о завершении работы потока</a:t>
+              <a:t>библиотека паралельных задач </a:t>
             </a:r>
             <a:r>
-              <a:rPr lang="en-US" sz="2000" dirty="0">
+              <a:rPr lang="en-US" sz="2000" b="1" dirty="0">
                 <a:latin typeface="Roboto"/>
                 <a:ea typeface="Roboto"/>
                 <a:sym typeface="Calibri"/>
               </a:rPr>
-              <a:t>  </a:t>
+              <a:t>TPL (Task Parallel Library)</a:t>
             </a:r>
-            <a:r>
-              <a:rPr lang="ru-RU" sz="2000" dirty="0">
-                <a:latin typeface="Roboto"/>
-                <a:ea typeface="Roboto"/>
-                <a:sym typeface="Calibri"/>
-              </a:rPr>
-              <a:t>из </a:t>
-            </a:r>
-            <a:r>
-              <a:rPr lang="en-US" sz="2000" dirty="0" err="1">
-                <a:latin typeface="Roboto"/>
-                <a:ea typeface="Roboto"/>
-                <a:sym typeface="Calibri"/>
-              </a:rPr>
-              <a:t>ThreadPool</a:t>
-            </a:r>
-            <a:r>
-              <a:rPr lang="ru-RU" sz="2000" dirty="0">
-                <a:latin typeface="Roboto"/>
-                <a:ea typeface="Roboto"/>
-                <a:sym typeface="Calibri"/>
-              </a:rPr>
-              <a:t>. Нет </a:t>
-            </a:r>
-            <a:r>
-              <a:rPr lang="en-US" sz="2000" dirty="0">
-                <a:latin typeface="Roboto"/>
-                <a:ea typeface="Roboto"/>
-                <a:sym typeface="Calibri"/>
-              </a:rPr>
-              <a:t>Join()</a:t>
-            </a:r>
-          </a:p>
-          <a:p>
-            <a:pPr lvl="0" indent="-12700">
-              <a:spcAft>
-                <a:spcPts val="1200"/>
-              </a:spcAft>
-              <a:buSzPts val="2000"/>
-              <a:buFont typeface="Noto Sans Symbols"/>
-              <a:buChar char="▪"/>
-            </a:pPr>
             <a:r>
               <a:rPr lang="en-US" sz="2000" dirty="0">
                 <a:latin typeface="Roboto"/>
@@ -23455,28 +21923,31 @@
                 <a:ea typeface="Roboto"/>
                 <a:sym typeface="Calibri"/>
               </a:rPr>
-              <a:t>В потоках</a:t>
+              <a:t>и класс </a:t>
             </a:r>
             <a:r>
-              <a:rPr lang="en-US" sz="2000" dirty="0">
+              <a:rPr lang="en-US" sz="2000" b="1" dirty="0">
                 <a:latin typeface="Roboto"/>
                 <a:ea typeface="Roboto"/>
                 <a:sym typeface="Calibri"/>
               </a:rPr>
-              <a:t> </a:t>
+              <a:t>Task.</a:t>
             </a:r>
+          </a:p>
+          <a:p>
+            <a:pPr lvl="0" indent="-12700">
+              <a:spcAft>
+                <a:spcPts val="1200"/>
+              </a:spcAft>
+              <a:buSzPts val="2000"/>
+              <a:buFont typeface="Noto Sans Symbols"/>
+              <a:buChar char="▪"/>
+            </a:pPr>
             <a:r>
-              <a:rPr lang="en-US" sz="2000" dirty="0" err="1">
+              <a:rPr lang="en-US" sz="2000" b="1" i="0" u="none" strike="noStrike" cap="none" dirty="0">
                 <a:latin typeface="Roboto"/>
                 <a:ea typeface="Roboto"/>
-                <a:sym typeface="Calibri"/>
-              </a:rPr>
-              <a:t>ThreadPool</a:t>
-            </a:r>
-            <a:r>
-              <a:rPr lang="en-US" sz="2000" dirty="0">
-                <a:latin typeface="Roboto"/>
-                <a:ea typeface="Roboto"/>
+                <a:cs typeface="Roboto"/>
                 <a:sym typeface="Calibri"/>
               </a:rPr>
               <a:t> </a:t>
@@ -23485,144 +21956,90 @@
               <a:rPr lang="ru-RU" sz="2000" dirty="0">
                 <a:latin typeface="Roboto"/>
                 <a:ea typeface="Roboto"/>
+                <a:cs typeface="Roboto"/>
                 <a:sym typeface="Calibri"/>
               </a:rPr>
-              <a:t>нет возможности работать с </a:t>
+              <a:t>В основе класса</a:t>
             </a:r>
             <a:r>
-              <a:rPr lang="en-US" sz="2000" dirty="0">
+              <a:rPr lang="ru-RU" sz="2000" b="1" dirty="0">
                 <a:latin typeface="Roboto"/>
                 <a:ea typeface="Roboto"/>
+                <a:cs typeface="Roboto"/>
                 <a:sym typeface="Calibri"/>
               </a:rPr>
-              <a:t>UI </a:t>
+              <a:t> </a:t>
+            </a:r>
+            <a:r>
+              <a:rPr lang="en-US" sz="2000" b="1" dirty="0">
+                <a:latin typeface="Roboto"/>
+                <a:ea typeface="Roboto"/>
+                <a:cs typeface="Roboto"/>
+                <a:sym typeface="Calibri"/>
+              </a:rPr>
+              <a:t>Task</a:t>
+            </a:r>
+            <a:r>
+              <a:rPr lang="ru-RU" sz="2000" b="1" dirty="0">
+                <a:latin typeface="Roboto"/>
+                <a:ea typeface="Roboto"/>
+                <a:cs typeface="Roboto"/>
+                <a:sym typeface="Calibri"/>
+              </a:rPr>
+              <a:t> </a:t>
             </a:r>
             <a:r>
               <a:rPr lang="ru-RU" sz="2000" dirty="0">
                 <a:latin typeface="Roboto"/>
                 <a:ea typeface="Roboto"/>
+                <a:cs typeface="Roboto"/>
                 <a:sym typeface="Calibri"/>
               </a:rPr>
-              <a:t>за исключением елементарных</a:t>
+              <a:t>и библиотеки</a:t>
             </a:r>
             <a:r>
-              <a:rPr lang="en-US" sz="2000" dirty="0">
+              <a:rPr lang="ru-RU" sz="2000" b="1" dirty="0">
                 <a:latin typeface="Roboto"/>
                 <a:ea typeface="Roboto"/>
+                <a:cs typeface="Roboto"/>
                 <a:sym typeface="Calibri"/>
               </a:rPr>
               <a:t> </a:t>
             </a:r>
             <a:r>
-              <a:rPr lang="en-US" sz="2000" dirty="0" err="1">
+              <a:rPr lang="en-US" sz="2000" b="1" dirty="0">
                 <a:latin typeface="Roboto"/>
                 <a:ea typeface="Roboto"/>
+                <a:cs typeface="Roboto"/>
                 <a:sym typeface="Calibri"/>
               </a:rPr>
-              <a:t>MessageBox</a:t>
-            </a:r>
-            <a:r>
-              <a:rPr lang="en-US" sz="2000" dirty="0">
-                <a:latin typeface="Roboto"/>
-                <a:ea typeface="Roboto"/>
-                <a:sym typeface="Calibri"/>
-              </a:rPr>
-              <a:t>’</a:t>
+              <a:t>TPL </a:t>
             </a:r>
             <a:r>
               <a:rPr lang="ru-RU" sz="2000" dirty="0">
                 <a:latin typeface="Roboto"/>
                 <a:ea typeface="Roboto"/>
+                <a:cs typeface="Roboto"/>
                 <a:sym typeface="Calibri"/>
               </a:rPr>
-              <a:t>ов </a:t>
+              <a:t>в целом лежит концепция описания задач, которые будут запускаться в одном из доступных потоков из пула потоков.</a:t>
             </a:r>
-            <a:endParaRPr lang="en-US" sz="2000" dirty="0">
-              <a:latin typeface="Roboto"/>
-              <a:ea typeface="Roboto"/>
-              <a:sym typeface="Calibri"/>
-            </a:endParaRPr>
-          </a:p>
-          <a:p>
-            <a:pPr lvl="0" indent="-12700">
-              <a:spcAft>
-                <a:spcPts val="1200"/>
-              </a:spcAft>
-              <a:buSzPts val="2000"/>
-              <a:buFont typeface="Noto Sans Symbols"/>
-              <a:buChar char="▪"/>
-            </a:pPr>
             <a:r>
-              <a:rPr lang="ru-RU" sz="2000" dirty="0">
+              <a:rPr lang="ru-RU" sz="2000" b="1" dirty="0">
                 <a:latin typeface="Roboto"/>
                 <a:ea typeface="Roboto"/>
+                <a:cs typeface="Roboto"/>
                 <a:sym typeface="Calibri"/>
               </a:rPr>
-              <a:t> Потоки в </a:t>
+              <a:t> </a:t>
             </a:r>
-            <a:r>
-              <a:rPr lang="en-US" sz="2000" dirty="0" err="1">
-                <a:latin typeface="Roboto"/>
-                <a:ea typeface="Roboto"/>
-                <a:sym typeface="Calibri"/>
-              </a:rPr>
-              <a:t>ThreadPool</a:t>
-            </a:r>
-            <a:r>
-              <a:rPr lang="ru-RU" sz="2000" dirty="0">
-                <a:latin typeface="Roboto"/>
-                <a:ea typeface="Roboto"/>
-                <a:sym typeface="Calibri"/>
-              </a:rPr>
-              <a:t> не должны выполняться дольше нескольких секунд </a:t>
-            </a:r>
-          </a:p>
-          <a:p>
-            <a:pPr lvl="0" indent="-12700">
-              <a:spcAft>
-                <a:spcPts val="1200"/>
-              </a:spcAft>
-              <a:buSzPts val="2000"/>
-              <a:buFont typeface="Noto Sans Symbols"/>
-              <a:buChar char="▪"/>
-            </a:pPr>
-            <a:r>
-              <a:rPr lang="ru-RU" sz="2000" dirty="0">
-                <a:latin typeface="Roboto"/>
-                <a:ea typeface="Roboto"/>
-                <a:sym typeface="Calibri"/>
-              </a:rPr>
-              <a:t> Поток в </a:t>
-            </a:r>
-            <a:r>
-              <a:rPr lang="en-US" sz="2000" dirty="0" err="1">
-                <a:latin typeface="Roboto"/>
-                <a:ea typeface="Roboto"/>
-                <a:sym typeface="Calibri"/>
-              </a:rPr>
-              <a:t>ThreadPool</a:t>
-            </a:r>
-            <a:r>
-              <a:rPr lang="ru-RU" sz="2000" dirty="0">
-                <a:latin typeface="Roboto"/>
-                <a:ea typeface="Roboto"/>
-                <a:sym typeface="Calibri"/>
-              </a:rPr>
-              <a:t> не должен блокироваться на длительное время </a:t>
-            </a:r>
-            <a:endParaRPr sz="2000" i="0" u="none" strike="noStrike" cap="none" dirty="0">
-              <a:latin typeface="Roboto"/>
-              <a:ea typeface="Roboto"/>
-              <a:cs typeface="Roboto"/>
-              <a:sym typeface="Roboto"/>
-            </a:endParaRPr>
           </a:p>
         </p:txBody>
       </p:sp>
     </p:spTree>
     <p:extLst>
       <p:ext uri="{BB962C8B-B14F-4D97-AF65-F5344CB8AC3E}">
-        <p14:creationId xmlns:p14="http://schemas.microsoft.com/office/powerpoint/2010/main" val="1166262633"/>
+        <p14:creationId xmlns:p14="http://schemas.microsoft.com/office/powerpoint/2010/main" val="335304987"/>
       </p:ext>
     </p:extLst>
   </p:cSld>
@@ -23696,7 +22113,7 @@
               <a:buNone/>
             </a:pPr>
             <a:r>
-              <a:rPr lang="en-US" sz="4100" b="1" dirty="0">
+              <a:rPr lang="en-US" sz="4100" b="1" i="0" u="none" strike="noStrike" cap="none" dirty="0">
                 <a:solidFill>
                   <a:srgbClr val="262626"/>
                 </a:solidFill>
@@ -23705,7 +22122,7 @@
                 <a:cs typeface="Roboto"/>
                 <a:sym typeface="Roboto"/>
               </a:rPr>
-              <a:t>Tasks</a:t>
+              <a:t>Parallel</a:t>
             </a:r>
             <a:endParaRPr sz="4100" b="1" i="0" u="none" strike="noStrike" cap="none" dirty="0">
               <a:solidFill>
@@ -23935,39 +22352,15 @@
                 <a:ea typeface="Roboto"/>
                 <a:sym typeface="Calibri"/>
               </a:rPr>
-              <a:t> Для упрощения синтаксиса и рассширения доступного функционала</a:t>
+              <a:t> Частью библиотеки паралельных задач </a:t>
             </a:r>
             <a:r>
-              <a:rPr lang="en-US" sz="2000" dirty="0">
+              <a:rPr lang="en-US" sz="2000" b="1" dirty="0">
                 <a:latin typeface="Roboto"/>
                 <a:ea typeface="Roboto"/>
                 <a:sym typeface="Calibri"/>
               </a:rPr>
-              <a:t>, </a:t>
-            </a:r>
-            <a:r>
-              <a:rPr lang="ru-RU" sz="2000" dirty="0">
-                <a:latin typeface="Roboto"/>
-                <a:ea typeface="Roboto"/>
-                <a:sym typeface="Calibri"/>
-              </a:rPr>
-              <a:t>в </a:t>
-            </a:r>
-            <a:r>
-              <a:rPr lang="en-US" sz="2000" dirty="0">
-                <a:latin typeface="Roboto"/>
-                <a:ea typeface="Roboto"/>
-                <a:sym typeface="Calibri"/>
-              </a:rPr>
-              <a:t>.NET </a:t>
-            </a:r>
-            <a:r>
-              <a:rPr lang="ru-RU" sz="2000" dirty="0">
-                <a:latin typeface="Roboto"/>
-                <a:ea typeface="Roboto"/>
-                <a:sym typeface="Calibri"/>
-              </a:rPr>
-              <a:t>были добавлены</a:t>
+              <a:t>TPL (Task Parallel Library)</a:t>
             </a:r>
             <a:r>
               <a:rPr lang="en-US" sz="2000" dirty="0">
@@ -23983,7 +22376,7 @@
                 <a:ea typeface="Roboto"/>
                 <a:sym typeface="Calibri"/>
               </a:rPr>
-              <a:t>библиотека паралельных задач </a:t>
+              <a:t>является также статическмий класс </a:t>
             </a:r>
             <a:r>
               <a:rPr lang="en-US" sz="2000" b="1" dirty="0">
@@ -23991,31 +22384,7 @@
                 <a:ea typeface="Roboto"/>
                 <a:sym typeface="Calibri"/>
               </a:rPr>
-              <a:t>TPL (Task Parallel Library)</a:t>
-            </a:r>
-            <a:r>
-              <a:rPr lang="en-US" sz="2000" dirty="0">
-                <a:latin typeface="Roboto"/>
-                <a:ea typeface="Roboto"/>
-                <a:sym typeface="Calibri"/>
-              </a:rPr>
-              <a:t> </a:t>
-            </a:r>
-            <a:r>
-              <a:rPr lang="ru-RU" sz="2000" dirty="0">
-                <a:latin typeface="Roboto"/>
-                <a:ea typeface="Roboto"/>
-                <a:sym typeface="Calibri"/>
-              </a:rPr>
-              <a:t>и класс </a:t>
-            </a:r>
-            <a:r>
-              <a:rPr lang="en-US" sz="2000" b="1" dirty="0">
-                <a:latin typeface="Roboto"/>
-                <a:ea typeface="Roboto"/>
-                <a:sym typeface="Calibri"/>
-              </a:rPr>
-              <a:t>Task.</a:t>
+              <a:t>Parallel.</a:t>
             </a:r>
           </a:p>
           <a:p>
@@ -24043,16 +22412,7 @@
                 <a:cs typeface="Roboto"/>
                 <a:sym typeface="Calibri"/>
               </a:rPr>
-              <a:t>В основе класса</a:t>
-            </a:r>
-            <a:r>
-              <a:rPr lang="ru-RU" sz="2000" b="1" dirty="0">
-                <a:latin typeface="Roboto"/>
-                <a:ea typeface="Roboto"/>
-                <a:cs typeface="Roboto"/>
-                <a:sym typeface="Calibri"/>
-              </a:rPr>
-              <a:t> </a:t>
+              <a:t>Класс </a:t>
             </a:r>
             <a:r>
               <a:rPr lang="en-US" sz="2000" b="1" dirty="0">
@@ -24061,10 +22421,47 @@
                 <a:cs typeface="Roboto"/>
                 <a:sym typeface="Calibri"/>
               </a:rPr>
-              <a:t>Task</a:t>
+              <a:t>Parallel</a:t>
             </a:r>
             <a:r>
-              <a:rPr lang="ru-RU" sz="2000" b="1" dirty="0">
+              <a:rPr lang="ru-RU" sz="2000" dirty="0">
+                <a:latin typeface="Roboto"/>
+                <a:ea typeface="Roboto"/>
+                <a:cs typeface="Roboto"/>
+                <a:sym typeface="Calibri"/>
+              </a:rPr>
+              <a:t> предоставляет функционал для паралельного вызова нескольких методов или выполнения распаралеленых циклов.</a:t>
+            </a:r>
+          </a:p>
+          <a:p>
+            <a:pPr lvl="0" indent="-12700">
+              <a:spcAft>
+                <a:spcPts val="1200"/>
+              </a:spcAft>
+              <a:buSzPts val="2000"/>
+              <a:buFont typeface="Noto Sans Symbols"/>
+              <a:buChar char="▪"/>
+            </a:pPr>
+            <a:r>
+              <a:rPr lang="ru-RU" sz="2000" dirty="0">
+                <a:latin typeface="Roboto"/>
+                <a:ea typeface="Roboto"/>
+                <a:cs typeface="Roboto"/>
+                <a:sym typeface="Calibri"/>
+              </a:rPr>
+              <a:t> Инстуркции класса </a:t>
+            </a:r>
+            <a:r>
+              <a:rPr lang="en-US" sz="2000" b="1" dirty="0">
+                <a:latin typeface="Roboto"/>
+                <a:ea typeface="Roboto"/>
+                <a:cs typeface="Roboto"/>
+                <a:sym typeface="Calibri"/>
+              </a:rPr>
+              <a:t>Parallel</a:t>
+            </a:r>
+            <a:r>
+              <a:rPr lang="en-US" sz="2000" dirty="0">
                 <a:latin typeface="Roboto"/>
                 <a:ea typeface="Roboto"/>
                 <a:cs typeface="Roboto"/>
@@ -24079,71 +22476,7 @@
                 <a:cs typeface="Roboto"/>
                 <a:sym typeface="Calibri"/>
               </a:rPr>
-              <a:t>и библиотеки</a:t>
-            </a:r>
-            <a:r>
-              <a:rPr lang="ru-RU" sz="2000" b="1" dirty="0">
-                <a:latin typeface="Roboto"/>
-                <a:ea typeface="Roboto"/>
-                <a:cs typeface="Roboto"/>
-                <a:sym typeface="Calibri"/>
-              </a:rPr>
-              <a:t> </a:t>
-            </a:r>
-            <a:r>
-              <a:rPr lang="en-US" sz="2000" b="1" dirty="0">
-                <a:latin typeface="Roboto"/>
-                <a:ea typeface="Roboto"/>
-                <a:cs typeface="Roboto"/>
-                <a:sym typeface="Calibri"/>
-              </a:rPr>
-              <a:t>TPL </a:t>
-            </a:r>
-            <a:r>
-              <a:rPr lang="ru-RU" sz="2000" dirty="0">
-                <a:latin typeface="Roboto"/>
-                <a:ea typeface="Roboto"/>
-                <a:cs typeface="Roboto"/>
-                <a:sym typeface="Calibri"/>
-              </a:rPr>
-              <a:t>в целом лежит концепция описания задач, задач, которые будут запускаться в одном из доступных потоков и пула потоков.</a:t>
-            </a:r>
-            <a:r>
-              <a:rPr lang="ru-RU" sz="2000" b="1" dirty="0">
-                <a:latin typeface="Roboto"/>
-                <a:ea typeface="Roboto"/>
-                <a:cs typeface="Roboto"/>
-                <a:sym typeface="Calibri"/>
-              </a:rPr>
-              <a:t> </a:t>
-            </a:r>
-          </a:p>
-          <a:p>
-            <a:pPr lvl="0" indent="-12700">
-              <a:spcAft>
-                <a:spcPts val="1200"/>
-              </a:spcAft>
-              <a:buSzPts val="2000"/>
-              <a:buFont typeface="Noto Sans Symbols"/>
-              <a:buChar char="▪"/>
-            </a:pPr>
-            <a:r>
-              <a:rPr lang="ru-RU" sz="2000" b="1" i="0" u="none" strike="noStrike" cap="none" dirty="0">
-                <a:latin typeface="Roboto"/>
-                <a:ea typeface="Roboto"/>
-                <a:cs typeface="Roboto"/>
-                <a:sym typeface="Calibri"/>
-              </a:rPr>
-              <a:t> </a:t>
-            </a:r>
-            <a:r>
-              <a:rPr lang="ru-RU" sz="2000" dirty="0">
-                <a:latin typeface="Roboto"/>
-                <a:ea typeface="Roboto"/>
-                <a:cs typeface="Roboto"/>
-                <a:sym typeface="Calibri"/>
-              </a:rPr>
-              <a:t>Задачи также можно запускать синхронно. Однако этот функционал используется все реже.</a:t>
+              <a:t>выполняются синхронно.</a:t>
             </a:r>
             <a:endParaRPr sz="2000" i="0" u="none" strike="noStrike" cap="none" dirty="0">
               <a:latin typeface="Roboto"/>
@@ -24157,7 +22490,7 @@
     </p:spTree>
     <p:extLst>
       <p:ext uri="{BB962C8B-B14F-4D97-AF65-F5344CB8AC3E}">
-        <p14:creationId xmlns:p14="http://schemas.microsoft.com/office/powerpoint/2010/main" val="335304987"/>
+        <p14:creationId xmlns:p14="http://schemas.microsoft.com/office/powerpoint/2010/main" val="811545401"/>
       </p:ext>
     </p:extLst>
   </p:cSld>

--- a/12.Threads/ThreadsPresentation.pptx
+++ b/12.Threads/ThreadsPresentation.pptx
@@ -5,36 +5,37 @@
     <p:sldMasterId id="2147483661" r:id="rId1"/>
   </p:sldMasterIdLst>
   <p:notesMasterIdLst>
-    <p:notesMasterId r:id="rId12"/>
+    <p:notesMasterId r:id="rId13"/>
   </p:notesMasterIdLst>
   <p:sldIdLst>
     <p:sldId id="256" r:id="rId2"/>
     <p:sldId id="259" r:id="rId3"/>
     <p:sldId id="273" r:id="rId4"/>
     <p:sldId id="274" r:id="rId5"/>
-    <p:sldId id="278" r:id="rId6"/>
-    <p:sldId id="268" r:id="rId7"/>
-    <p:sldId id="279" r:id="rId8"/>
-    <p:sldId id="280" r:id="rId9"/>
-    <p:sldId id="281" r:id="rId10"/>
-    <p:sldId id="282" r:id="rId11"/>
+    <p:sldId id="276" r:id="rId6"/>
+    <p:sldId id="278" r:id="rId7"/>
+    <p:sldId id="268" r:id="rId8"/>
+    <p:sldId id="279" r:id="rId9"/>
+    <p:sldId id="280" r:id="rId10"/>
+    <p:sldId id="281" r:id="rId11"/>
+    <p:sldId id="282" r:id="rId12"/>
   </p:sldIdLst>
   <p:sldSz cx="9144000" cy="6858000" type="screen4x3"/>
   <p:notesSz cx="6858000" cy="9144000"/>
   <p:embeddedFontLst>
     <p:embeddedFont>
       <p:font typeface="Calibri" panose="020F0502020204030204" pitchFamily="34" charset="0"/>
-      <p:regular r:id="rId13"/>
-      <p:bold r:id="rId14"/>
-      <p:italic r:id="rId15"/>
-      <p:boldItalic r:id="rId16"/>
+      <p:regular r:id="rId14"/>
+      <p:bold r:id="rId15"/>
+      <p:italic r:id="rId16"/>
+      <p:boldItalic r:id="rId17"/>
     </p:embeddedFont>
     <p:embeddedFont>
       <p:font typeface="Roboto" panose="020B0604020202020204" charset="0"/>
-      <p:regular r:id="rId17"/>
-      <p:bold r:id="rId18"/>
-      <p:italic r:id="rId19"/>
-      <p:boldItalic r:id="rId20"/>
+      <p:regular r:id="rId18"/>
+      <p:bold r:id="rId19"/>
+      <p:italic r:id="rId20"/>
+      <p:boldItalic r:id="rId21"/>
     </p:embeddedFont>
   </p:embeddedFontLst>
   <p:defaultTextStyle>
@@ -1666,6 +1667,199 @@
     </p:spTree>
     <p:extLst>
       <p:ext uri="{BB962C8B-B14F-4D97-AF65-F5344CB8AC3E}">
+        <p14:creationId xmlns:p14="http://schemas.microsoft.com/office/powerpoint/2010/main" val="1883314275"/>
+      </p:ext>
+    </p:extLst>
+  </p:cSld>
+  <p:clrMapOvr>
+    <a:masterClrMapping/>
+  </p:clrMapOvr>
+</p:notes>
+</file>
+
+<file path=ppt/notesSlides/notesSlide11.xml><?xml version="1.0" encoding="utf-8"?>
+<p:notes xmlns:a="http://schemas.openxmlformats.org/drawingml/2006/main" xmlns:r="http://schemas.openxmlformats.org/officeDocument/2006/relationships" xmlns:p="http://schemas.openxmlformats.org/presentationml/2006/main" showMasterSp="0" showMasterPhAnim="0">
+  <p:cSld>
+    <p:spTree>
+      <p:nvGrpSpPr>
+        <p:cNvPr id="1" name="Shape 152"/>
+        <p:cNvGrpSpPr/>
+        <p:nvPr/>
+      </p:nvGrpSpPr>
+      <p:grpSpPr>
+        <a:xfrm>
+          <a:off x="0" y="0"/>
+          <a:ext cx="0" cy="0"/>
+          <a:chOff x="0" y="0"/>
+          <a:chExt cx="0" cy="0"/>
+        </a:xfrm>
+      </p:grpSpPr>
+      <p:sp>
+        <p:nvSpPr>
+          <p:cNvPr id="153" name="Shape 153"/>
+          <p:cNvSpPr>
+            <a:spLocks noGrp="1" noRot="1" noChangeAspect="1"/>
+          </p:cNvSpPr>
+          <p:nvPr>
+            <p:ph type="sldImg" idx="2"/>
+          </p:nvPr>
+        </p:nvSpPr>
+        <p:spPr>
+          <a:xfrm>
+            <a:off x="1143000" y="685800"/>
+            <a:ext cx="4572000" cy="3429000"/>
+          </a:xfrm>
+          <a:custGeom>
+            <a:avLst/>
+            <a:gdLst/>
+            <a:ahLst/>
+            <a:cxnLst/>
+            <a:rect l="0" t="0" r="0" b="0"/>
+            <a:pathLst>
+              <a:path w="120000" h="120000" extrusionOk="0">
+                <a:moveTo>
+                  <a:pt x="0" y="0"/>
+                </a:moveTo>
+                <a:lnTo>
+                  <a:pt x="120000" y="0"/>
+                </a:lnTo>
+                <a:lnTo>
+                  <a:pt x="120000" y="120000"/>
+                </a:lnTo>
+                <a:lnTo>
+                  <a:pt x="0" y="120000"/>
+                </a:lnTo>
+                <a:close/>
+              </a:path>
+            </a:pathLst>
+          </a:custGeom>
+          <a:noFill/>
+          <a:ln w="9525" cap="flat" cmpd="sng">
+            <a:solidFill>
+              <a:srgbClr val="000000"/>
+            </a:solidFill>
+            <a:prstDash val="solid"/>
+            <a:miter lim="800000"/>
+            <a:headEnd type="none" w="med" len="med"/>
+            <a:tailEnd type="none" w="med" len="med"/>
+          </a:ln>
+        </p:spPr>
+      </p:sp>
+      <p:sp>
+        <p:nvSpPr>
+          <p:cNvPr id="154" name="Shape 154"/>
+          <p:cNvSpPr txBox="1">
+            <a:spLocks noGrp="1"/>
+          </p:cNvSpPr>
+          <p:nvPr>
+            <p:ph type="body" idx="1"/>
+          </p:nvPr>
+        </p:nvSpPr>
+        <p:spPr>
+          <a:xfrm>
+            <a:off x="685800" y="4343400"/>
+            <a:ext cx="5486400" cy="4114800"/>
+          </a:xfrm>
+          <a:prstGeom prst="rect">
+            <a:avLst/>
+          </a:prstGeom>
+          <a:noFill/>
+          <a:ln>
+            <a:noFill/>
+          </a:ln>
+        </p:spPr>
+        <p:txBody>
+          <a:bodyPr spcFirstLastPara="1" wrap="square" lIns="91425" tIns="45700" rIns="91425" bIns="45700" anchor="t" anchorCtr="0">
+            <a:noAutofit/>
+          </a:bodyPr>
+          <a:lstStyle/>
+          <a:p>
+            <a:pPr marL="0" marR="0" lvl="0" indent="0" algn="l" rtl="0">
+              <a:spcBef>
+                <a:spcPts val="0"/>
+              </a:spcBef>
+              <a:spcAft>
+                <a:spcPts val="0"/>
+              </a:spcAft>
+              <a:buNone/>
+            </a:pPr>
+            <a:endParaRPr sz="1200" b="0" i="0" u="none" strike="noStrike" cap="none">
+              <a:solidFill>
+                <a:schemeClr val="dk1"/>
+              </a:solidFill>
+              <a:latin typeface="Calibri"/>
+              <a:ea typeface="Calibri"/>
+              <a:cs typeface="Calibri"/>
+              <a:sym typeface="Calibri"/>
+            </a:endParaRPr>
+          </a:p>
+        </p:txBody>
+      </p:sp>
+      <p:sp>
+        <p:nvSpPr>
+          <p:cNvPr id="155" name="Shape 155"/>
+          <p:cNvSpPr txBox="1">
+            <a:spLocks noGrp="1"/>
+          </p:cNvSpPr>
+          <p:nvPr>
+            <p:ph type="sldNum" idx="12"/>
+          </p:nvPr>
+        </p:nvSpPr>
+        <p:spPr>
+          <a:xfrm>
+            <a:off x="3884613" y="8685213"/>
+            <a:ext cx="2971800" cy="457200"/>
+          </a:xfrm>
+          <a:prstGeom prst="rect">
+            <a:avLst/>
+          </a:prstGeom>
+          <a:noFill/>
+          <a:ln>
+            <a:noFill/>
+          </a:ln>
+        </p:spPr>
+        <p:txBody>
+          <a:bodyPr spcFirstLastPara="1" wrap="square" lIns="91425" tIns="45700" rIns="91425" bIns="45700" anchor="b" anchorCtr="0">
+            <a:noAutofit/>
+          </a:bodyPr>
+          <a:lstStyle/>
+          <a:p>
+            <a:pPr marL="0" marR="0" lvl="0" indent="0" algn="r" rtl="0">
+              <a:spcBef>
+                <a:spcPts val="0"/>
+              </a:spcBef>
+              <a:spcAft>
+                <a:spcPts val="0"/>
+              </a:spcAft>
+              <a:buNone/>
+            </a:pPr>
+            <a:fld id="{00000000-1234-1234-1234-123412341234}" type="slidenum">
+              <a:rPr lang="en-US" sz="1200" b="0" i="0" u="none" strike="noStrike" cap="none">
+                <a:solidFill>
+                  <a:schemeClr val="dk1"/>
+                </a:solidFill>
+                <a:latin typeface="Calibri"/>
+                <a:ea typeface="Calibri"/>
+                <a:cs typeface="Calibri"/>
+                <a:sym typeface="Calibri"/>
+              </a:rPr>
+              <a:t>11</a:t>
+            </a:fld>
+            <a:endParaRPr sz="1200" b="0" i="0" u="none" strike="noStrike" cap="none">
+              <a:solidFill>
+                <a:schemeClr val="dk1"/>
+              </a:solidFill>
+              <a:latin typeface="Calibri"/>
+              <a:ea typeface="Calibri"/>
+              <a:cs typeface="Calibri"/>
+              <a:sym typeface="Calibri"/>
+            </a:endParaRPr>
+          </a:p>
+        </p:txBody>
+      </p:sp>
+    </p:spTree>
+    <p:extLst>
+      <p:ext uri="{BB962C8B-B14F-4D97-AF65-F5344CB8AC3E}">
         <p14:creationId xmlns:p14="http://schemas.microsoft.com/office/powerpoint/2010/main" val="2363581776"/>
       </p:ext>
     </p:extLst>
@@ -2255,7 +2449,7 @@
   <p:cSld>
     <p:spTree>
       <p:nvGrpSpPr>
-        <p:cNvPr id="1" name="Shape 152"/>
+        <p:cNvPr id="1" name="Shape 189"/>
         <p:cNvGrpSpPr/>
         <p:nvPr/>
       </p:nvGrpSpPr>
@@ -2269,7 +2463,7 @@
       </p:grpSpPr>
       <p:sp>
         <p:nvSpPr>
-          <p:cNvPr id="153" name="Shape 153"/>
+          <p:cNvPr id="190" name="Shape 190"/>
           <p:cNvSpPr>
             <a:spLocks noGrp="1" noRot="1" noChangeAspect="1"/>
           </p:cNvSpPr>
@@ -2320,7 +2514,7 @@
       </p:sp>
       <p:sp>
         <p:nvSpPr>
-          <p:cNvPr id="154" name="Shape 154"/>
+          <p:cNvPr id="191" name="Shape 191"/>
           <p:cNvSpPr txBox="1">
             <a:spLocks noGrp="1"/>
           </p:cNvSpPr>
@@ -2370,7 +2564,7 @@
       </p:sp>
       <p:sp>
         <p:nvSpPr>
-          <p:cNvPr id="155" name="Shape 155"/>
+          <p:cNvPr id="192" name="Shape 192"/>
           <p:cNvSpPr txBox="1">
             <a:spLocks noGrp="1"/>
           </p:cNvSpPr>
@@ -2433,7 +2627,7 @@
     </p:spTree>
     <p:extLst>
       <p:ext uri="{BB962C8B-B14F-4D97-AF65-F5344CB8AC3E}">
-        <p14:creationId xmlns:p14="http://schemas.microsoft.com/office/powerpoint/2010/main" val="307881507"/>
+        <p14:creationId xmlns:p14="http://schemas.microsoft.com/office/powerpoint/2010/main" val="1715292488"/>
       </p:ext>
     </p:extLst>
   </p:cSld>
@@ -2626,7 +2820,7 @@
     </p:spTree>
     <p:extLst>
       <p:ext uri="{BB962C8B-B14F-4D97-AF65-F5344CB8AC3E}">
-        <p14:creationId xmlns:p14="http://schemas.microsoft.com/office/powerpoint/2010/main" val="484741579"/>
+        <p14:creationId xmlns:p14="http://schemas.microsoft.com/office/powerpoint/2010/main" val="307881507"/>
       </p:ext>
     </p:extLst>
   </p:cSld>
@@ -2819,7 +3013,7 @@
     </p:spTree>
     <p:extLst>
       <p:ext uri="{BB962C8B-B14F-4D97-AF65-F5344CB8AC3E}">
-        <p14:creationId xmlns:p14="http://schemas.microsoft.com/office/powerpoint/2010/main" val="413766906"/>
+        <p14:creationId xmlns:p14="http://schemas.microsoft.com/office/powerpoint/2010/main" val="484741579"/>
       </p:ext>
     </p:extLst>
   </p:cSld>
@@ -3012,7 +3206,7 @@
     </p:spTree>
     <p:extLst>
       <p:ext uri="{BB962C8B-B14F-4D97-AF65-F5344CB8AC3E}">
-        <p14:creationId xmlns:p14="http://schemas.microsoft.com/office/powerpoint/2010/main" val="3143622111"/>
+        <p14:creationId xmlns:p14="http://schemas.microsoft.com/office/powerpoint/2010/main" val="413766906"/>
       </p:ext>
     </p:extLst>
   </p:cSld>
@@ -3205,7 +3399,7 @@
     </p:spTree>
     <p:extLst>
       <p:ext uri="{BB962C8B-B14F-4D97-AF65-F5344CB8AC3E}">
-        <p14:creationId xmlns:p14="http://schemas.microsoft.com/office/powerpoint/2010/main" val="1883314275"/>
+        <p14:creationId xmlns:p14="http://schemas.microsoft.com/office/powerpoint/2010/main" val="3143622111"/>
       </p:ext>
     </p:extLst>
   </p:cSld>
@@ -4849,6 +5043,504 @@
 </p:sldLayout>
 </file>
 
+<file path=ppt/slideLayouts/slideLayout11.xml><?xml version="1.0" encoding="utf-8"?>
+<p:sldLayout xmlns:a="http://schemas.openxmlformats.org/drawingml/2006/main" xmlns:r="http://schemas.openxmlformats.org/officeDocument/2006/relationships" xmlns:p="http://schemas.openxmlformats.org/presentationml/2006/main" type="blank">
+  <p:cSld name="Пустой слайд">
+    <p:spTree>
+      <p:nvGrpSpPr>
+        <p:cNvPr id="1" name="Shape 40"/>
+        <p:cNvGrpSpPr/>
+        <p:nvPr/>
+      </p:nvGrpSpPr>
+      <p:grpSpPr>
+        <a:xfrm>
+          <a:off x="0" y="0"/>
+          <a:ext cx="0" cy="0"/>
+          <a:chOff x="0" y="0"/>
+          <a:chExt cx="0" cy="0"/>
+        </a:xfrm>
+      </p:grpSpPr>
+      <p:sp>
+        <p:nvSpPr>
+          <p:cNvPr id="41" name="Shape 41"/>
+          <p:cNvSpPr txBox="1">
+            <a:spLocks noGrp="1"/>
+          </p:cNvSpPr>
+          <p:nvPr>
+            <p:ph type="dt" idx="10"/>
+          </p:nvPr>
+        </p:nvSpPr>
+        <p:spPr>
+          <a:xfrm>
+            <a:off x="457200" y="6356350"/>
+            <a:ext cx="2133600" cy="365125"/>
+          </a:xfrm>
+          <a:prstGeom prst="rect">
+            <a:avLst/>
+          </a:prstGeom>
+          <a:noFill/>
+          <a:ln>
+            <a:noFill/>
+          </a:ln>
+        </p:spPr>
+        <p:txBody>
+          <a:bodyPr spcFirstLastPara="1" wrap="square" lIns="91425" tIns="91425" rIns="91425" bIns="91425" anchor="ctr" anchorCtr="0"/>
+          <a:lstStyle>
+            <a:lvl1pPr marR="0" lvl="0" algn="l" rtl="0">
+              <a:spcBef>
+                <a:spcPts val="0"/>
+              </a:spcBef>
+              <a:spcAft>
+                <a:spcPts val="0"/>
+              </a:spcAft>
+              <a:buSzPts val="1400"/>
+              <a:buNone/>
+              <a:defRPr sz="1200" b="0" i="0" u="none" strike="noStrike" cap="none">
+                <a:solidFill>
+                  <a:srgbClr val="888888"/>
+                </a:solidFill>
+                <a:latin typeface="Calibri"/>
+                <a:ea typeface="Calibri"/>
+                <a:cs typeface="Calibri"/>
+                <a:sym typeface="Calibri"/>
+              </a:defRPr>
+            </a:lvl1pPr>
+            <a:lvl2pPr marR="0" lvl="1" algn="l" rtl="0">
+              <a:spcBef>
+                <a:spcPts val="0"/>
+              </a:spcBef>
+              <a:spcAft>
+                <a:spcPts val="0"/>
+              </a:spcAft>
+              <a:buSzPts val="1400"/>
+              <a:buNone/>
+              <a:defRPr sz="1800" b="0" i="0" u="none" strike="noStrike" cap="none">
+                <a:solidFill>
+                  <a:schemeClr val="dk1"/>
+                </a:solidFill>
+                <a:latin typeface="Calibri"/>
+                <a:ea typeface="Calibri"/>
+                <a:cs typeface="Calibri"/>
+                <a:sym typeface="Calibri"/>
+              </a:defRPr>
+            </a:lvl2pPr>
+            <a:lvl3pPr marR="0" lvl="2" algn="l" rtl="0">
+              <a:spcBef>
+                <a:spcPts val="0"/>
+              </a:spcBef>
+              <a:spcAft>
+                <a:spcPts val="0"/>
+              </a:spcAft>
+              <a:buSzPts val="1400"/>
+              <a:buNone/>
+              <a:defRPr sz="1800" b="0" i="0" u="none" strike="noStrike" cap="none">
+                <a:solidFill>
+                  <a:schemeClr val="dk1"/>
+                </a:solidFill>
+                <a:latin typeface="Calibri"/>
+                <a:ea typeface="Calibri"/>
+                <a:cs typeface="Calibri"/>
+                <a:sym typeface="Calibri"/>
+              </a:defRPr>
+            </a:lvl3pPr>
+            <a:lvl4pPr marR="0" lvl="3" algn="l" rtl="0">
+              <a:spcBef>
+                <a:spcPts val="0"/>
+              </a:spcBef>
+              <a:spcAft>
+                <a:spcPts val="0"/>
+              </a:spcAft>
+              <a:buSzPts val="1400"/>
+              <a:buNone/>
+              <a:defRPr sz="1800" b="0" i="0" u="none" strike="noStrike" cap="none">
+                <a:solidFill>
+                  <a:schemeClr val="dk1"/>
+                </a:solidFill>
+                <a:latin typeface="Calibri"/>
+                <a:ea typeface="Calibri"/>
+                <a:cs typeface="Calibri"/>
+                <a:sym typeface="Calibri"/>
+              </a:defRPr>
+            </a:lvl4pPr>
+            <a:lvl5pPr marR="0" lvl="4" algn="l" rtl="0">
+              <a:spcBef>
+                <a:spcPts val="0"/>
+              </a:spcBef>
+              <a:spcAft>
+                <a:spcPts val="0"/>
+              </a:spcAft>
+              <a:buSzPts val="1400"/>
+              <a:buNone/>
+              <a:defRPr sz="1800" b="0" i="0" u="none" strike="noStrike" cap="none">
+                <a:solidFill>
+                  <a:schemeClr val="dk1"/>
+                </a:solidFill>
+                <a:latin typeface="Calibri"/>
+                <a:ea typeface="Calibri"/>
+                <a:cs typeface="Calibri"/>
+                <a:sym typeface="Calibri"/>
+              </a:defRPr>
+            </a:lvl5pPr>
+            <a:lvl6pPr marR="0" lvl="5" algn="l" rtl="0">
+              <a:spcBef>
+                <a:spcPts val="0"/>
+              </a:spcBef>
+              <a:spcAft>
+                <a:spcPts val="0"/>
+              </a:spcAft>
+              <a:buSzPts val="1400"/>
+              <a:buNone/>
+              <a:defRPr sz="1800" b="0" i="0" u="none" strike="noStrike" cap="none">
+                <a:solidFill>
+                  <a:schemeClr val="dk1"/>
+                </a:solidFill>
+                <a:latin typeface="Calibri"/>
+                <a:ea typeface="Calibri"/>
+                <a:cs typeface="Calibri"/>
+                <a:sym typeface="Calibri"/>
+              </a:defRPr>
+            </a:lvl6pPr>
+            <a:lvl7pPr marR="0" lvl="6" algn="l" rtl="0">
+              <a:spcBef>
+                <a:spcPts val="0"/>
+              </a:spcBef>
+              <a:spcAft>
+                <a:spcPts val="0"/>
+              </a:spcAft>
+              <a:buSzPts val="1400"/>
+              <a:buNone/>
+              <a:defRPr sz="1800" b="0" i="0" u="none" strike="noStrike" cap="none">
+                <a:solidFill>
+                  <a:schemeClr val="dk1"/>
+                </a:solidFill>
+                <a:latin typeface="Calibri"/>
+                <a:ea typeface="Calibri"/>
+                <a:cs typeface="Calibri"/>
+                <a:sym typeface="Calibri"/>
+              </a:defRPr>
+            </a:lvl7pPr>
+            <a:lvl8pPr marR="0" lvl="7" algn="l" rtl="0">
+              <a:spcBef>
+                <a:spcPts val="0"/>
+              </a:spcBef>
+              <a:spcAft>
+                <a:spcPts val="0"/>
+              </a:spcAft>
+              <a:buSzPts val="1400"/>
+              <a:buNone/>
+              <a:defRPr sz="1800" b="0" i="0" u="none" strike="noStrike" cap="none">
+                <a:solidFill>
+                  <a:schemeClr val="dk1"/>
+                </a:solidFill>
+                <a:latin typeface="Calibri"/>
+                <a:ea typeface="Calibri"/>
+                <a:cs typeface="Calibri"/>
+                <a:sym typeface="Calibri"/>
+              </a:defRPr>
+            </a:lvl8pPr>
+            <a:lvl9pPr marR="0" lvl="8" algn="l" rtl="0">
+              <a:spcBef>
+                <a:spcPts val="0"/>
+              </a:spcBef>
+              <a:spcAft>
+                <a:spcPts val="0"/>
+              </a:spcAft>
+              <a:buSzPts val="1400"/>
+              <a:buNone/>
+              <a:defRPr sz="1800" b="0" i="0" u="none" strike="noStrike" cap="none">
+                <a:solidFill>
+                  <a:schemeClr val="dk1"/>
+                </a:solidFill>
+                <a:latin typeface="Calibri"/>
+                <a:ea typeface="Calibri"/>
+                <a:cs typeface="Calibri"/>
+                <a:sym typeface="Calibri"/>
+              </a:defRPr>
+            </a:lvl9pPr>
+          </a:lstStyle>
+          <a:p>
+            <a:endParaRPr/>
+          </a:p>
+        </p:txBody>
+      </p:sp>
+      <p:sp>
+        <p:nvSpPr>
+          <p:cNvPr id="42" name="Shape 42"/>
+          <p:cNvSpPr txBox="1">
+            <a:spLocks noGrp="1"/>
+          </p:cNvSpPr>
+          <p:nvPr>
+            <p:ph type="ftr" idx="11"/>
+          </p:nvPr>
+        </p:nvSpPr>
+        <p:spPr>
+          <a:xfrm>
+            <a:off x="3124200" y="6356350"/>
+            <a:ext cx="2895600" cy="365125"/>
+          </a:xfrm>
+          <a:prstGeom prst="rect">
+            <a:avLst/>
+          </a:prstGeom>
+          <a:noFill/>
+          <a:ln>
+            <a:noFill/>
+          </a:ln>
+        </p:spPr>
+        <p:txBody>
+          <a:bodyPr spcFirstLastPara="1" wrap="square" lIns="91425" tIns="91425" rIns="91425" bIns="91425" anchor="ctr" anchorCtr="0"/>
+          <a:lstStyle>
+            <a:lvl1pPr marR="0" lvl="0" algn="ctr" rtl="0">
+              <a:spcBef>
+                <a:spcPts val="0"/>
+              </a:spcBef>
+              <a:spcAft>
+                <a:spcPts val="0"/>
+              </a:spcAft>
+              <a:buSzPts val="1400"/>
+              <a:buNone/>
+              <a:defRPr sz="1200" b="0" i="0" u="none" strike="noStrike" cap="none">
+                <a:solidFill>
+                  <a:srgbClr val="888888"/>
+                </a:solidFill>
+                <a:latin typeface="Calibri"/>
+                <a:ea typeface="Calibri"/>
+                <a:cs typeface="Calibri"/>
+                <a:sym typeface="Calibri"/>
+              </a:defRPr>
+            </a:lvl1pPr>
+            <a:lvl2pPr marR="0" lvl="1" algn="l" rtl="0">
+              <a:spcBef>
+                <a:spcPts val="0"/>
+              </a:spcBef>
+              <a:spcAft>
+                <a:spcPts val="0"/>
+              </a:spcAft>
+              <a:buSzPts val="1400"/>
+              <a:buNone/>
+              <a:defRPr sz="1800" b="0" i="0" u="none" strike="noStrike" cap="none">
+                <a:solidFill>
+                  <a:schemeClr val="dk1"/>
+                </a:solidFill>
+                <a:latin typeface="Calibri"/>
+                <a:ea typeface="Calibri"/>
+                <a:cs typeface="Calibri"/>
+                <a:sym typeface="Calibri"/>
+              </a:defRPr>
+            </a:lvl2pPr>
+            <a:lvl3pPr marR="0" lvl="2" algn="l" rtl="0">
+              <a:spcBef>
+                <a:spcPts val="0"/>
+              </a:spcBef>
+              <a:spcAft>
+                <a:spcPts val="0"/>
+              </a:spcAft>
+              <a:buSzPts val="1400"/>
+              <a:buNone/>
+              <a:defRPr sz="1800" b="0" i="0" u="none" strike="noStrike" cap="none">
+                <a:solidFill>
+                  <a:schemeClr val="dk1"/>
+                </a:solidFill>
+                <a:latin typeface="Calibri"/>
+                <a:ea typeface="Calibri"/>
+                <a:cs typeface="Calibri"/>
+                <a:sym typeface="Calibri"/>
+              </a:defRPr>
+            </a:lvl3pPr>
+            <a:lvl4pPr marR="0" lvl="3" algn="l" rtl="0">
+              <a:spcBef>
+                <a:spcPts val="0"/>
+              </a:spcBef>
+              <a:spcAft>
+                <a:spcPts val="0"/>
+              </a:spcAft>
+              <a:buSzPts val="1400"/>
+              <a:buNone/>
+              <a:defRPr sz="1800" b="0" i="0" u="none" strike="noStrike" cap="none">
+                <a:solidFill>
+                  <a:schemeClr val="dk1"/>
+                </a:solidFill>
+                <a:latin typeface="Calibri"/>
+                <a:ea typeface="Calibri"/>
+                <a:cs typeface="Calibri"/>
+                <a:sym typeface="Calibri"/>
+              </a:defRPr>
+            </a:lvl4pPr>
+            <a:lvl5pPr marR="0" lvl="4" algn="l" rtl="0">
+              <a:spcBef>
+                <a:spcPts val="0"/>
+              </a:spcBef>
+              <a:spcAft>
+                <a:spcPts val="0"/>
+              </a:spcAft>
+              <a:buSzPts val="1400"/>
+              <a:buNone/>
+              <a:defRPr sz="1800" b="0" i="0" u="none" strike="noStrike" cap="none">
+                <a:solidFill>
+                  <a:schemeClr val="dk1"/>
+                </a:solidFill>
+                <a:latin typeface="Calibri"/>
+                <a:ea typeface="Calibri"/>
+                <a:cs typeface="Calibri"/>
+                <a:sym typeface="Calibri"/>
+              </a:defRPr>
+            </a:lvl5pPr>
+            <a:lvl6pPr marR="0" lvl="5" algn="l" rtl="0">
+              <a:spcBef>
+                <a:spcPts val="0"/>
+              </a:spcBef>
+              <a:spcAft>
+                <a:spcPts val="0"/>
+              </a:spcAft>
+              <a:buSzPts val="1400"/>
+              <a:buNone/>
+              <a:defRPr sz="1800" b="0" i="0" u="none" strike="noStrike" cap="none">
+                <a:solidFill>
+                  <a:schemeClr val="dk1"/>
+                </a:solidFill>
+                <a:latin typeface="Calibri"/>
+                <a:ea typeface="Calibri"/>
+                <a:cs typeface="Calibri"/>
+                <a:sym typeface="Calibri"/>
+              </a:defRPr>
+            </a:lvl6pPr>
+            <a:lvl7pPr marR="0" lvl="6" algn="l" rtl="0">
+              <a:spcBef>
+                <a:spcPts val="0"/>
+              </a:spcBef>
+              <a:spcAft>
+                <a:spcPts val="0"/>
+              </a:spcAft>
+              <a:buSzPts val="1400"/>
+              <a:buNone/>
+              <a:defRPr sz="1800" b="0" i="0" u="none" strike="noStrike" cap="none">
+                <a:solidFill>
+                  <a:schemeClr val="dk1"/>
+                </a:solidFill>
+                <a:latin typeface="Calibri"/>
+                <a:ea typeface="Calibri"/>
+                <a:cs typeface="Calibri"/>
+                <a:sym typeface="Calibri"/>
+              </a:defRPr>
+            </a:lvl7pPr>
+            <a:lvl8pPr marR="0" lvl="7" algn="l" rtl="0">
+              <a:spcBef>
+                <a:spcPts val="0"/>
+              </a:spcBef>
+              <a:spcAft>
+                <a:spcPts val="0"/>
+              </a:spcAft>
+              <a:buSzPts val="1400"/>
+              <a:buNone/>
+              <a:defRPr sz="1800" b="0" i="0" u="none" strike="noStrike" cap="none">
+                <a:solidFill>
+                  <a:schemeClr val="dk1"/>
+                </a:solidFill>
+                <a:latin typeface="Calibri"/>
+                <a:ea typeface="Calibri"/>
+                <a:cs typeface="Calibri"/>
+                <a:sym typeface="Calibri"/>
+              </a:defRPr>
+            </a:lvl8pPr>
+            <a:lvl9pPr marR="0" lvl="8" algn="l" rtl="0">
+              <a:spcBef>
+                <a:spcPts val="0"/>
+              </a:spcBef>
+              <a:spcAft>
+                <a:spcPts val="0"/>
+              </a:spcAft>
+              <a:buSzPts val="1400"/>
+              <a:buNone/>
+              <a:defRPr sz="1800" b="0" i="0" u="none" strike="noStrike" cap="none">
+                <a:solidFill>
+                  <a:schemeClr val="dk1"/>
+                </a:solidFill>
+                <a:latin typeface="Calibri"/>
+                <a:ea typeface="Calibri"/>
+                <a:cs typeface="Calibri"/>
+                <a:sym typeface="Calibri"/>
+              </a:defRPr>
+            </a:lvl9pPr>
+          </a:lstStyle>
+          <a:p>
+            <a:endParaRPr/>
+          </a:p>
+        </p:txBody>
+      </p:sp>
+      <p:sp>
+        <p:nvSpPr>
+          <p:cNvPr id="43" name="Shape 43"/>
+          <p:cNvSpPr txBox="1">
+            <a:spLocks noGrp="1"/>
+          </p:cNvSpPr>
+          <p:nvPr>
+            <p:ph type="sldNum" idx="12"/>
+          </p:nvPr>
+        </p:nvSpPr>
+        <p:spPr>
+          <a:xfrm>
+            <a:off x="6553200" y="6356350"/>
+            <a:ext cx="2133600" cy="365125"/>
+          </a:xfrm>
+          <a:prstGeom prst="rect">
+            <a:avLst/>
+          </a:prstGeom>
+          <a:noFill/>
+          <a:ln>
+            <a:noFill/>
+          </a:ln>
+        </p:spPr>
+        <p:txBody>
+          <a:bodyPr spcFirstLastPara="1" wrap="square" lIns="91425" tIns="45700" rIns="91425" bIns="45700" anchor="ctr" anchorCtr="0">
+            <a:noAutofit/>
+          </a:bodyPr>
+          <a:lstStyle/>
+          <a:p>
+            <a:pPr marL="0" marR="0" lvl="0" indent="0" algn="r" rtl="0">
+              <a:spcBef>
+                <a:spcPts val="0"/>
+              </a:spcBef>
+              <a:spcAft>
+                <a:spcPts val="0"/>
+              </a:spcAft>
+              <a:buNone/>
+            </a:pPr>
+            <a:fld id="{00000000-1234-1234-1234-123412341234}" type="slidenum">
+              <a:rPr lang="en-US" sz="1200" b="0" i="0" u="none" strike="noStrike" cap="none">
+                <a:solidFill>
+                  <a:srgbClr val="888888"/>
+                </a:solidFill>
+                <a:latin typeface="Calibri"/>
+                <a:ea typeface="Calibri"/>
+                <a:cs typeface="Calibri"/>
+                <a:sym typeface="Calibri"/>
+              </a:rPr>
+              <a:t>‹#›</a:t>
+            </a:fld>
+            <a:endParaRPr sz="1200" b="0" i="0" u="none" strike="noStrike" cap="none">
+              <a:solidFill>
+                <a:srgbClr val="888888"/>
+              </a:solidFill>
+              <a:latin typeface="Calibri"/>
+              <a:ea typeface="Calibri"/>
+              <a:cs typeface="Calibri"/>
+              <a:sym typeface="Calibri"/>
+            </a:endParaRPr>
+          </a:p>
+        </p:txBody>
+      </p:sp>
+    </p:spTree>
+    <p:extLst>
+      <p:ext uri="{BB962C8B-B14F-4D97-AF65-F5344CB8AC3E}">
+        <p14:creationId xmlns:p14="http://schemas.microsoft.com/office/powerpoint/2010/main" val="1799411015"/>
+      </p:ext>
+    </p:extLst>
+  </p:cSld>
+  <p:clrMapOvr>
+    <a:masterClrMapping/>
+  </p:clrMapOvr>
+</p:sldLayout>
+</file>
+
 <file path=ppt/slideLayouts/slideLayout2.xml><?xml version="1.0" encoding="utf-8"?>
 <p:sldLayout xmlns:a="http://schemas.openxmlformats.org/drawingml/2006/main" xmlns:r="http://schemas.openxmlformats.org/officeDocument/2006/relationships" xmlns:p="http://schemas.openxmlformats.org/presentationml/2006/main" type="obj">
   <p:cSld name="Заголовок и объект">
@@ -17518,6 +18210,7 @@
     <p:sldLayoutId id="2147483658" r:id="rId8"/>
     <p:sldLayoutId id="2147483659" r:id="rId9"/>
     <p:sldLayoutId id="2147483660" r:id="rId10"/>
+    <p:sldLayoutId id="2147483662" r:id="rId11"/>
   </p:sldLayoutIdLst>
   <p:hf sldNum="0" hdr="0" ftr="0" dt="0"/>
   <p:txStyles>
@@ -18411,6 +19104,457 @@
               <a:buNone/>
             </a:pPr>
             <a:r>
+              <a:rPr lang="en-US" sz="4100" b="1" i="0" u="none" strike="noStrike" cap="none" dirty="0">
+                <a:solidFill>
+                  <a:srgbClr val="262626"/>
+                </a:solidFill>
+                <a:latin typeface="Roboto"/>
+                <a:ea typeface="Roboto"/>
+                <a:cs typeface="Roboto"/>
+                <a:sym typeface="Roboto"/>
+              </a:rPr>
+              <a:t>Parallel</a:t>
+            </a:r>
+            <a:endParaRPr sz="4100" b="1" i="0" u="none" strike="noStrike" cap="none" dirty="0">
+              <a:solidFill>
+                <a:srgbClr val="262626"/>
+              </a:solidFill>
+              <a:latin typeface="Roboto"/>
+              <a:ea typeface="Roboto"/>
+              <a:cs typeface="Roboto"/>
+              <a:sym typeface="Roboto"/>
+            </a:endParaRPr>
+          </a:p>
+        </p:txBody>
+      </p:sp>
+      <p:sp>
+        <p:nvSpPr>
+          <p:cNvPr id="159" name="Shape 159"/>
+          <p:cNvSpPr/>
+          <p:nvPr/>
+        </p:nvSpPr>
+        <p:spPr>
+          <a:xfrm>
+            <a:off x="7145316" y="408237"/>
+            <a:ext cx="1856100" cy="290400"/>
+          </a:xfrm>
+          <a:prstGeom prst="roundRect">
+            <a:avLst>
+              <a:gd name="adj" fmla="val 0"/>
+            </a:avLst>
+          </a:prstGeom>
+          <a:noFill/>
+          <a:ln>
+            <a:noFill/>
+          </a:ln>
+        </p:spPr>
+        <p:txBody>
+          <a:bodyPr spcFirstLastPara="1" wrap="square" lIns="91425" tIns="45700" rIns="91425" bIns="45700" anchor="ctr" anchorCtr="0">
+            <a:noAutofit/>
+          </a:bodyPr>
+          <a:lstStyle/>
+          <a:p>
+            <a:pPr marL="0" marR="0" lvl="0" indent="0" algn="ctr" rtl="0">
+              <a:spcBef>
+                <a:spcPts val="0"/>
+              </a:spcBef>
+              <a:spcAft>
+                <a:spcPts val="0"/>
+              </a:spcAft>
+              <a:buClr>
+                <a:schemeClr val="lt1"/>
+              </a:buClr>
+              <a:buSzPts val="1200"/>
+              <a:buFont typeface="Arial"/>
+              <a:buNone/>
+            </a:pPr>
+            <a:r>
+              <a:rPr lang="en-US" sz="1500" b="1" i="0" strike="noStrike" cap="none">
+                <a:solidFill>
+                  <a:srgbClr val="262626"/>
+                </a:solidFill>
+                <a:latin typeface="Roboto"/>
+                <a:ea typeface="Roboto"/>
+                <a:cs typeface="Roboto"/>
+                <a:sym typeface="Roboto"/>
+              </a:rPr>
+              <a:t>www.itea.ua</a:t>
+            </a:r>
+            <a:endParaRPr sz="1500" b="1" i="0" strike="noStrike" cap="none">
+              <a:solidFill>
+                <a:srgbClr val="262626"/>
+              </a:solidFill>
+              <a:latin typeface="Roboto"/>
+              <a:ea typeface="Roboto"/>
+              <a:cs typeface="Roboto"/>
+              <a:sym typeface="Roboto"/>
+            </a:endParaRPr>
+          </a:p>
+        </p:txBody>
+      </p:sp>
+      <p:sp>
+        <p:nvSpPr>
+          <p:cNvPr id="160" name="Shape 160"/>
+          <p:cNvSpPr/>
+          <p:nvPr/>
+        </p:nvSpPr>
+        <p:spPr>
+          <a:xfrm rot="10800000" flipH="1">
+            <a:off x="0" y="1127850"/>
+            <a:ext cx="3143100" cy="42300"/>
+          </a:xfrm>
+          <a:prstGeom prst="rect">
+            <a:avLst/>
+          </a:prstGeom>
+          <a:solidFill>
+            <a:srgbClr val="CC0000"/>
+          </a:solidFill>
+          <a:ln>
+            <a:noFill/>
+          </a:ln>
+        </p:spPr>
+        <p:txBody>
+          <a:bodyPr spcFirstLastPara="1" wrap="square" lIns="91425" tIns="91425" rIns="91425" bIns="91425" anchor="ctr" anchorCtr="0">
+            <a:noAutofit/>
+          </a:bodyPr>
+          <a:lstStyle/>
+          <a:p>
+            <a:pPr marL="0" lvl="0" indent="0">
+              <a:spcBef>
+                <a:spcPts val="0"/>
+              </a:spcBef>
+              <a:spcAft>
+                <a:spcPts val="0"/>
+              </a:spcAft>
+              <a:buNone/>
+            </a:pPr>
+            <a:r>
+              <a:rPr lang="en-US"/>
+              <a:t>                                                                                     </a:t>
+            </a:r>
+            <a:endParaRPr/>
+          </a:p>
+        </p:txBody>
+      </p:sp>
+      <p:sp>
+        <p:nvSpPr>
+          <p:cNvPr id="161" name="Shape 161"/>
+          <p:cNvSpPr/>
+          <p:nvPr/>
+        </p:nvSpPr>
+        <p:spPr>
+          <a:xfrm rot="10800000" flipH="1">
+            <a:off x="3067050" y="1127850"/>
+            <a:ext cx="3143100" cy="42300"/>
+          </a:xfrm>
+          <a:prstGeom prst="rect">
+            <a:avLst/>
+          </a:prstGeom>
+          <a:solidFill>
+            <a:srgbClr val="262626"/>
+          </a:solidFill>
+          <a:ln>
+            <a:noFill/>
+          </a:ln>
+        </p:spPr>
+        <p:txBody>
+          <a:bodyPr spcFirstLastPara="1" wrap="square" lIns="91425" tIns="91425" rIns="91425" bIns="91425" anchor="ctr" anchorCtr="0">
+            <a:noAutofit/>
+          </a:bodyPr>
+          <a:lstStyle/>
+          <a:p>
+            <a:pPr marL="0" lvl="0" indent="0">
+              <a:spcBef>
+                <a:spcPts val="0"/>
+              </a:spcBef>
+              <a:spcAft>
+                <a:spcPts val="0"/>
+              </a:spcAft>
+              <a:buNone/>
+            </a:pPr>
+            <a:endParaRPr/>
+          </a:p>
+        </p:txBody>
+      </p:sp>
+      <p:pic>
+        <p:nvPicPr>
+          <p:cNvPr id="162" name="Shape 162"/>
+          <p:cNvPicPr preferRelativeResize="0"/>
+          <p:nvPr/>
+        </p:nvPicPr>
+        <p:blipFill>
+          <a:blip r:embed="rId3">
+            <a:alphaModFix/>
+          </a:blip>
+          <a:stretch>
+            <a:fillRect/>
+          </a:stretch>
+        </p:blipFill>
+        <p:spPr>
+          <a:xfrm>
+            <a:off x="353700" y="302000"/>
+            <a:ext cx="1741800" cy="502875"/>
+          </a:xfrm>
+          <a:prstGeom prst="rect">
+            <a:avLst/>
+          </a:prstGeom>
+          <a:noFill/>
+          <a:ln>
+            <a:noFill/>
+          </a:ln>
+        </p:spPr>
+      </p:pic>
+      <p:sp>
+        <p:nvSpPr>
+          <p:cNvPr id="163" name="Shape 163"/>
+          <p:cNvSpPr txBox="1"/>
+          <p:nvPr/>
+        </p:nvSpPr>
+        <p:spPr>
+          <a:xfrm>
+            <a:off x="495374" y="2420487"/>
+            <a:ext cx="8181300" cy="4029275"/>
+          </a:xfrm>
+          <a:prstGeom prst="rect">
+            <a:avLst/>
+          </a:prstGeom>
+          <a:noFill/>
+          <a:ln>
+            <a:noFill/>
+          </a:ln>
+        </p:spPr>
+        <p:txBody>
+          <a:bodyPr spcFirstLastPara="1" wrap="square" lIns="91425" tIns="45700" rIns="91425" bIns="45700" anchor="ctr" anchorCtr="0">
+            <a:noAutofit/>
+          </a:bodyPr>
+          <a:lstStyle/>
+          <a:p>
+            <a:pPr lvl="0" indent="-12700">
+              <a:spcAft>
+                <a:spcPts val="1200"/>
+              </a:spcAft>
+              <a:buSzPts val="2000"/>
+              <a:buFont typeface="Noto Sans Symbols"/>
+              <a:buChar char="▪"/>
+            </a:pPr>
+            <a:r>
+              <a:rPr lang="ru-RU" sz="2000" dirty="0">
+                <a:latin typeface="Roboto"/>
+                <a:ea typeface="Roboto"/>
+                <a:sym typeface="Calibri"/>
+              </a:rPr>
+              <a:t> Частью библиотеки паралельных задач </a:t>
+            </a:r>
+            <a:r>
+              <a:rPr lang="en-US" sz="2000" b="1" dirty="0">
+                <a:latin typeface="Roboto"/>
+                <a:ea typeface="Roboto"/>
+                <a:sym typeface="Calibri"/>
+              </a:rPr>
+              <a:t>TPL (Task Parallel Library)</a:t>
+            </a:r>
+            <a:r>
+              <a:rPr lang="en-US" sz="2000" dirty="0">
+                <a:latin typeface="Roboto"/>
+                <a:ea typeface="Roboto"/>
+                <a:sym typeface="Calibri"/>
+              </a:rPr>
+              <a:t> </a:t>
+            </a:r>
+            <a:r>
+              <a:rPr lang="ru-RU" sz="2000" dirty="0">
+                <a:latin typeface="Roboto"/>
+                <a:ea typeface="Roboto"/>
+                <a:sym typeface="Calibri"/>
+              </a:rPr>
+              <a:t>является также статическмий класс </a:t>
+            </a:r>
+            <a:r>
+              <a:rPr lang="en-US" sz="2000" b="1" dirty="0">
+                <a:latin typeface="Roboto"/>
+                <a:ea typeface="Roboto"/>
+                <a:sym typeface="Calibri"/>
+              </a:rPr>
+              <a:t>Parallel.</a:t>
+            </a:r>
+          </a:p>
+          <a:p>
+            <a:pPr lvl="0" indent="-12700">
+              <a:spcAft>
+                <a:spcPts val="1200"/>
+              </a:spcAft>
+              <a:buSzPts val="2000"/>
+              <a:buFont typeface="Noto Sans Symbols"/>
+              <a:buChar char="▪"/>
+            </a:pPr>
+            <a:r>
+              <a:rPr lang="en-US" sz="2000" b="1" i="0" u="none" strike="noStrike" cap="none" dirty="0">
+                <a:latin typeface="Roboto"/>
+                <a:ea typeface="Roboto"/>
+                <a:cs typeface="Roboto"/>
+                <a:sym typeface="Calibri"/>
+              </a:rPr>
+              <a:t> </a:t>
+            </a:r>
+            <a:r>
+              <a:rPr lang="ru-RU" sz="2000" dirty="0">
+                <a:latin typeface="Roboto"/>
+                <a:ea typeface="Roboto"/>
+                <a:cs typeface="Roboto"/>
+                <a:sym typeface="Calibri"/>
+              </a:rPr>
+              <a:t>Класс </a:t>
+            </a:r>
+            <a:r>
+              <a:rPr lang="en-US" sz="2000" b="1" dirty="0">
+                <a:latin typeface="Roboto"/>
+                <a:ea typeface="Roboto"/>
+                <a:cs typeface="Roboto"/>
+                <a:sym typeface="Calibri"/>
+              </a:rPr>
+              <a:t>Parallel</a:t>
+            </a:r>
+            <a:r>
+              <a:rPr lang="ru-RU" sz="2000" dirty="0">
+                <a:latin typeface="Roboto"/>
+                <a:ea typeface="Roboto"/>
+                <a:cs typeface="Roboto"/>
+                <a:sym typeface="Calibri"/>
+              </a:rPr>
+              <a:t> предоставляет функционал для паралельного вызова нескольких методов или выполнения распаралеленых циклов.</a:t>
+            </a:r>
+          </a:p>
+          <a:p>
+            <a:pPr lvl="0" indent="-12700">
+              <a:spcAft>
+                <a:spcPts val="1200"/>
+              </a:spcAft>
+              <a:buSzPts val="2000"/>
+              <a:buFont typeface="Noto Sans Symbols"/>
+              <a:buChar char="▪"/>
+            </a:pPr>
+            <a:r>
+              <a:rPr lang="ru-RU" sz="2000" dirty="0">
+                <a:latin typeface="Roboto"/>
+                <a:ea typeface="Roboto"/>
+                <a:cs typeface="Roboto"/>
+                <a:sym typeface="Calibri"/>
+              </a:rPr>
+              <a:t> Инстуркции класса </a:t>
+            </a:r>
+            <a:r>
+              <a:rPr lang="en-US" sz="2000" b="1" dirty="0">
+                <a:latin typeface="Roboto"/>
+                <a:ea typeface="Roboto"/>
+                <a:cs typeface="Roboto"/>
+                <a:sym typeface="Calibri"/>
+              </a:rPr>
+              <a:t>Parallel</a:t>
+            </a:r>
+            <a:r>
+              <a:rPr lang="en-US" sz="2000" dirty="0">
+                <a:latin typeface="Roboto"/>
+                <a:ea typeface="Roboto"/>
+                <a:cs typeface="Roboto"/>
+                <a:sym typeface="Calibri"/>
+              </a:rPr>
+              <a:t> </a:t>
+            </a:r>
+            <a:r>
+              <a:rPr lang="ru-RU" sz="2000" dirty="0">
+                <a:latin typeface="Roboto"/>
+                <a:ea typeface="Roboto"/>
+                <a:cs typeface="Roboto"/>
+                <a:sym typeface="Calibri"/>
+              </a:rPr>
+              <a:t>выполняются синхронно.</a:t>
+            </a:r>
+            <a:endParaRPr sz="2000" i="0" u="none" strike="noStrike" cap="none" dirty="0">
+              <a:latin typeface="Roboto"/>
+              <a:ea typeface="Roboto"/>
+              <a:cs typeface="Roboto"/>
+              <a:sym typeface="Roboto"/>
+            </a:endParaRPr>
+          </a:p>
+        </p:txBody>
+      </p:sp>
+    </p:spTree>
+    <p:extLst>
+      <p:ext uri="{BB962C8B-B14F-4D97-AF65-F5344CB8AC3E}">
+        <p14:creationId xmlns:p14="http://schemas.microsoft.com/office/powerpoint/2010/main" val="811545401"/>
+      </p:ext>
+    </p:extLst>
+  </p:cSld>
+  <p:clrMapOvr>
+    <a:masterClrMapping/>
+  </p:clrMapOvr>
+  <p:transition>
+    <p:fade/>
+  </p:transition>
+</p:sld>
+</file>
+
+<file path=ppt/slides/slide11.xml><?xml version="1.0" encoding="utf-8"?>
+<p:sld xmlns:a="http://schemas.openxmlformats.org/drawingml/2006/main" xmlns:r="http://schemas.openxmlformats.org/officeDocument/2006/relationships" xmlns:p="http://schemas.openxmlformats.org/presentationml/2006/main">
+  <p:cSld>
+    <p:spTree>
+      <p:nvGrpSpPr>
+        <p:cNvPr id="1" name="Shape 156"/>
+        <p:cNvGrpSpPr/>
+        <p:nvPr/>
+      </p:nvGrpSpPr>
+      <p:grpSpPr>
+        <a:xfrm>
+          <a:off x="0" y="0"/>
+          <a:ext cx="0" cy="0"/>
+          <a:chOff x="0" y="0"/>
+          <a:chExt cx="0" cy="0"/>
+        </a:xfrm>
+      </p:grpSpPr>
+      <p:sp>
+        <p:nvSpPr>
+          <p:cNvPr id="158" name="Shape 158"/>
+          <p:cNvSpPr txBox="1">
+            <a:spLocks noGrp="1"/>
+          </p:cNvSpPr>
+          <p:nvPr>
+            <p:ph type="title"/>
+          </p:nvPr>
+        </p:nvSpPr>
+        <p:spPr>
+          <a:xfrm>
+            <a:off x="467326" y="1277488"/>
+            <a:ext cx="8229600" cy="1143000"/>
+          </a:xfrm>
+          <a:prstGeom prst="rect">
+            <a:avLst/>
+          </a:prstGeom>
+          <a:noFill/>
+          <a:ln>
+            <a:noFill/>
+          </a:ln>
+        </p:spPr>
+        <p:txBody>
+          <a:bodyPr spcFirstLastPara="1" wrap="square" lIns="91425" tIns="45700" rIns="91425" bIns="45700" anchor="ctr" anchorCtr="0">
+            <a:noAutofit/>
+          </a:bodyPr>
+          <a:lstStyle/>
+          <a:p>
+            <a:pPr marL="0" marR="0" lvl="0" indent="0" algn="l" rtl="0">
+              <a:spcBef>
+                <a:spcPts val="0"/>
+              </a:spcBef>
+              <a:spcAft>
+                <a:spcPts val="0"/>
+              </a:spcAft>
+              <a:buClr>
+                <a:schemeClr val="dk1"/>
+              </a:buClr>
+              <a:buSzPts val="4400"/>
+              <a:buFont typeface="Calibri"/>
+              <a:buNone/>
+            </a:pPr>
+            <a:r>
               <a:rPr lang="en-US" sz="4100" b="1" dirty="0">
                 <a:solidFill>
                   <a:srgbClr val="262626"/>
@@ -19616,7 +20760,7 @@
                 <a:cs typeface="Roboto"/>
                 <a:sym typeface="Roboto"/>
               </a:rPr>
-              <a:t>фоновый</a:t>
+              <a:t>вторичный</a:t>
             </a:r>
             <a:r>
               <a:rPr lang="ru-RU" sz="2000" dirty="0">
@@ -19628,7 +20772,7 @@
                 <a:cs typeface="Roboto"/>
                 <a:sym typeface="Roboto"/>
               </a:rPr>
-              <a:t> (вспомогательный).</a:t>
+              <a:t>.</a:t>
             </a:r>
             <a:endParaRPr lang="en-US" sz="2000" dirty="0">
               <a:solidFill>
@@ -19671,7 +20815,7 @@
                 <a:cs typeface="Roboto"/>
                 <a:sym typeface="Roboto"/>
               </a:rPr>
-              <a:t>Если первым завершится основной поток, то в зависимости от конфигурации фонового потока программа завершит свое выполнение или будет ждать завершения фоновых потоков.</a:t>
+              <a:t>Если первым завершится основной поток, то в зависимости от конфигурации вторичного потока программа завершит свое выполнение или будет ждать завершения вторичный потоков.</a:t>
             </a:r>
           </a:p>
           <a:p>
@@ -19693,7 +20837,7 @@
                 <a:cs typeface="Roboto"/>
                 <a:sym typeface="Roboto"/>
               </a:rPr>
-              <a:t> Если же первым завершится фоновый поток, то это не повлияет на остановку основного потока и программы соответственно.</a:t>
+              <a:t> Если же первым завершится вторичный поток, то это не повлияет на остановку основного потока и программы соответственно.</a:t>
             </a:r>
             <a:endParaRPr lang="en-US" sz="2000" dirty="0">
               <a:solidFill>
@@ -20202,6 +21346,848 @@
 </file>
 
 <file path=ppt/slides/slide5.xml><?xml version="1.0" encoding="utf-8"?>
+<p:sld xmlns:a="http://schemas.openxmlformats.org/drawingml/2006/main" xmlns:r="http://schemas.openxmlformats.org/officeDocument/2006/relationships" xmlns:p="http://schemas.openxmlformats.org/presentationml/2006/main">
+  <p:cSld>
+    <p:spTree>
+      <p:nvGrpSpPr>
+        <p:cNvPr id="1" name="Shape 193"/>
+        <p:cNvGrpSpPr/>
+        <p:nvPr/>
+      </p:nvGrpSpPr>
+      <p:grpSpPr>
+        <a:xfrm>
+          <a:off x="0" y="0"/>
+          <a:ext cx="0" cy="0"/>
+          <a:chOff x="0" y="0"/>
+          <a:chExt cx="0" cy="0"/>
+        </a:xfrm>
+      </p:grpSpPr>
+      <p:sp>
+        <p:nvSpPr>
+          <p:cNvPr id="194" name="Shape 194"/>
+          <p:cNvSpPr txBox="1"/>
+          <p:nvPr/>
+        </p:nvSpPr>
+        <p:spPr>
+          <a:xfrm>
+            <a:off x="1016512" y="2718780"/>
+            <a:ext cx="7344900" cy="308700"/>
+          </a:xfrm>
+          <a:prstGeom prst="rect">
+            <a:avLst/>
+          </a:prstGeom>
+          <a:noFill/>
+          <a:ln>
+            <a:noFill/>
+          </a:ln>
+        </p:spPr>
+        <p:txBody>
+          <a:bodyPr spcFirstLastPara="1" wrap="square" lIns="91425" tIns="45700" rIns="91425" bIns="45700" anchor="t" anchorCtr="0">
+            <a:noAutofit/>
+          </a:bodyPr>
+          <a:lstStyle/>
+          <a:p>
+            <a:pPr lvl="0"/>
+            <a:r>
+              <a:rPr lang="en-US" sz="1600" b="1" dirty="0">
+                <a:solidFill>
+                  <a:srgbClr val="262626"/>
+                </a:solidFill>
+                <a:latin typeface="Roboto"/>
+                <a:ea typeface="Roboto"/>
+                <a:cs typeface="Roboto"/>
+                <a:sym typeface="Roboto"/>
+              </a:rPr>
+              <a:t>Lowest</a:t>
+            </a:r>
+            <a:endParaRPr sz="1600" b="1" i="0" u="none" strike="noStrike" cap="none" dirty="0">
+              <a:solidFill>
+                <a:srgbClr val="595959"/>
+              </a:solidFill>
+              <a:latin typeface="Roboto"/>
+              <a:ea typeface="Roboto"/>
+              <a:cs typeface="Roboto"/>
+              <a:sym typeface="Roboto"/>
+            </a:endParaRPr>
+          </a:p>
+        </p:txBody>
+      </p:sp>
+      <p:sp>
+        <p:nvSpPr>
+          <p:cNvPr id="195" name="Shape 195"/>
+          <p:cNvSpPr txBox="1"/>
+          <p:nvPr/>
+        </p:nvSpPr>
+        <p:spPr>
+          <a:xfrm>
+            <a:off x="1016512" y="3386552"/>
+            <a:ext cx="7344900" cy="308700"/>
+          </a:xfrm>
+          <a:prstGeom prst="rect">
+            <a:avLst/>
+          </a:prstGeom>
+          <a:noFill/>
+          <a:ln>
+            <a:noFill/>
+          </a:ln>
+        </p:spPr>
+        <p:txBody>
+          <a:bodyPr spcFirstLastPara="1" wrap="square" lIns="91425" tIns="45700" rIns="91425" bIns="45700" anchor="t" anchorCtr="0">
+            <a:noAutofit/>
+          </a:bodyPr>
+          <a:lstStyle/>
+          <a:p>
+            <a:pPr lvl="0"/>
+            <a:r>
+              <a:rPr lang="en-US" sz="1600" b="1" dirty="0" err="1">
+                <a:solidFill>
+                  <a:srgbClr val="262626"/>
+                </a:solidFill>
+                <a:latin typeface="Roboto"/>
+                <a:ea typeface="Roboto"/>
+                <a:cs typeface="Roboto"/>
+                <a:sym typeface="Roboto"/>
+              </a:rPr>
+              <a:t>BelowNormal</a:t>
+            </a:r>
+            <a:endParaRPr sz="1600" b="1" dirty="0">
+              <a:solidFill>
+                <a:srgbClr val="595959"/>
+              </a:solidFill>
+              <a:latin typeface="Roboto"/>
+              <a:ea typeface="Roboto"/>
+              <a:cs typeface="Roboto"/>
+              <a:sym typeface="Roboto"/>
+            </a:endParaRPr>
+          </a:p>
+        </p:txBody>
+      </p:sp>
+      <p:cxnSp>
+        <p:nvCxnSpPr>
+          <p:cNvPr id="196" name="Shape 196"/>
+          <p:cNvCxnSpPr/>
+          <p:nvPr/>
+        </p:nvCxnSpPr>
+        <p:spPr>
+          <a:xfrm>
+            <a:off x="1141140" y="3869668"/>
+            <a:ext cx="6840900" cy="0"/>
+          </a:xfrm>
+          <a:prstGeom prst="straightConnector1">
+            <a:avLst/>
+          </a:prstGeom>
+          <a:noFill/>
+          <a:ln w="9525" cap="flat" cmpd="sng">
+            <a:solidFill>
+              <a:srgbClr val="F2F2F2"/>
+            </a:solidFill>
+            <a:prstDash val="solid"/>
+            <a:round/>
+            <a:headEnd type="none" w="med" len="med"/>
+            <a:tailEnd type="none" w="med" len="med"/>
+          </a:ln>
+        </p:spPr>
+      </p:cxnSp>
+      <p:sp>
+        <p:nvSpPr>
+          <p:cNvPr id="197" name="Shape 197"/>
+          <p:cNvSpPr txBox="1"/>
+          <p:nvPr/>
+        </p:nvSpPr>
+        <p:spPr>
+          <a:xfrm>
+            <a:off x="1016512" y="4043896"/>
+            <a:ext cx="7344900" cy="308700"/>
+          </a:xfrm>
+          <a:prstGeom prst="rect">
+            <a:avLst/>
+          </a:prstGeom>
+          <a:noFill/>
+          <a:ln>
+            <a:noFill/>
+          </a:ln>
+        </p:spPr>
+        <p:txBody>
+          <a:bodyPr spcFirstLastPara="1" wrap="square" lIns="91425" tIns="45700" rIns="91425" bIns="45700" anchor="t" anchorCtr="0">
+            <a:noAutofit/>
+          </a:bodyPr>
+          <a:lstStyle/>
+          <a:p>
+            <a:pPr lvl="0"/>
+            <a:r>
+              <a:rPr lang="en-US" sz="1600" b="1" dirty="0">
+                <a:solidFill>
+                  <a:srgbClr val="262626"/>
+                </a:solidFill>
+                <a:latin typeface="Roboto"/>
+                <a:ea typeface="Roboto"/>
+                <a:cs typeface="Roboto"/>
+                <a:sym typeface="Roboto"/>
+              </a:rPr>
+              <a:t>Normal</a:t>
+            </a:r>
+            <a:endParaRPr sz="1600" b="1" i="0" u="none" strike="noStrike" cap="none" dirty="0">
+              <a:solidFill>
+                <a:srgbClr val="595959"/>
+              </a:solidFill>
+              <a:latin typeface="Roboto"/>
+              <a:ea typeface="Roboto"/>
+              <a:cs typeface="Roboto"/>
+              <a:sym typeface="Roboto"/>
+            </a:endParaRPr>
+          </a:p>
+        </p:txBody>
+      </p:sp>
+      <p:sp>
+        <p:nvSpPr>
+          <p:cNvPr id="198" name="Shape 198"/>
+          <p:cNvSpPr txBox="1"/>
+          <p:nvPr/>
+        </p:nvSpPr>
+        <p:spPr>
+          <a:xfrm>
+            <a:off x="1016512" y="4701240"/>
+            <a:ext cx="7344900" cy="308700"/>
+          </a:xfrm>
+          <a:prstGeom prst="rect">
+            <a:avLst/>
+          </a:prstGeom>
+          <a:noFill/>
+          <a:ln>
+            <a:noFill/>
+          </a:ln>
+        </p:spPr>
+        <p:txBody>
+          <a:bodyPr spcFirstLastPara="1" wrap="square" lIns="91425" tIns="45700" rIns="91425" bIns="45700" anchor="t" anchorCtr="0">
+            <a:noAutofit/>
+          </a:bodyPr>
+          <a:lstStyle/>
+          <a:p>
+            <a:pPr lvl="0"/>
+            <a:r>
+              <a:rPr lang="en-US" sz="1600" b="1" dirty="0" err="1">
+                <a:solidFill>
+                  <a:srgbClr val="262626"/>
+                </a:solidFill>
+                <a:latin typeface="Roboto"/>
+                <a:ea typeface="Roboto"/>
+                <a:cs typeface="Roboto"/>
+                <a:sym typeface="Roboto"/>
+              </a:rPr>
+              <a:t>AboveNormal</a:t>
+            </a:r>
+            <a:endParaRPr sz="1600" b="1" i="0" u="none" strike="noStrike" cap="none" dirty="0">
+              <a:solidFill>
+                <a:srgbClr val="595959"/>
+              </a:solidFill>
+              <a:latin typeface="Roboto"/>
+              <a:ea typeface="Roboto"/>
+              <a:cs typeface="Roboto"/>
+              <a:sym typeface="Roboto"/>
+            </a:endParaRPr>
+          </a:p>
+        </p:txBody>
+      </p:sp>
+      <p:sp>
+        <p:nvSpPr>
+          <p:cNvPr id="199" name="Shape 199"/>
+          <p:cNvSpPr txBox="1"/>
+          <p:nvPr/>
+        </p:nvSpPr>
+        <p:spPr>
+          <a:xfrm>
+            <a:off x="1016512" y="5358584"/>
+            <a:ext cx="7344900" cy="308700"/>
+          </a:xfrm>
+          <a:prstGeom prst="rect">
+            <a:avLst/>
+          </a:prstGeom>
+          <a:noFill/>
+          <a:ln>
+            <a:noFill/>
+          </a:ln>
+        </p:spPr>
+        <p:txBody>
+          <a:bodyPr spcFirstLastPara="1" wrap="square" lIns="91425" tIns="45700" rIns="91425" bIns="45700" anchor="t" anchorCtr="0">
+            <a:noAutofit/>
+          </a:bodyPr>
+          <a:lstStyle/>
+          <a:p>
+            <a:pPr lvl="0"/>
+            <a:r>
+              <a:rPr lang="en-US" sz="1600" b="1" dirty="0">
+                <a:solidFill>
+                  <a:srgbClr val="262626"/>
+                </a:solidFill>
+                <a:latin typeface="Roboto"/>
+                <a:ea typeface="Roboto"/>
+                <a:cs typeface="Roboto"/>
+                <a:sym typeface="Roboto"/>
+              </a:rPr>
+              <a:t>Highest</a:t>
+            </a:r>
+            <a:endParaRPr sz="1600" b="1" i="0" u="none" strike="noStrike" cap="none" dirty="0">
+              <a:solidFill>
+                <a:srgbClr val="595959"/>
+              </a:solidFill>
+              <a:latin typeface="Roboto"/>
+              <a:ea typeface="Roboto"/>
+              <a:cs typeface="Roboto"/>
+              <a:sym typeface="Roboto"/>
+            </a:endParaRPr>
+          </a:p>
+        </p:txBody>
+      </p:sp>
+      <p:cxnSp>
+        <p:nvCxnSpPr>
+          <p:cNvPr id="201" name="Shape 201"/>
+          <p:cNvCxnSpPr/>
+          <p:nvPr/>
+        </p:nvCxnSpPr>
+        <p:spPr>
+          <a:xfrm>
+            <a:off x="1141140" y="3196352"/>
+            <a:ext cx="6840900" cy="0"/>
+          </a:xfrm>
+          <a:prstGeom prst="straightConnector1">
+            <a:avLst/>
+          </a:prstGeom>
+          <a:noFill/>
+          <a:ln w="9525" cap="flat" cmpd="sng">
+            <a:solidFill>
+              <a:srgbClr val="F2F2F2"/>
+            </a:solidFill>
+            <a:prstDash val="solid"/>
+            <a:round/>
+            <a:headEnd type="none" w="med" len="med"/>
+            <a:tailEnd type="none" w="med" len="med"/>
+          </a:ln>
+        </p:spPr>
+      </p:cxnSp>
+      <p:cxnSp>
+        <p:nvCxnSpPr>
+          <p:cNvPr id="202" name="Shape 202"/>
+          <p:cNvCxnSpPr/>
+          <p:nvPr/>
+        </p:nvCxnSpPr>
+        <p:spPr>
+          <a:xfrm>
+            <a:off x="1141140" y="4500880"/>
+            <a:ext cx="6840900" cy="0"/>
+          </a:xfrm>
+          <a:prstGeom prst="straightConnector1">
+            <a:avLst/>
+          </a:prstGeom>
+          <a:noFill/>
+          <a:ln w="9525" cap="flat" cmpd="sng">
+            <a:solidFill>
+              <a:srgbClr val="F2F2F2"/>
+            </a:solidFill>
+            <a:prstDash val="solid"/>
+            <a:round/>
+            <a:headEnd type="none" w="med" len="med"/>
+            <a:tailEnd type="none" w="med" len="med"/>
+          </a:ln>
+        </p:spPr>
+      </p:cxnSp>
+      <p:cxnSp>
+        <p:nvCxnSpPr>
+          <p:cNvPr id="203" name="Shape 203"/>
+          <p:cNvCxnSpPr/>
+          <p:nvPr/>
+        </p:nvCxnSpPr>
+        <p:spPr>
+          <a:xfrm>
+            <a:off x="1141140" y="5158224"/>
+            <a:ext cx="6768900" cy="0"/>
+          </a:xfrm>
+          <a:prstGeom prst="straightConnector1">
+            <a:avLst/>
+          </a:prstGeom>
+          <a:noFill/>
+          <a:ln w="9525" cap="flat" cmpd="sng">
+            <a:solidFill>
+              <a:srgbClr val="F2F2F2"/>
+            </a:solidFill>
+            <a:prstDash val="solid"/>
+            <a:round/>
+            <a:headEnd type="none" w="med" len="med"/>
+            <a:tailEnd type="none" w="med" len="med"/>
+          </a:ln>
+        </p:spPr>
+      </p:cxnSp>
+      <p:pic>
+        <p:nvPicPr>
+          <p:cNvPr id="205" name="Shape 205"/>
+          <p:cNvPicPr preferRelativeResize="0"/>
+          <p:nvPr/>
+        </p:nvPicPr>
+        <p:blipFill>
+          <a:blip r:embed="rId3">
+            <a:alphaModFix/>
+          </a:blip>
+          <a:stretch>
+            <a:fillRect/>
+          </a:stretch>
+        </p:blipFill>
+        <p:spPr>
+          <a:xfrm>
+            <a:off x="353700" y="302000"/>
+            <a:ext cx="1741800" cy="502875"/>
+          </a:xfrm>
+          <a:prstGeom prst="rect">
+            <a:avLst/>
+          </a:prstGeom>
+          <a:noFill/>
+          <a:ln>
+            <a:noFill/>
+          </a:ln>
+        </p:spPr>
+      </p:pic>
+      <p:sp>
+        <p:nvSpPr>
+          <p:cNvPr id="206" name="Shape 206"/>
+          <p:cNvSpPr/>
+          <p:nvPr/>
+        </p:nvSpPr>
+        <p:spPr>
+          <a:xfrm>
+            <a:off x="7145316" y="408237"/>
+            <a:ext cx="1856100" cy="290400"/>
+          </a:xfrm>
+          <a:prstGeom prst="roundRect">
+            <a:avLst>
+              <a:gd name="adj" fmla="val 0"/>
+            </a:avLst>
+          </a:prstGeom>
+          <a:noFill/>
+          <a:ln>
+            <a:noFill/>
+          </a:ln>
+        </p:spPr>
+        <p:txBody>
+          <a:bodyPr spcFirstLastPara="1" wrap="square" lIns="91425" tIns="45700" rIns="91425" bIns="45700" anchor="ctr" anchorCtr="0">
+            <a:noAutofit/>
+          </a:bodyPr>
+          <a:lstStyle/>
+          <a:p>
+            <a:pPr marL="0" marR="0" lvl="0" indent="0" algn="ctr" rtl="0">
+              <a:spcBef>
+                <a:spcPts val="0"/>
+              </a:spcBef>
+              <a:spcAft>
+                <a:spcPts val="0"/>
+              </a:spcAft>
+              <a:buClr>
+                <a:schemeClr val="lt1"/>
+              </a:buClr>
+              <a:buSzPts val="1200"/>
+              <a:buFont typeface="Arial"/>
+              <a:buNone/>
+            </a:pPr>
+            <a:r>
+              <a:rPr lang="en-US" sz="1500" b="1" i="0" strike="noStrike" cap="none">
+                <a:solidFill>
+                  <a:srgbClr val="262626"/>
+                </a:solidFill>
+                <a:latin typeface="Roboto"/>
+                <a:ea typeface="Roboto"/>
+                <a:cs typeface="Roboto"/>
+                <a:sym typeface="Roboto"/>
+              </a:rPr>
+              <a:t>www.itea.ua</a:t>
+            </a:r>
+            <a:endParaRPr sz="1500" b="1" i="0" strike="noStrike" cap="none">
+              <a:solidFill>
+                <a:srgbClr val="262626"/>
+              </a:solidFill>
+              <a:latin typeface="Roboto"/>
+              <a:ea typeface="Roboto"/>
+              <a:cs typeface="Roboto"/>
+              <a:sym typeface="Roboto"/>
+            </a:endParaRPr>
+          </a:p>
+        </p:txBody>
+      </p:sp>
+      <p:sp>
+        <p:nvSpPr>
+          <p:cNvPr id="207" name="Shape 207"/>
+          <p:cNvSpPr/>
+          <p:nvPr/>
+        </p:nvSpPr>
+        <p:spPr>
+          <a:xfrm>
+            <a:off x="508375" y="3359975"/>
+            <a:ext cx="365700" cy="365700"/>
+          </a:xfrm>
+          <a:prstGeom prst="rect">
+            <a:avLst/>
+          </a:prstGeom>
+          <a:noFill/>
+          <a:ln w="19050" cap="flat" cmpd="sng">
+            <a:solidFill>
+              <a:srgbClr val="262626"/>
+            </a:solidFill>
+            <a:prstDash val="solid"/>
+            <a:round/>
+            <a:headEnd type="none" w="med" len="med"/>
+            <a:tailEnd type="none" w="med" len="med"/>
+          </a:ln>
+        </p:spPr>
+        <p:txBody>
+          <a:bodyPr spcFirstLastPara="1" wrap="square" lIns="91425" tIns="91425" rIns="91425" bIns="91425" anchor="ctr" anchorCtr="0">
+            <a:noAutofit/>
+          </a:bodyPr>
+          <a:lstStyle/>
+          <a:p>
+            <a:pPr marL="0" lvl="0" indent="0" algn="ctr">
+              <a:spcBef>
+                <a:spcPts val="0"/>
+              </a:spcBef>
+              <a:spcAft>
+                <a:spcPts val="0"/>
+              </a:spcAft>
+              <a:buNone/>
+            </a:pPr>
+            <a:r>
+              <a:rPr lang="en-US" b="1">
+                <a:latin typeface="Roboto"/>
+                <a:ea typeface="Roboto"/>
+                <a:cs typeface="Roboto"/>
+                <a:sym typeface="Roboto"/>
+              </a:rPr>
+              <a:t>2</a:t>
+            </a:r>
+            <a:endParaRPr b="1">
+              <a:latin typeface="Roboto"/>
+              <a:ea typeface="Roboto"/>
+              <a:cs typeface="Roboto"/>
+              <a:sym typeface="Roboto"/>
+            </a:endParaRPr>
+          </a:p>
+        </p:txBody>
+      </p:sp>
+      <p:sp>
+        <p:nvSpPr>
+          <p:cNvPr id="208" name="Shape 208"/>
+          <p:cNvSpPr/>
+          <p:nvPr/>
+        </p:nvSpPr>
+        <p:spPr>
+          <a:xfrm>
+            <a:off x="508375" y="2692180"/>
+            <a:ext cx="365700" cy="365700"/>
+          </a:xfrm>
+          <a:prstGeom prst="rect">
+            <a:avLst/>
+          </a:prstGeom>
+          <a:noFill/>
+          <a:ln w="19050" cap="flat" cmpd="sng">
+            <a:solidFill>
+              <a:srgbClr val="CC0000"/>
+            </a:solidFill>
+            <a:prstDash val="solid"/>
+            <a:round/>
+            <a:headEnd type="none" w="med" len="med"/>
+            <a:tailEnd type="none" w="med" len="med"/>
+          </a:ln>
+        </p:spPr>
+        <p:txBody>
+          <a:bodyPr spcFirstLastPara="1" wrap="square" lIns="91425" tIns="91425" rIns="91425" bIns="91425" anchor="ctr" anchorCtr="0">
+            <a:noAutofit/>
+          </a:bodyPr>
+          <a:lstStyle/>
+          <a:p>
+            <a:pPr marL="0" lvl="0" indent="0" algn="ctr">
+              <a:spcBef>
+                <a:spcPts val="0"/>
+              </a:spcBef>
+              <a:spcAft>
+                <a:spcPts val="0"/>
+              </a:spcAft>
+              <a:buNone/>
+            </a:pPr>
+            <a:r>
+              <a:rPr lang="en-US" b="1">
+                <a:solidFill>
+                  <a:srgbClr val="CC0000"/>
+                </a:solidFill>
+                <a:latin typeface="Roboto"/>
+                <a:ea typeface="Roboto"/>
+                <a:cs typeface="Roboto"/>
+                <a:sym typeface="Roboto"/>
+              </a:rPr>
+              <a:t>1</a:t>
+            </a:r>
+            <a:endParaRPr b="1">
+              <a:solidFill>
+                <a:srgbClr val="CC0000"/>
+              </a:solidFill>
+              <a:latin typeface="Roboto"/>
+              <a:ea typeface="Roboto"/>
+              <a:cs typeface="Roboto"/>
+              <a:sym typeface="Roboto"/>
+            </a:endParaRPr>
+          </a:p>
+        </p:txBody>
+      </p:sp>
+      <p:sp>
+        <p:nvSpPr>
+          <p:cNvPr id="209" name="Shape 209"/>
+          <p:cNvSpPr/>
+          <p:nvPr/>
+        </p:nvSpPr>
+        <p:spPr>
+          <a:xfrm>
+            <a:off x="508375" y="4017305"/>
+            <a:ext cx="365700" cy="365700"/>
+          </a:xfrm>
+          <a:prstGeom prst="rect">
+            <a:avLst/>
+          </a:prstGeom>
+          <a:noFill/>
+          <a:ln w="19050" cap="flat" cmpd="sng">
+            <a:solidFill>
+              <a:srgbClr val="CC0000"/>
+            </a:solidFill>
+            <a:prstDash val="solid"/>
+            <a:round/>
+            <a:headEnd type="none" w="med" len="med"/>
+            <a:tailEnd type="none" w="med" len="med"/>
+          </a:ln>
+        </p:spPr>
+        <p:txBody>
+          <a:bodyPr spcFirstLastPara="1" wrap="square" lIns="91425" tIns="91425" rIns="91425" bIns="91425" anchor="ctr" anchorCtr="0">
+            <a:noAutofit/>
+          </a:bodyPr>
+          <a:lstStyle/>
+          <a:p>
+            <a:pPr marL="0" lvl="0" indent="0" algn="ctr">
+              <a:spcBef>
+                <a:spcPts val="0"/>
+              </a:spcBef>
+              <a:spcAft>
+                <a:spcPts val="0"/>
+              </a:spcAft>
+              <a:buNone/>
+            </a:pPr>
+            <a:r>
+              <a:rPr lang="en-US" b="1">
+                <a:solidFill>
+                  <a:srgbClr val="CC0000"/>
+                </a:solidFill>
+                <a:latin typeface="Roboto"/>
+                <a:ea typeface="Roboto"/>
+                <a:cs typeface="Roboto"/>
+                <a:sym typeface="Roboto"/>
+              </a:rPr>
+              <a:t>3</a:t>
+            </a:r>
+            <a:endParaRPr b="1">
+              <a:solidFill>
+                <a:srgbClr val="CC0000"/>
+              </a:solidFill>
+              <a:latin typeface="Roboto"/>
+              <a:ea typeface="Roboto"/>
+              <a:cs typeface="Roboto"/>
+              <a:sym typeface="Roboto"/>
+            </a:endParaRPr>
+          </a:p>
+        </p:txBody>
+      </p:sp>
+      <p:sp>
+        <p:nvSpPr>
+          <p:cNvPr id="210" name="Shape 210"/>
+          <p:cNvSpPr/>
+          <p:nvPr/>
+        </p:nvSpPr>
+        <p:spPr>
+          <a:xfrm>
+            <a:off x="508375" y="4674748"/>
+            <a:ext cx="365700" cy="365700"/>
+          </a:xfrm>
+          <a:prstGeom prst="rect">
+            <a:avLst/>
+          </a:prstGeom>
+          <a:noFill/>
+          <a:ln w="19050" cap="flat" cmpd="sng">
+            <a:solidFill>
+              <a:srgbClr val="262626"/>
+            </a:solidFill>
+            <a:prstDash val="solid"/>
+            <a:round/>
+            <a:headEnd type="none" w="med" len="med"/>
+            <a:tailEnd type="none" w="med" len="med"/>
+          </a:ln>
+        </p:spPr>
+        <p:txBody>
+          <a:bodyPr spcFirstLastPara="1" wrap="square" lIns="91425" tIns="91425" rIns="91425" bIns="91425" anchor="ctr" anchorCtr="0">
+            <a:noAutofit/>
+          </a:bodyPr>
+          <a:lstStyle/>
+          <a:p>
+            <a:pPr marL="0" lvl="0" indent="0" algn="ctr">
+              <a:spcBef>
+                <a:spcPts val="0"/>
+              </a:spcBef>
+              <a:spcAft>
+                <a:spcPts val="0"/>
+              </a:spcAft>
+              <a:buNone/>
+            </a:pPr>
+            <a:r>
+              <a:rPr lang="en-US" b="1">
+                <a:latin typeface="Roboto"/>
+                <a:ea typeface="Roboto"/>
+                <a:cs typeface="Roboto"/>
+                <a:sym typeface="Roboto"/>
+              </a:rPr>
+              <a:t>4</a:t>
+            </a:r>
+            <a:endParaRPr b="1">
+              <a:latin typeface="Roboto"/>
+              <a:ea typeface="Roboto"/>
+              <a:cs typeface="Roboto"/>
+              <a:sym typeface="Roboto"/>
+            </a:endParaRPr>
+          </a:p>
+        </p:txBody>
+      </p:sp>
+      <p:sp>
+        <p:nvSpPr>
+          <p:cNvPr id="211" name="Shape 211"/>
+          <p:cNvSpPr/>
+          <p:nvPr/>
+        </p:nvSpPr>
+        <p:spPr>
+          <a:xfrm>
+            <a:off x="508375" y="5332103"/>
+            <a:ext cx="365700" cy="365700"/>
+          </a:xfrm>
+          <a:prstGeom prst="rect">
+            <a:avLst/>
+          </a:prstGeom>
+          <a:noFill/>
+          <a:ln w="19050" cap="flat" cmpd="sng">
+            <a:solidFill>
+              <a:srgbClr val="CC0000"/>
+            </a:solidFill>
+            <a:prstDash val="solid"/>
+            <a:round/>
+            <a:headEnd type="none" w="med" len="med"/>
+            <a:tailEnd type="none" w="med" len="med"/>
+          </a:ln>
+        </p:spPr>
+        <p:txBody>
+          <a:bodyPr spcFirstLastPara="1" wrap="square" lIns="91425" tIns="91425" rIns="91425" bIns="91425" anchor="ctr" anchorCtr="0">
+            <a:noAutofit/>
+          </a:bodyPr>
+          <a:lstStyle/>
+          <a:p>
+            <a:pPr marL="0" lvl="0" indent="0" algn="ctr">
+              <a:spcBef>
+                <a:spcPts val="0"/>
+              </a:spcBef>
+              <a:spcAft>
+                <a:spcPts val="0"/>
+              </a:spcAft>
+              <a:buNone/>
+            </a:pPr>
+            <a:r>
+              <a:rPr lang="en-US" b="1">
+                <a:solidFill>
+                  <a:srgbClr val="CC0000"/>
+                </a:solidFill>
+                <a:latin typeface="Roboto"/>
+                <a:ea typeface="Roboto"/>
+                <a:cs typeface="Roboto"/>
+                <a:sym typeface="Roboto"/>
+              </a:rPr>
+              <a:t>5</a:t>
+            </a:r>
+            <a:endParaRPr b="1">
+              <a:solidFill>
+                <a:srgbClr val="CC0000"/>
+              </a:solidFill>
+              <a:latin typeface="Roboto"/>
+              <a:ea typeface="Roboto"/>
+              <a:cs typeface="Roboto"/>
+              <a:sym typeface="Roboto"/>
+            </a:endParaRPr>
+          </a:p>
+        </p:txBody>
+      </p:sp>
+      <p:sp>
+        <p:nvSpPr>
+          <p:cNvPr id="213" name="Shape 213"/>
+          <p:cNvSpPr txBox="1">
+            <a:spLocks noGrp="1"/>
+          </p:cNvSpPr>
+          <p:nvPr>
+            <p:ph type="title" idx="4294967295"/>
+          </p:nvPr>
+        </p:nvSpPr>
+        <p:spPr>
+          <a:xfrm>
+            <a:off x="419900" y="1289063"/>
+            <a:ext cx="8190600" cy="1143000"/>
+          </a:xfrm>
+          <a:prstGeom prst="rect">
+            <a:avLst/>
+          </a:prstGeom>
+          <a:noFill/>
+          <a:ln>
+            <a:noFill/>
+          </a:ln>
+        </p:spPr>
+        <p:txBody>
+          <a:bodyPr spcFirstLastPara="1" wrap="square" lIns="91425" tIns="45700" rIns="91425" bIns="45700" anchor="ctr" anchorCtr="0">
+            <a:noAutofit/>
+          </a:bodyPr>
+          <a:lstStyle/>
+          <a:p>
+            <a:pPr lvl="0" algn="l"/>
+            <a:r>
+              <a:rPr lang="ru-RU" b="1" dirty="0">
+                <a:solidFill>
+                  <a:srgbClr val="262626"/>
+                </a:solidFill>
+                <a:latin typeface="Roboto"/>
+                <a:ea typeface="Roboto"/>
+                <a:cs typeface="Roboto"/>
+                <a:sym typeface="Roboto"/>
+              </a:rPr>
+              <a:t>Приоритеты потоков </a:t>
+            </a:r>
+            <a:endParaRPr sz="4100" b="1" i="0" u="none" strike="noStrike" cap="none" dirty="0">
+              <a:solidFill>
+                <a:schemeClr val="dk1"/>
+              </a:solidFill>
+              <a:latin typeface="Roboto"/>
+              <a:ea typeface="Roboto"/>
+              <a:cs typeface="Roboto"/>
+              <a:sym typeface="Roboto"/>
+            </a:endParaRPr>
+          </a:p>
+        </p:txBody>
+      </p:sp>
+    </p:spTree>
+    <p:extLst>
+      <p:ext uri="{BB962C8B-B14F-4D97-AF65-F5344CB8AC3E}">
+        <p14:creationId xmlns:p14="http://schemas.microsoft.com/office/powerpoint/2010/main" val="3091108619"/>
+      </p:ext>
+    </p:extLst>
+  </p:cSld>
+  <p:clrMapOvr>
+    <a:masterClrMapping/>
+  </p:clrMapOvr>
+  <p:transition>
+    <p:fade/>
+  </p:transition>
+</p:sld>
+</file>
+
+<file path=ppt/slides/slide6.xml><?xml version="1.0" encoding="utf-8"?>
 <p:sld xmlns:a="http://schemas.openxmlformats.org/drawingml/2006/main" xmlns:r="http://schemas.openxmlformats.org/officeDocument/2006/relationships" xmlns:p="http://schemas.openxmlformats.org/presentationml/2006/main">
   <p:cSld>
     <p:spTree>
@@ -20645,7 +22631,7 @@
 </p:sld>
 </file>
 
-<file path=ppt/slides/slide6.xml><?xml version="1.0" encoding="utf-8"?>
+<file path=ppt/slides/slide7.xml><?xml version="1.0" encoding="utf-8"?>
 <p:sld xmlns:a="http://schemas.openxmlformats.org/drawingml/2006/main" xmlns:r="http://schemas.openxmlformats.org/officeDocument/2006/relationships" xmlns:p="http://schemas.openxmlformats.org/presentationml/2006/main">
   <p:cSld>
     <p:spTree>
@@ -21068,7 +23054,7 @@
 </p:sld>
 </file>
 
-<file path=ppt/slides/slide7.xml><?xml version="1.0" encoding="utf-8"?>
+<file path=ppt/slides/slide8.xml><?xml version="1.0" encoding="utf-8"?>
 <p:sld xmlns:a="http://schemas.openxmlformats.org/drawingml/2006/main" xmlns:r="http://schemas.openxmlformats.org/officeDocument/2006/relationships" xmlns:p="http://schemas.openxmlformats.org/presentationml/2006/main">
   <p:cSld>
     <p:spTree>
@@ -21551,7 +23537,7 @@
 </p:sld>
 </file>
 
-<file path=ppt/slides/slide8.xml><?xml version="1.0" encoding="utf-8"?>
+<file path=ppt/slides/slide9.xml><?xml version="1.0" encoding="utf-8"?>
 <p:sld xmlns:a="http://schemas.openxmlformats.org/drawingml/2006/main" xmlns:r="http://schemas.openxmlformats.org/officeDocument/2006/relationships" xmlns:p="http://schemas.openxmlformats.org/presentationml/2006/main">
   <p:cSld>
     <p:spTree>
@@ -22040,457 +24026,6 @@
     <p:extLst>
       <p:ext uri="{BB962C8B-B14F-4D97-AF65-F5344CB8AC3E}">
         <p14:creationId xmlns:p14="http://schemas.microsoft.com/office/powerpoint/2010/main" val="335304987"/>
-      </p:ext>
-    </p:extLst>
-  </p:cSld>
-  <p:clrMapOvr>
-    <a:masterClrMapping/>
-  </p:clrMapOvr>
-  <p:transition>
-    <p:fade/>
-  </p:transition>
-</p:sld>
-</file>
-
-<file path=ppt/slides/slide9.xml><?xml version="1.0" encoding="utf-8"?>
-<p:sld xmlns:a="http://schemas.openxmlformats.org/drawingml/2006/main" xmlns:r="http://schemas.openxmlformats.org/officeDocument/2006/relationships" xmlns:p="http://schemas.openxmlformats.org/presentationml/2006/main">
-  <p:cSld>
-    <p:spTree>
-      <p:nvGrpSpPr>
-        <p:cNvPr id="1" name="Shape 156"/>
-        <p:cNvGrpSpPr/>
-        <p:nvPr/>
-      </p:nvGrpSpPr>
-      <p:grpSpPr>
-        <a:xfrm>
-          <a:off x="0" y="0"/>
-          <a:ext cx="0" cy="0"/>
-          <a:chOff x="0" y="0"/>
-          <a:chExt cx="0" cy="0"/>
-        </a:xfrm>
-      </p:grpSpPr>
-      <p:sp>
-        <p:nvSpPr>
-          <p:cNvPr id="158" name="Shape 158"/>
-          <p:cNvSpPr txBox="1">
-            <a:spLocks noGrp="1"/>
-          </p:cNvSpPr>
-          <p:nvPr>
-            <p:ph type="title"/>
-          </p:nvPr>
-        </p:nvSpPr>
-        <p:spPr>
-          <a:xfrm>
-            <a:off x="467326" y="1277488"/>
-            <a:ext cx="8229600" cy="1143000"/>
-          </a:xfrm>
-          <a:prstGeom prst="rect">
-            <a:avLst/>
-          </a:prstGeom>
-          <a:noFill/>
-          <a:ln>
-            <a:noFill/>
-          </a:ln>
-        </p:spPr>
-        <p:txBody>
-          <a:bodyPr spcFirstLastPara="1" wrap="square" lIns="91425" tIns="45700" rIns="91425" bIns="45700" anchor="ctr" anchorCtr="0">
-            <a:noAutofit/>
-          </a:bodyPr>
-          <a:lstStyle/>
-          <a:p>
-            <a:pPr marL="0" marR="0" lvl="0" indent="0" algn="l" rtl="0">
-              <a:spcBef>
-                <a:spcPts val="0"/>
-              </a:spcBef>
-              <a:spcAft>
-                <a:spcPts val="0"/>
-              </a:spcAft>
-              <a:buClr>
-                <a:schemeClr val="dk1"/>
-              </a:buClr>
-              <a:buSzPts val="4400"/>
-              <a:buFont typeface="Calibri"/>
-              <a:buNone/>
-            </a:pPr>
-            <a:r>
-              <a:rPr lang="en-US" sz="4100" b="1" i="0" u="none" strike="noStrike" cap="none" dirty="0">
-                <a:solidFill>
-                  <a:srgbClr val="262626"/>
-                </a:solidFill>
-                <a:latin typeface="Roboto"/>
-                <a:ea typeface="Roboto"/>
-                <a:cs typeface="Roboto"/>
-                <a:sym typeface="Roboto"/>
-              </a:rPr>
-              <a:t>Parallel</a:t>
-            </a:r>
-            <a:endParaRPr sz="4100" b="1" i="0" u="none" strike="noStrike" cap="none" dirty="0">
-              <a:solidFill>
-                <a:srgbClr val="262626"/>
-              </a:solidFill>
-              <a:latin typeface="Roboto"/>
-              <a:ea typeface="Roboto"/>
-              <a:cs typeface="Roboto"/>
-              <a:sym typeface="Roboto"/>
-            </a:endParaRPr>
-          </a:p>
-        </p:txBody>
-      </p:sp>
-      <p:sp>
-        <p:nvSpPr>
-          <p:cNvPr id="159" name="Shape 159"/>
-          <p:cNvSpPr/>
-          <p:nvPr/>
-        </p:nvSpPr>
-        <p:spPr>
-          <a:xfrm>
-            <a:off x="7145316" y="408237"/>
-            <a:ext cx="1856100" cy="290400"/>
-          </a:xfrm>
-          <a:prstGeom prst="roundRect">
-            <a:avLst>
-              <a:gd name="adj" fmla="val 0"/>
-            </a:avLst>
-          </a:prstGeom>
-          <a:noFill/>
-          <a:ln>
-            <a:noFill/>
-          </a:ln>
-        </p:spPr>
-        <p:txBody>
-          <a:bodyPr spcFirstLastPara="1" wrap="square" lIns="91425" tIns="45700" rIns="91425" bIns="45700" anchor="ctr" anchorCtr="0">
-            <a:noAutofit/>
-          </a:bodyPr>
-          <a:lstStyle/>
-          <a:p>
-            <a:pPr marL="0" marR="0" lvl="0" indent="0" algn="ctr" rtl="0">
-              <a:spcBef>
-                <a:spcPts val="0"/>
-              </a:spcBef>
-              <a:spcAft>
-                <a:spcPts val="0"/>
-              </a:spcAft>
-              <a:buClr>
-                <a:schemeClr val="lt1"/>
-              </a:buClr>
-              <a:buSzPts val="1200"/>
-              <a:buFont typeface="Arial"/>
-              <a:buNone/>
-            </a:pPr>
-            <a:r>
-              <a:rPr lang="en-US" sz="1500" b="1" i="0" strike="noStrike" cap="none">
-                <a:solidFill>
-                  <a:srgbClr val="262626"/>
-                </a:solidFill>
-                <a:latin typeface="Roboto"/>
-                <a:ea typeface="Roboto"/>
-                <a:cs typeface="Roboto"/>
-                <a:sym typeface="Roboto"/>
-              </a:rPr>
-              <a:t>www.itea.ua</a:t>
-            </a:r>
-            <a:endParaRPr sz="1500" b="1" i="0" strike="noStrike" cap="none">
-              <a:solidFill>
-                <a:srgbClr val="262626"/>
-              </a:solidFill>
-              <a:latin typeface="Roboto"/>
-              <a:ea typeface="Roboto"/>
-              <a:cs typeface="Roboto"/>
-              <a:sym typeface="Roboto"/>
-            </a:endParaRPr>
-          </a:p>
-        </p:txBody>
-      </p:sp>
-      <p:sp>
-        <p:nvSpPr>
-          <p:cNvPr id="160" name="Shape 160"/>
-          <p:cNvSpPr/>
-          <p:nvPr/>
-        </p:nvSpPr>
-        <p:spPr>
-          <a:xfrm rot="10800000" flipH="1">
-            <a:off x="0" y="1127850"/>
-            <a:ext cx="3143100" cy="42300"/>
-          </a:xfrm>
-          <a:prstGeom prst="rect">
-            <a:avLst/>
-          </a:prstGeom>
-          <a:solidFill>
-            <a:srgbClr val="CC0000"/>
-          </a:solidFill>
-          <a:ln>
-            <a:noFill/>
-          </a:ln>
-        </p:spPr>
-        <p:txBody>
-          <a:bodyPr spcFirstLastPara="1" wrap="square" lIns="91425" tIns="91425" rIns="91425" bIns="91425" anchor="ctr" anchorCtr="0">
-            <a:noAutofit/>
-          </a:bodyPr>
-          <a:lstStyle/>
-          <a:p>
-            <a:pPr marL="0" lvl="0" indent="0">
-              <a:spcBef>
-                <a:spcPts val="0"/>
-              </a:spcBef>
-              <a:spcAft>
-                <a:spcPts val="0"/>
-              </a:spcAft>
-              <a:buNone/>
-            </a:pPr>
-            <a:r>
-              <a:rPr lang="en-US"/>
-              <a:t>                                                                                     </a:t>
-            </a:r>
-            <a:endParaRPr/>
-          </a:p>
-        </p:txBody>
-      </p:sp>
-      <p:sp>
-        <p:nvSpPr>
-          <p:cNvPr id="161" name="Shape 161"/>
-          <p:cNvSpPr/>
-          <p:nvPr/>
-        </p:nvSpPr>
-        <p:spPr>
-          <a:xfrm rot="10800000" flipH="1">
-            <a:off x="3067050" y="1127850"/>
-            <a:ext cx="3143100" cy="42300"/>
-          </a:xfrm>
-          <a:prstGeom prst="rect">
-            <a:avLst/>
-          </a:prstGeom>
-          <a:solidFill>
-            <a:srgbClr val="262626"/>
-          </a:solidFill>
-          <a:ln>
-            <a:noFill/>
-          </a:ln>
-        </p:spPr>
-        <p:txBody>
-          <a:bodyPr spcFirstLastPara="1" wrap="square" lIns="91425" tIns="91425" rIns="91425" bIns="91425" anchor="ctr" anchorCtr="0">
-            <a:noAutofit/>
-          </a:bodyPr>
-          <a:lstStyle/>
-          <a:p>
-            <a:pPr marL="0" lvl="0" indent="0">
-              <a:spcBef>
-                <a:spcPts val="0"/>
-              </a:spcBef>
-              <a:spcAft>
-                <a:spcPts val="0"/>
-              </a:spcAft>
-              <a:buNone/>
-            </a:pPr>
-            <a:endParaRPr/>
-          </a:p>
-        </p:txBody>
-      </p:sp>
-      <p:pic>
-        <p:nvPicPr>
-          <p:cNvPr id="162" name="Shape 162"/>
-          <p:cNvPicPr preferRelativeResize="0"/>
-          <p:nvPr/>
-        </p:nvPicPr>
-        <p:blipFill>
-          <a:blip r:embed="rId3">
-            <a:alphaModFix/>
-          </a:blip>
-          <a:stretch>
-            <a:fillRect/>
-          </a:stretch>
-        </p:blipFill>
-        <p:spPr>
-          <a:xfrm>
-            <a:off x="353700" y="302000"/>
-            <a:ext cx="1741800" cy="502875"/>
-          </a:xfrm>
-          <a:prstGeom prst="rect">
-            <a:avLst/>
-          </a:prstGeom>
-          <a:noFill/>
-          <a:ln>
-            <a:noFill/>
-          </a:ln>
-        </p:spPr>
-      </p:pic>
-      <p:sp>
-        <p:nvSpPr>
-          <p:cNvPr id="163" name="Shape 163"/>
-          <p:cNvSpPr txBox="1"/>
-          <p:nvPr/>
-        </p:nvSpPr>
-        <p:spPr>
-          <a:xfrm>
-            <a:off x="495374" y="2420487"/>
-            <a:ext cx="8181300" cy="4029275"/>
-          </a:xfrm>
-          <a:prstGeom prst="rect">
-            <a:avLst/>
-          </a:prstGeom>
-          <a:noFill/>
-          <a:ln>
-            <a:noFill/>
-          </a:ln>
-        </p:spPr>
-        <p:txBody>
-          <a:bodyPr spcFirstLastPara="1" wrap="square" lIns="91425" tIns="45700" rIns="91425" bIns="45700" anchor="ctr" anchorCtr="0">
-            <a:noAutofit/>
-          </a:bodyPr>
-          <a:lstStyle/>
-          <a:p>
-            <a:pPr lvl="0" indent="-12700">
-              <a:spcAft>
-                <a:spcPts val="1200"/>
-              </a:spcAft>
-              <a:buSzPts val="2000"/>
-              <a:buFont typeface="Noto Sans Symbols"/>
-              <a:buChar char="▪"/>
-            </a:pPr>
-            <a:r>
-              <a:rPr lang="ru-RU" sz="2000" dirty="0">
-                <a:latin typeface="Roboto"/>
-                <a:ea typeface="Roboto"/>
-                <a:sym typeface="Calibri"/>
-              </a:rPr>
-              <a:t> Частью библиотеки паралельных задач </a:t>
-            </a:r>
-            <a:r>
-              <a:rPr lang="en-US" sz="2000" b="1" dirty="0">
-                <a:latin typeface="Roboto"/>
-                <a:ea typeface="Roboto"/>
-                <a:sym typeface="Calibri"/>
-              </a:rPr>
-              <a:t>TPL (Task Parallel Library)</a:t>
-            </a:r>
-            <a:r>
-              <a:rPr lang="en-US" sz="2000" dirty="0">
-                <a:latin typeface="Roboto"/>
-                <a:ea typeface="Roboto"/>
-                <a:sym typeface="Calibri"/>
-              </a:rPr>
-              <a:t> </a:t>
-            </a:r>
-            <a:r>
-              <a:rPr lang="ru-RU" sz="2000" dirty="0">
-                <a:latin typeface="Roboto"/>
-                <a:ea typeface="Roboto"/>
-                <a:sym typeface="Calibri"/>
-              </a:rPr>
-              <a:t>является также статическмий класс </a:t>
-            </a:r>
-            <a:r>
-              <a:rPr lang="en-US" sz="2000" b="1" dirty="0">
-                <a:latin typeface="Roboto"/>
-                <a:ea typeface="Roboto"/>
-                <a:sym typeface="Calibri"/>
-              </a:rPr>
-              <a:t>Parallel.</a:t>
-            </a:r>
-          </a:p>
-          <a:p>
-            <a:pPr lvl="0" indent="-12700">
-              <a:spcAft>
-                <a:spcPts val="1200"/>
-              </a:spcAft>
-              <a:buSzPts val="2000"/>
-              <a:buFont typeface="Noto Sans Symbols"/>
-              <a:buChar char="▪"/>
-            </a:pPr>
-            <a:r>
-              <a:rPr lang="en-US" sz="2000" b="1" i="0" u="none" strike="noStrike" cap="none" dirty="0">
-                <a:latin typeface="Roboto"/>
-                <a:ea typeface="Roboto"/>
-                <a:cs typeface="Roboto"/>
-                <a:sym typeface="Calibri"/>
-              </a:rPr>
-              <a:t> </a:t>
-            </a:r>
-            <a:r>
-              <a:rPr lang="ru-RU" sz="2000" dirty="0">
-                <a:latin typeface="Roboto"/>
-                <a:ea typeface="Roboto"/>
-                <a:cs typeface="Roboto"/>
-                <a:sym typeface="Calibri"/>
-              </a:rPr>
-              <a:t>Класс </a:t>
-            </a:r>
-            <a:r>
-              <a:rPr lang="en-US" sz="2000" b="1" dirty="0">
-                <a:latin typeface="Roboto"/>
-                <a:ea typeface="Roboto"/>
-                <a:cs typeface="Roboto"/>
-                <a:sym typeface="Calibri"/>
-              </a:rPr>
-              <a:t>Parallel</a:t>
-            </a:r>
-            <a:r>
-              <a:rPr lang="ru-RU" sz="2000" dirty="0">
-                <a:latin typeface="Roboto"/>
-                <a:ea typeface="Roboto"/>
-                <a:cs typeface="Roboto"/>
-                <a:sym typeface="Calibri"/>
-              </a:rPr>
-              <a:t> предоставляет функционал для паралельного вызова нескольких методов или выполнения распаралеленых циклов.</a:t>
-            </a:r>
-          </a:p>
-          <a:p>
-            <a:pPr lvl="0" indent="-12700">
-              <a:spcAft>
-                <a:spcPts val="1200"/>
-              </a:spcAft>
-              <a:buSzPts val="2000"/>
-              <a:buFont typeface="Noto Sans Symbols"/>
-              <a:buChar char="▪"/>
-            </a:pPr>
-            <a:r>
-              <a:rPr lang="ru-RU" sz="2000" dirty="0">
-                <a:latin typeface="Roboto"/>
-                <a:ea typeface="Roboto"/>
-                <a:cs typeface="Roboto"/>
-                <a:sym typeface="Calibri"/>
-              </a:rPr>
-              <a:t> Инстуркции класса </a:t>
-            </a:r>
-            <a:r>
-              <a:rPr lang="en-US" sz="2000" b="1" dirty="0">
-                <a:latin typeface="Roboto"/>
-                <a:ea typeface="Roboto"/>
-                <a:cs typeface="Roboto"/>
-                <a:sym typeface="Calibri"/>
-              </a:rPr>
-              <a:t>Parallel</a:t>
-            </a:r>
-            <a:r>
-              <a:rPr lang="en-US" sz="2000" dirty="0">
-                <a:latin typeface="Roboto"/>
-                <a:ea typeface="Roboto"/>
-                <a:cs typeface="Roboto"/>
-                <a:sym typeface="Calibri"/>
-              </a:rPr>
-              <a:t> </a:t>
-            </a:r>
-            <a:r>
-              <a:rPr lang="ru-RU" sz="2000" dirty="0">
-                <a:latin typeface="Roboto"/>
-                <a:ea typeface="Roboto"/>
-                <a:cs typeface="Roboto"/>
-                <a:sym typeface="Calibri"/>
-              </a:rPr>
-              <a:t>выполняются синхронно.</a:t>
-            </a:r>
-            <a:endParaRPr sz="2000" i="0" u="none" strike="noStrike" cap="none" dirty="0">
-              <a:latin typeface="Roboto"/>
-              <a:ea typeface="Roboto"/>
-              <a:cs typeface="Roboto"/>
-              <a:sym typeface="Roboto"/>
-            </a:endParaRPr>
-          </a:p>
-        </p:txBody>
-      </p:sp>
-    </p:spTree>
-    <p:extLst>
-      <p:ext uri="{BB962C8B-B14F-4D97-AF65-F5344CB8AC3E}">
-        <p14:creationId xmlns:p14="http://schemas.microsoft.com/office/powerpoint/2010/main" val="811545401"/>
       </p:ext>
     </p:extLst>
   </p:cSld>
